--- a/pptx/Quantitative Skills for the Biosciences I.pptx
+++ b/pptx/Quantitative Skills for the Biosciences I.pptx
@@ -5,15 +5,17 @@
     <p:sldMasterId id="2147483648" r:id="rId1"/>
   </p:sldMasterIdLst>
   <p:notesMasterIdLst>
-    <p:notesMasterId r:id="rId8"/>
+    <p:notesMasterId r:id="rId10"/>
   </p:notesMasterIdLst>
   <p:sldIdLst>
     <p:sldId id="256" r:id="rId2"/>
-    <p:sldId id="258" r:id="rId3"/>
-    <p:sldId id="259" r:id="rId4"/>
-    <p:sldId id="260" r:id="rId5"/>
-    <p:sldId id="261" r:id="rId6"/>
-    <p:sldId id="262" r:id="rId7"/>
+    <p:sldId id="263" r:id="rId3"/>
+    <p:sldId id="264" r:id="rId4"/>
+    <p:sldId id="258" r:id="rId5"/>
+    <p:sldId id="259" r:id="rId6"/>
+    <p:sldId id="260" r:id="rId7"/>
+    <p:sldId id="261" r:id="rId8"/>
+    <p:sldId id="262" r:id="rId9"/>
   </p:sldIdLst>
   <p:sldSz cx="12192000" cy="6858000"/>
   <p:notesSz cx="6858000" cy="9144000"/>
@@ -202,7 +204,7 @@
           <a:p>
             <a:fld id="{E568910D-64C9-4DD4-83C5-A875B50009BA}" type="datetimeFigureOut">
               <a:rPr lang="en-GB" smtClean="0"/>
-              <a:t>18/09/2024</a:t>
+              <a:t>20/09/2024</a:t>
             </a:fld>
             <a:endParaRPr lang="en-GB"/>
           </a:p>
@@ -628,7 +630,7 @@
     </p:spTree>
     <p:extLst>
       <p:ext uri="{BB962C8B-B14F-4D97-AF65-F5344CB8AC3E}">
-        <p14:creationId xmlns:p14="http://schemas.microsoft.com/office/powerpoint/2010/main" val="3346470369"/>
+        <p14:creationId xmlns:p14="http://schemas.microsoft.com/office/powerpoint/2010/main" val="1306435019"/>
       </p:ext>
     </p:extLst>
   </p:cSld>
@@ -712,7 +714,7 @@
     </p:spTree>
     <p:extLst>
       <p:ext uri="{BB962C8B-B14F-4D97-AF65-F5344CB8AC3E}">
-        <p14:creationId xmlns:p14="http://schemas.microsoft.com/office/powerpoint/2010/main" val="1510188137"/>
+        <p14:creationId xmlns:p14="http://schemas.microsoft.com/office/powerpoint/2010/main" val="2356598591"/>
       </p:ext>
     </p:extLst>
   </p:cSld>
@@ -796,7 +798,7 @@
     </p:spTree>
     <p:extLst>
       <p:ext uri="{BB962C8B-B14F-4D97-AF65-F5344CB8AC3E}">
-        <p14:creationId xmlns:p14="http://schemas.microsoft.com/office/powerpoint/2010/main" val="1958075522"/>
+        <p14:creationId xmlns:p14="http://schemas.microsoft.com/office/powerpoint/2010/main" val="3346470369"/>
       </p:ext>
     </p:extLst>
   </p:cSld>
@@ -880,7 +882,7 @@
     </p:spTree>
     <p:extLst>
       <p:ext uri="{BB962C8B-B14F-4D97-AF65-F5344CB8AC3E}">
-        <p14:creationId xmlns:p14="http://schemas.microsoft.com/office/powerpoint/2010/main" val="1965393077"/>
+        <p14:creationId xmlns:p14="http://schemas.microsoft.com/office/powerpoint/2010/main" val="1510188137"/>
       </p:ext>
     </p:extLst>
   </p:cSld>
@@ -956,6 +958,174 @@
             <a:fld id="{606A802C-DFC7-4B77-84E8-4D9D65A0AEB6}" type="slidenum">
               <a:rPr lang="en-GB" smtClean="0"/>
               <a:t>6</a:t>
+            </a:fld>
+            <a:endParaRPr lang="en-GB"/>
+          </a:p>
+        </p:txBody>
+      </p:sp>
+    </p:spTree>
+    <p:extLst>
+      <p:ext uri="{BB962C8B-B14F-4D97-AF65-F5344CB8AC3E}">
+        <p14:creationId xmlns:p14="http://schemas.microsoft.com/office/powerpoint/2010/main" val="1958075522"/>
+      </p:ext>
+    </p:extLst>
+  </p:cSld>
+  <p:clrMapOvr>
+    <a:masterClrMapping/>
+  </p:clrMapOvr>
+</p:notes>
+</file>
+
+<file path=ppt/notesSlides/notesSlide7.xml><?xml version="1.0" encoding="utf-8"?>
+<p:notes xmlns:a="http://schemas.openxmlformats.org/drawingml/2006/main" xmlns:r="http://schemas.openxmlformats.org/officeDocument/2006/relationships" xmlns:p="http://schemas.openxmlformats.org/presentationml/2006/main">
+  <p:cSld>
+    <p:spTree>
+      <p:nvGrpSpPr>
+        <p:cNvPr id="1" name=""/>
+        <p:cNvGrpSpPr/>
+        <p:nvPr/>
+      </p:nvGrpSpPr>
+      <p:grpSpPr>
+        <a:xfrm>
+          <a:off x="0" y="0"/>
+          <a:ext cx="0" cy="0"/>
+          <a:chOff x="0" y="0"/>
+          <a:chExt cx="0" cy="0"/>
+        </a:xfrm>
+      </p:grpSpPr>
+      <p:sp>
+        <p:nvSpPr>
+          <p:cNvPr id="2" name="Slide Image Placeholder 1"/>
+          <p:cNvSpPr>
+            <a:spLocks noGrp="1" noRot="1" noChangeAspect="1"/>
+          </p:cNvSpPr>
+          <p:nvPr>
+            <p:ph type="sldImg"/>
+          </p:nvPr>
+        </p:nvSpPr>
+        <p:spPr/>
+      </p:sp>
+      <p:sp>
+        <p:nvSpPr>
+          <p:cNvPr id="3" name="Notes Placeholder 2"/>
+          <p:cNvSpPr>
+            <a:spLocks noGrp="1"/>
+          </p:cNvSpPr>
+          <p:nvPr>
+            <p:ph type="body" idx="1"/>
+          </p:nvPr>
+        </p:nvSpPr>
+        <p:spPr/>
+        <p:txBody>
+          <a:bodyPr/>
+          <a:lstStyle/>
+          <a:p>
+            <a:endParaRPr lang="en-GB" dirty="0"/>
+          </a:p>
+        </p:txBody>
+      </p:sp>
+      <p:sp>
+        <p:nvSpPr>
+          <p:cNvPr id="4" name="Slide Number Placeholder 3"/>
+          <p:cNvSpPr>
+            <a:spLocks noGrp="1"/>
+          </p:cNvSpPr>
+          <p:nvPr>
+            <p:ph type="sldNum" sz="quarter" idx="5"/>
+          </p:nvPr>
+        </p:nvSpPr>
+        <p:spPr/>
+        <p:txBody>
+          <a:bodyPr/>
+          <a:lstStyle/>
+          <a:p>
+            <a:fld id="{606A802C-DFC7-4B77-84E8-4D9D65A0AEB6}" type="slidenum">
+              <a:rPr lang="en-GB" smtClean="0"/>
+              <a:t>7</a:t>
+            </a:fld>
+            <a:endParaRPr lang="en-GB"/>
+          </a:p>
+        </p:txBody>
+      </p:sp>
+    </p:spTree>
+    <p:extLst>
+      <p:ext uri="{BB962C8B-B14F-4D97-AF65-F5344CB8AC3E}">
+        <p14:creationId xmlns:p14="http://schemas.microsoft.com/office/powerpoint/2010/main" val="1965393077"/>
+      </p:ext>
+    </p:extLst>
+  </p:cSld>
+  <p:clrMapOvr>
+    <a:masterClrMapping/>
+  </p:clrMapOvr>
+</p:notes>
+</file>
+
+<file path=ppt/notesSlides/notesSlide8.xml><?xml version="1.0" encoding="utf-8"?>
+<p:notes xmlns:a="http://schemas.openxmlformats.org/drawingml/2006/main" xmlns:r="http://schemas.openxmlformats.org/officeDocument/2006/relationships" xmlns:p="http://schemas.openxmlformats.org/presentationml/2006/main">
+  <p:cSld>
+    <p:spTree>
+      <p:nvGrpSpPr>
+        <p:cNvPr id="1" name=""/>
+        <p:cNvGrpSpPr/>
+        <p:nvPr/>
+      </p:nvGrpSpPr>
+      <p:grpSpPr>
+        <a:xfrm>
+          <a:off x="0" y="0"/>
+          <a:ext cx="0" cy="0"/>
+          <a:chOff x="0" y="0"/>
+          <a:chExt cx="0" cy="0"/>
+        </a:xfrm>
+      </p:grpSpPr>
+      <p:sp>
+        <p:nvSpPr>
+          <p:cNvPr id="2" name="Slide Image Placeholder 1"/>
+          <p:cNvSpPr>
+            <a:spLocks noGrp="1" noRot="1" noChangeAspect="1"/>
+          </p:cNvSpPr>
+          <p:nvPr>
+            <p:ph type="sldImg"/>
+          </p:nvPr>
+        </p:nvSpPr>
+        <p:spPr/>
+      </p:sp>
+      <p:sp>
+        <p:nvSpPr>
+          <p:cNvPr id="3" name="Notes Placeholder 2"/>
+          <p:cNvSpPr>
+            <a:spLocks noGrp="1"/>
+          </p:cNvSpPr>
+          <p:nvPr>
+            <p:ph type="body" idx="1"/>
+          </p:nvPr>
+        </p:nvSpPr>
+        <p:spPr/>
+        <p:txBody>
+          <a:bodyPr/>
+          <a:lstStyle/>
+          <a:p>
+            <a:endParaRPr lang="en-GB" dirty="0"/>
+          </a:p>
+        </p:txBody>
+      </p:sp>
+      <p:sp>
+        <p:nvSpPr>
+          <p:cNvPr id="4" name="Slide Number Placeholder 3"/>
+          <p:cNvSpPr>
+            <a:spLocks noGrp="1"/>
+          </p:cNvSpPr>
+          <p:nvPr>
+            <p:ph type="sldNum" sz="quarter" idx="5"/>
+          </p:nvPr>
+        </p:nvSpPr>
+        <p:spPr/>
+        <p:txBody>
+          <a:bodyPr/>
+          <a:lstStyle/>
+          <a:p>
+            <a:fld id="{606A802C-DFC7-4B77-84E8-4D9D65A0AEB6}" type="slidenum">
+              <a:rPr lang="en-GB" smtClean="0"/>
+              <a:t>8</a:t>
             </a:fld>
             <a:endParaRPr lang="en-GB"/>
           </a:p>
@@ -1123,7 +1293,7 @@
           <a:p>
             <a:fld id="{6AA4FF8C-76F8-4426-9A00-CA37271CFF96}" type="datetimeFigureOut">
               <a:rPr lang="en-GB" smtClean="0"/>
-              <a:t>18/09/2024</a:t>
+              <a:t>20/09/2024</a:t>
             </a:fld>
             <a:endParaRPr lang="en-GB"/>
           </a:p>
@@ -1323,7 +1493,7 @@
           <a:p>
             <a:fld id="{6AA4FF8C-76F8-4426-9A00-CA37271CFF96}" type="datetimeFigureOut">
               <a:rPr lang="en-GB" smtClean="0"/>
-              <a:t>18/09/2024</a:t>
+              <a:t>20/09/2024</a:t>
             </a:fld>
             <a:endParaRPr lang="en-GB"/>
           </a:p>
@@ -1533,7 +1703,7 @@
           <a:p>
             <a:fld id="{6AA4FF8C-76F8-4426-9A00-CA37271CFF96}" type="datetimeFigureOut">
               <a:rPr lang="en-GB" smtClean="0"/>
-              <a:t>18/09/2024</a:t>
+              <a:t>20/09/2024</a:t>
             </a:fld>
             <a:endParaRPr lang="en-GB"/>
           </a:p>
@@ -1733,7 +1903,7 @@
           <a:p>
             <a:fld id="{6AA4FF8C-76F8-4426-9A00-CA37271CFF96}" type="datetimeFigureOut">
               <a:rPr lang="en-GB" smtClean="0"/>
-              <a:t>18/09/2024</a:t>
+              <a:t>20/09/2024</a:t>
             </a:fld>
             <a:endParaRPr lang="en-GB"/>
           </a:p>
@@ -2009,7 +2179,7 @@
           <a:p>
             <a:fld id="{6AA4FF8C-76F8-4426-9A00-CA37271CFF96}" type="datetimeFigureOut">
               <a:rPr lang="en-GB" smtClean="0"/>
-              <a:t>18/09/2024</a:t>
+              <a:t>20/09/2024</a:t>
             </a:fld>
             <a:endParaRPr lang="en-GB"/>
           </a:p>
@@ -2277,7 +2447,7 @@
           <a:p>
             <a:fld id="{6AA4FF8C-76F8-4426-9A00-CA37271CFF96}" type="datetimeFigureOut">
               <a:rPr lang="en-GB" smtClean="0"/>
-              <a:t>18/09/2024</a:t>
+              <a:t>20/09/2024</a:t>
             </a:fld>
             <a:endParaRPr lang="en-GB"/>
           </a:p>
@@ -2692,7 +2862,7 @@
           <a:p>
             <a:fld id="{6AA4FF8C-76F8-4426-9A00-CA37271CFF96}" type="datetimeFigureOut">
               <a:rPr lang="en-GB" smtClean="0"/>
-              <a:t>18/09/2024</a:t>
+              <a:t>20/09/2024</a:t>
             </a:fld>
             <a:endParaRPr lang="en-GB"/>
           </a:p>
@@ -2834,7 +3004,7 @@
           <a:p>
             <a:fld id="{6AA4FF8C-76F8-4426-9A00-CA37271CFF96}" type="datetimeFigureOut">
               <a:rPr lang="en-GB" smtClean="0"/>
-              <a:t>18/09/2024</a:t>
+              <a:t>20/09/2024</a:t>
             </a:fld>
             <a:endParaRPr lang="en-GB"/>
           </a:p>
@@ -2947,7 +3117,7 @@
           <a:p>
             <a:fld id="{6AA4FF8C-76F8-4426-9A00-CA37271CFF96}" type="datetimeFigureOut">
               <a:rPr lang="en-GB" smtClean="0"/>
-              <a:t>18/09/2024</a:t>
+              <a:t>20/09/2024</a:t>
             </a:fld>
             <a:endParaRPr lang="en-GB"/>
           </a:p>
@@ -3260,7 +3430,7 @@
           <a:p>
             <a:fld id="{6AA4FF8C-76F8-4426-9A00-CA37271CFF96}" type="datetimeFigureOut">
               <a:rPr lang="en-GB" smtClean="0"/>
-              <a:t>18/09/2024</a:t>
+              <a:t>20/09/2024</a:t>
             </a:fld>
             <a:endParaRPr lang="en-GB"/>
           </a:p>
@@ -3549,7 +3719,7 @@
           <a:p>
             <a:fld id="{6AA4FF8C-76F8-4426-9A00-CA37271CFF96}" type="datetimeFigureOut">
               <a:rPr lang="en-GB" smtClean="0"/>
-              <a:t>18/09/2024</a:t>
+              <a:t>20/09/2024</a:t>
             </a:fld>
             <a:endParaRPr lang="en-GB"/>
           </a:p>
@@ -3792,7 +3962,7 @@
           <a:p>
             <a:fld id="{6AA4FF8C-76F8-4426-9A00-CA37271CFF96}" type="datetimeFigureOut">
               <a:rPr lang="en-GB" smtClean="0"/>
-              <a:t>18/09/2024</a:t>
+              <a:t>20/09/2024</a:t>
             </a:fld>
             <a:endParaRPr lang="en-GB"/>
           </a:p>
@@ -4694,7 +4864,7 @@
         <p:spPr>
           <a:xfrm>
             <a:off x="780836" y="4674742"/>
-            <a:ext cx="4556376" cy="923330"/>
+            <a:ext cx="4281557" cy="923330"/>
           </a:xfrm>
           <a:prstGeom prst="rect">
             <a:avLst/>
@@ -4709,18 +4879,18 @@
           <a:p>
             <a:pPr marL="342900" indent="-342900">
               <a:buFont typeface="+mj-lt"/>
-              <a:buAutoNum type="arabicPeriod" startAt="2"/>
+              <a:buAutoNum type="arabicPeriod"/>
             </a:pPr>
             <a:r>
               <a:rPr lang="en-GB" b="1" dirty="0"/>
-              <a:t>Summarising Data and ANOVA in Excel</a:t>
+              <a:t>Introduction to Excel and R</a:t>
             </a:r>
           </a:p>
           <a:p>
             <a:pPr lvl="1"/>
             <a:r>
               <a:rPr lang="en-GB" dirty="0"/>
-              <a:t>2.2.1   Grouped Boxplots in Excel</a:t>
+              <a:t>1.1   Estimating the Volume of a Snail</a:t>
             </a:r>
           </a:p>
           <a:p>
@@ -4734,7 +4904,7 @@
     </p:spTree>
     <p:extLst>
       <p:ext uri="{BB962C8B-B14F-4D97-AF65-F5344CB8AC3E}">
-        <p14:creationId xmlns:p14="http://schemas.microsoft.com/office/powerpoint/2010/main" val="2499101001"/>
+        <p14:creationId xmlns:p14="http://schemas.microsoft.com/office/powerpoint/2010/main" val="3205331733"/>
       </p:ext>
     </p:extLst>
   </p:cSld>
@@ -4970,7 +5140,7 @@
         <p:spPr>
           <a:xfrm>
             <a:off x="780836" y="4674742"/>
-            <a:ext cx="5080943" cy="923330"/>
+            <a:ext cx="3340979" cy="923330"/>
           </a:xfrm>
           <a:prstGeom prst="rect">
             <a:avLst/>
@@ -4985,18 +5155,18 @@
           <a:p>
             <a:pPr marL="342900" indent="-342900">
               <a:buFont typeface="+mj-lt"/>
-              <a:buAutoNum type="arabicPeriod" startAt="2"/>
+              <a:buAutoNum type="arabicPeriod"/>
             </a:pPr>
             <a:r>
               <a:rPr lang="en-GB" b="1" dirty="0"/>
-              <a:t>Summarising Data and ANOVA in Excel</a:t>
+              <a:t>Introduction to Excel and R</a:t>
             </a:r>
           </a:p>
           <a:p>
             <a:pPr lvl="1"/>
             <a:r>
               <a:rPr lang="en-GB" dirty="0"/>
-              <a:t>2.2.3   Performing a One-Way ANOVA in Excel</a:t>
+              <a:t>1.2   Getting Ready for R</a:t>
             </a:r>
           </a:p>
           <a:p>
@@ -5010,7 +5180,7 @@
     </p:spTree>
     <p:extLst>
       <p:ext uri="{BB962C8B-B14F-4D97-AF65-F5344CB8AC3E}">
-        <p14:creationId xmlns:p14="http://schemas.microsoft.com/office/powerpoint/2010/main" val="2483090345"/>
+        <p14:creationId xmlns:p14="http://schemas.microsoft.com/office/powerpoint/2010/main" val="2957000954"/>
       </p:ext>
     </p:extLst>
   </p:cSld>
@@ -5246,7 +5416,7 @@
         <p:spPr>
           <a:xfrm>
             <a:off x="780836" y="4674742"/>
-            <a:ext cx="4668907" cy="923330"/>
+            <a:ext cx="4556376" cy="923330"/>
           </a:xfrm>
           <a:prstGeom prst="rect">
             <a:avLst/>
@@ -5272,7 +5442,7 @@
             <a:pPr lvl="1"/>
             <a:r>
               <a:rPr lang="en-GB" dirty="0"/>
-              <a:t>2.2.4   Performing Post-hoc Tests in Excel</a:t>
+              <a:t>2.2.1   Grouped Boxplots in Excel</a:t>
             </a:r>
           </a:p>
           <a:p>
@@ -5286,7 +5456,7 @@
     </p:spTree>
     <p:extLst>
       <p:ext uri="{BB962C8B-B14F-4D97-AF65-F5344CB8AC3E}">
-        <p14:creationId xmlns:p14="http://schemas.microsoft.com/office/powerpoint/2010/main" val="4037214673"/>
+        <p14:creationId xmlns:p14="http://schemas.microsoft.com/office/powerpoint/2010/main" val="2499101001"/>
       </p:ext>
     </p:extLst>
   </p:cSld>
@@ -5492,6 +5662,558 @@
                 <a:latin typeface="Roboto" panose="02000000000000000000" pitchFamily="2" charset="0"/>
                 <a:ea typeface="Roboto" panose="02000000000000000000" pitchFamily="2" charset="0"/>
               </a:rPr>
+              <a:t>for the Biosciences I</a:t>
+            </a:r>
+            <a:endParaRPr lang="en-GB" sz="4000" dirty="0">
+              <a:solidFill>
+                <a:schemeClr val="tx1">
+                  <a:lumMod val="85000"/>
+                  <a:lumOff val="15000"/>
+                </a:schemeClr>
+              </a:solidFill>
+              <a:latin typeface="Roboto" panose="02000000000000000000" pitchFamily="2" charset="0"/>
+              <a:ea typeface="Roboto" panose="02000000000000000000" pitchFamily="2" charset="0"/>
+            </a:endParaRPr>
+          </a:p>
+        </p:txBody>
+      </p:sp>
+      <p:sp>
+        <p:nvSpPr>
+          <p:cNvPr id="5" name="TextBox 4">
+            <a:extLst>
+              <a:ext uri="{FF2B5EF4-FFF2-40B4-BE49-F238E27FC236}">
+                <a16:creationId xmlns:a16="http://schemas.microsoft.com/office/drawing/2014/main" id="{408DECAB-5077-CD0A-7745-B04B3F5466C5}"/>
+              </a:ext>
+            </a:extLst>
+          </p:cNvPr>
+          <p:cNvSpPr txBox="1"/>
+          <p:nvPr/>
+        </p:nvSpPr>
+        <p:spPr>
+          <a:xfrm>
+            <a:off x="780836" y="4674742"/>
+            <a:ext cx="5080943" cy="923330"/>
+          </a:xfrm>
+          <a:prstGeom prst="rect">
+            <a:avLst/>
+          </a:prstGeom>
+          <a:noFill/>
+        </p:spPr>
+        <p:txBody>
+          <a:bodyPr wrap="none" rtlCol="0">
+            <a:spAutoFit/>
+          </a:bodyPr>
+          <a:lstStyle/>
+          <a:p>
+            <a:pPr marL="342900" indent="-342900">
+              <a:buFont typeface="+mj-lt"/>
+              <a:buAutoNum type="arabicPeriod" startAt="2"/>
+            </a:pPr>
+            <a:r>
+              <a:rPr lang="en-GB" b="1" dirty="0"/>
+              <a:t>Summarising Data and ANOVA in Excel</a:t>
+            </a:r>
+          </a:p>
+          <a:p>
+            <a:pPr lvl="1"/>
+            <a:r>
+              <a:rPr lang="en-GB" dirty="0"/>
+              <a:t>2.2.3   Performing a One-Way ANOVA in Excel</a:t>
+            </a:r>
+          </a:p>
+          <a:p>
+            <a:pPr marL="800100" lvl="1" indent="-342900">
+              <a:buAutoNum type="arabicPeriod"/>
+            </a:pPr>
+            <a:endParaRPr lang="en-GB" dirty="0"/>
+          </a:p>
+        </p:txBody>
+      </p:sp>
+    </p:spTree>
+    <p:extLst>
+      <p:ext uri="{BB962C8B-B14F-4D97-AF65-F5344CB8AC3E}">
+        <p14:creationId xmlns:p14="http://schemas.microsoft.com/office/powerpoint/2010/main" val="2483090345"/>
+      </p:ext>
+    </p:extLst>
+  </p:cSld>
+  <p:clrMapOvr>
+    <a:masterClrMapping/>
+  </p:clrMapOvr>
+</p:sld>
+</file>
+
+<file path=ppt/slides/slide6.xml><?xml version="1.0" encoding="utf-8"?>
+<p:sld xmlns:a="http://schemas.openxmlformats.org/drawingml/2006/main" xmlns:r="http://schemas.openxmlformats.org/officeDocument/2006/relationships" xmlns:p="http://schemas.openxmlformats.org/presentationml/2006/main">
+  <p:cSld>
+    <p:spTree>
+      <p:nvGrpSpPr>
+        <p:cNvPr id="1" name=""/>
+        <p:cNvGrpSpPr/>
+        <p:nvPr/>
+      </p:nvGrpSpPr>
+      <p:grpSpPr>
+        <a:xfrm>
+          <a:off x="0" y="0"/>
+          <a:ext cx="0" cy="0"/>
+          <a:chOff x="0" y="0"/>
+          <a:chExt cx="0" cy="0"/>
+        </a:xfrm>
+      </p:grpSpPr>
+      <p:grpSp>
+        <p:nvGrpSpPr>
+          <p:cNvPr id="9" name="Group 8">
+            <a:extLst>
+              <a:ext uri="{FF2B5EF4-FFF2-40B4-BE49-F238E27FC236}">
+                <a16:creationId xmlns:a16="http://schemas.microsoft.com/office/drawing/2014/main" id="{77DB5CDF-12C9-369D-6411-E559D40492FA}"/>
+              </a:ext>
+            </a:extLst>
+          </p:cNvPr>
+          <p:cNvGrpSpPr/>
+          <p:nvPr/>
+        </p:nvGrpSpPr>
+        <p:grpSpPr>
+          <a:xfrm>
+            <a:off x="95250" y="0"/>
+            <a:ext cx="12096750" cy="6858000"/>
+            <a:chOff x="95250" y="0"/>
+            <a:chExt cx="12096750" cy="6858000"/>
+          </a:xfrm>
+        </p:grpSpPr>
+        <p:pic>
+          <p:nvPicPr>
+            <p:cNvPr id="7" name="Picture 6" descr="A black and white image of a city&#10;&#10;Description automatically generated">
+              <a:extLst>
+                <a:ext uri="{FF2B5EF4-FFF2-40B4-BE49-F238E27FC236}">
+                  <a16:creationId xmlns:a16="http://schemas.microsoft.com/office/drawing/2014/main" id="{6F3074F2-352F-43CF-AE6E-5ACC431A51FD}"/>
+                </a:ext>
+              </a:extLst>
+            </p:cNvPr>
+            <p:cNvPicPr>
+              <a:picLocks noChangeAspect="1"/>
+            </p:cNvPicPr>
+            <p:nvPr/>
+          </p:nvPicPr>
+          <p:blipFill>
+            <a:blip r:embed="rId3">
+              <a:extLst>
+                <a:ext uri="{28A0092B-C50C-407E-A947-70E740481C1C}">
+                  <a14:useLocalDpi xmlns:a14="http://schemas.microsoft.com/office/drawing/2010/main" val="0"/>
+                </a:ext>
+              </a:extLst>
+            </a:blip>
+            <a:stretch>
+              <a:fillRect/>
+            </a:stretch>
+          </p:blipFill>
+          <p:spPr>
+            <a:xfrm>
+              <a:off x="95250" y="0"/>
+              <a:ext cx="12001500" cy="6858000"/>
+            </a:xfrm>
+            <a:prstGeom prst="rect">
+              <a:avLst/>
+            </a:prstGeom>
+          </p:spPr>
+        </p:pic>
+        <p:sp>
+          <p:nvSpPr>
+            <p:cNvPr id="8" name="Rectangle 7">
+              <a:extLst>
+                <a:ext uri="{FF2B5EF4-FFF2-40B4-BE49-F238E27FC236}">
+                  <a16:creationId xmlns:a16="http://schemas.microsoft.com/office/drawing/2014/main" id="{CCD734EC-557E-F662-5781-FA8891F5EB16}"/>
+                </a:ext>
+              </a:extLst>
+            </p:cNvPr>
+            <p:cNvSpPr/>
+            <p:nvPr/>
+          </p:nvSpPr>
+          <p:spPr>
+            <a:xfrm>
+              <a:off x="297952" y="0"/>
+              <a:ext cx="11894048" cy="6858000"/>
+            </a:xfrm>
+            <a:prstGeom prst="rect">
+              <a:avLst/>
+            </a:prstGeom>
+            <a:gradFill flip="none" rotWithShape="1">
+              <a:gsLst>
+                <a:gs pos="20000">
+                  <a:schemeClr val="bg1"/>
+                </a:gs>
+                <a:gs pos="48000">
+                  <a:srgbClr val="FFFFFF">
+                    <a:alpha val="90000"/>
+                  </a:srgbClr>
+                </a:gs>
+                <a:gs pos="92000">
+                  <a:schemeClr val="bg1">
+                    <a:alpha val="0"/>
+                  </a:schemeClr>
+                </a:gs>
+              </a:gsLst>
+              <a:lin ang="0" scaled="1"/>
+              <a:tileRect/>
+            </a:gradFill>
+            <a:ln>
+              <a:noFill/>
+            </a:ln>
+          </p:spPr>
+          <p:style>
+            <a:lnRef idx="2">
+              <a:schemeClr val="accent1">
+                <a:shade val="15000"/>
+              </a:schemeClr>
+            </a:lnRef>
+            <a:fillRef idx="1">
+              <a:schemeClr val="accent1"/>
+            </a:fillRef>
+            <a:effectRef idx="0">
+              <a:schemeClr val="accent1"/>
+            </a:effectRef>
+            <a:fontRef idx="minor">
+              <a:schemeClr val="lt1"/>
+            </a:fontRef>
+          </p:style>
+          <p:txBody>
+            <a:bodyPr rtlCol="0" anchor="ctr"/>
+            <a:lstStyle/>
+            <a:p>
+              <a:pPr algn="ctr"/>
+              <a:endParaRPr lang="en-GB"/>
+            </a:p>
+          </p:txBody>
+        </p:sp>
+      </p:grpSp>
+      <p:sp>
+        <p:nvSpPr>
+          <p:cNvPr id="4" name="Title 1">
+            <a:extLst>
+              <a:ext uri="{FF2B5EF4-FFF2-40B4-BE49-F238E27FC236}">
+                <a16:creationId xmlns:a16="http://schemas.microsoft.com/office/drawing/2014/main" id="{96F8826D-2D91-AD9E-08AE-AA28F4E2C3FE}"/>
+              </a:ext>
+            </a:extLst>
+          </p:cNvPr>
+          <p:cNvSpPr>
+            <a:spLocks noGrp="1"/>
+          </p:cNvSpPr>
+          <p:nvPr>
+            <p:ph type="ctrTitle"/>
+          </p:nvPr>
+        </p:nvSpPr>
+        <p:spPr>
+          <a:xfrm>
+            <a:off x="657546" y="599609"/>
+            <a:ext cx="4479533" cy="3692028"/>
+          </a:xfrm>
+          <a:noFill/>
+        </p:spPr>
+        <p:txBody>
+          <a:bodyPr>
+            <a:normAutofit/>
+          </a:bodyPr>
+          <a:lstStyle/>
+          <a:p>
+            <a:pPr algn="l"/>
+            <a:r>
+              <a:rPr lang="en-GB" sz="4000" b="1" dirty="0">
+                <a:solidFill>
+                  <a:schemeClr val="tx1">
+                    <a:lumMod val="85000"/>
+                    <a:lumOff val="15000"/>
+                  </a:schemeClr>
+                </a:solidFill>
+                <a:latin typeface="Roboto" panose="02000000000000000000" pitchFamily="2" charset="0"/>
+                <a:ea typeface="Roboto" panose="02000000000000000000" pitchFamily="2" charset="0"/>
+              </a:rPr>
+              <a:t>Quantitative Skills </a:t>
+            </a:r>
+            <a:r>
+              <a:rPr lang="en-GB" sz="3200" dirty="0">
+                <a:solidFill>
+                  <a:schemeClr val="tx1">
+                    <a:lumMod val="85000"/>
+                    <a:lumOff val="15000"/>
+                  </a:schemeClr>
+                </a:solidFill>
+                <a:latin typeface="Roboto" panose="02000000000000000000" pitchFamily="2" charset="0"/>
+                <a:ea typeface="Roboto" panose="02000000000000000000" pitchFamily="2" charset="0"/>
+              </a:rPr>
+              <a:t>for the Biosciences I</a:t>
+            </a:r>
+            <a:endParaRPr lang="en-GB" sz="4000" dirty="0">
+              <a:solidFill>
+                <a:schemeClr val="tx1">
+                  <a:lumMod val="85000"/>
+                  <a:lumOff val="15000"/>
+                </a:schemeClr>
+              </a:solidFill>
+              <a:latin typeface="Roboto" panose="02000000000000000000" pitchFamily="2" charset="0"/>
+              <a:ea typeface="Roboto" panose="02000000000000000000" pitchFamily="2" charset="0"/>
+            </a:endParaRPr>
+          </a:p>
+        </p:txBody>
+      </p:sp>
+      <p:sp>
+        <p:nvSpPr>
+          <p:cNvPr id="5" name="TextBox 4">
+            <a:extLst>
+              <a:ext uri="{FF2B5EF4-FFF2-40B4-BE49-F238E27FC236}">
+                <a16:creationId xmlns:a16="http://schemas.microsoft.com/office/drawing/2014/main" id="{408DECAB-5077-CD0A-7745-B04B3F5466C5}"/>
+              </a:ext>
+            </a:extLst>
+          </p:cNvPr>
+          <p:cNvSpPr txBox="1"/>
+          <p:nvPr/>
+        </p:nvSpPr>
+        <p:spPr>
+          <a:xfrm>
+            <a:off x="780836" y="4674742"/>
+            <a:ext cx="4668907" cy="923330"/>
+          </a:xfrm>
+          <a:prstGeom prst="rect">
+            <a:avLst/>
+          </a:prstGeom>
+          <a:noFill/>
+        </p:spPr>
+        <p:txBody>
+          <a:bodyPr wrap="none" rtlCol="0">
+            <a:spAutoFit/>
+          </a:bodyPr>
+          <a:lstStyle/>
+          <a:p>
+            <a:pPr marL="342900" indent="-342900">
+              <a:buFont typeface="+mj-lt"/>
+              <a:buAutoNum type="arabicPeriod" startAt="2"/>
+            </a:pPr>
+            <a:r>
+              <a:rPr lang="en-GB" b="1" dirty="0"/>
+              <a:t>Summarising Data and ANOVA in Excel</a:t>
+            </a:r>
+          </a:p>
+          <a:p>
+            <a:pPr lvl="1"/>
+            <a:r>
+              <a:rPr lang="en-GB" dirty="0"/>
+              <a:t>2.2.4   Performing Post-hoc Tests in Excel</a:t>
+            </a:r>
+          </a:p>
+          <a:p>
+            <a:pPr marL="800100" lvl="1" indent="-342900">
+              <a:buAutoNum type="arabicPeriod"/>
+            </a:pPr>
+            <a:endParaRPr lang="en-GB" dirty="0"/>
+          </a:p>
+        </p:txBody>
+      </p:sp>
+    </p:spTree>
+    <p:extLst>
+      <p:ext uri="{BB962C8B-B14F-4D97-AF65-F5344CB8AC3E}">
+        <p14:creationId xmlns:p14="http://schemas.microsoft.com/office/powerpoint/2010/main" val="4037214673"/>
+      </p:ext>
+    </p:extLst>
+  </p:cSld>
+  <p:clrMapOvr>
+    <a:masterClrMapping/>
+  </p:clrMapOvr>
+</p:sld>
+</file>
+
+<file path=ppt/slides/slide7.xml><?xml version="1.0" encoding="utf-8"?>
+<p:sld xmlns:a="http://schemas.openxmlformats.org/drawingml/2006/main" xmlns:r="http://schemas.openxmlformats.org/officeDocument/2006/relationships" xmlns:p="http://schemas.openxmlformats.org/presentationml/2006/main">
+  <p:cSld>
+    <p:spTree>
+      <p:nvGrpSpPr>
+        <p:cNvPr id="1" name=""/>
+        <p:cNvGrpSpPr/>
+        <p:nvPr/>
+      </p:nvGrpSpPr>
+      <p:grpSpPr>
+        <a:xfrm>
+          <a:off x="0" y="0"/>
+          <a:ext cx="0" cy="0"/>
+          <a:chOff x="0" y="0"/>
+          <a:chExt cx="0" cy="0"/>
+        </a:xfrm>
+      </p:grpSpPr>
+      <p:grpSp>
+        <p:nvGrpSpPr>
+          <p:cNvPr id="9" name="Group 8">
+            <a:extLst>
+              <a:ext uri="{FF2B5EF4-FFF2-40B4-BE49-F238E27FC236}">
+                <a16:creationId xmlns:a16="http://schemas.microsoft.com/office/drawing/2014/main" id="{77DB5CDF-12C9-369D-6411-E559D40492FA}"/>
+              </a:ext>
+            </a:extLst>
+          </p:cNvPr>
+          <p:cNvGrpSpPr/>
+          <p:nvPr/>
+        </p:nvGrpSpPr>
+        <p:grpSpPr>
+          <a:xfrm>
+            <a:off x="95250" y="0"/>
+            <a:ext cx="12096750" cy="6858000"/>
+            <a:chOff x="95250" y="0"/>
+            <a:chExt cx="12096750" cy="6858000"/>
+          </a:xfrm>
+        </p:grpSpPr>
+        <p:pic>
+          <p:nvPicPr>
+            <p:cNvPr id="7" name="Picture 6" descr="A black and white image of a city&#10;&#10;Description automatically generated">
+              <a:extLst>
+                <a:ext uri="{FF2B5EF4-FFF2-40B4-BE49-F238E27FC236}">
+                  <a16:creationId xmlns:a16="http://schemas.microsoft.com/office/drawing/2014/main" id="{6F3074F2-352F-43CF-AE6E-5ACC431A51FD}"/>
+                </a:ext>
+              </a:extLst>
+            </p:cNvPr>
+            <p:cNvPicPr>
+              <a:picLocks noChangeAspect="1"/>
+            </p:cNvPicPr>
+            <p:nvPr/>
+          </p:nvPicPr>
+          <p:blipFill>
+            <a:blip r:embed="rId3">
+              <a:extLst>
+                <a:ext uri="{28A0092B-C50C-407E-A947-70E740481C1C}">
+                  <a14:useLocalDpi xmlns:a14="http://schemas.microsoft.com/office/drawing/2010/main" val="0"/>
+                </a:ext>
+              </a:extLst>
+            </a:blip>
+            <a:stretch>
+              <a:fillRect/>
+            </a:stretch>
+          </p:blipFill>
+          <p:spPr>
+            <a:xfrm>
+              <a:off x="95250" y="0"/>
+              <a:ext cx="12001500" cy="6858000"/>
+            </a:xfrm>
+            <a:prstGeom prst="rect">
+              <a:avLst/>
+            </a:prstGeom>
+          </p:spPr>
+        </p:pic>
+        <p:sp>
+          <p:nvSpPr>
+            <p:cNvPr id="8" name="Rectangle 7">
+              <a:extLst>
+                <a:ext uri="{FF2B5EF4-FFF2-40B4-BE49-F238E27FC236}">
+                  <a16:creationId xmlns:a16="http://schemas.microsoft.com/office/drawing/2014/main" id="{CCD734EC-557E-F662-5781-FA8891F5EB16}"/>
+                </a:ext>
+              </a:extLst>
+            </p:cNvPr>
+            <p:cNvSpPr/>
+            <p:nvPr/>
+          </p:nvSpPr>
+          <p:spPr>
+            <a:xfrm>
+              <a:off x="297952" y="0"/>
+              <a:ext cx="11894048" cy="6858000"/>
+            </a:xfrm>
+            <a:prstGeom prst="rect">
+              <a:avLst/>
+            </a:prstGeom>
+            <a:gradFill flip="none" rotWithShape="1">
+              <a:gsLst>
+                <a:gs pos="20000">
+                  <a:schemeClr val="bg1"/>
+                </a:gs>
+                <a:gs pos="48000">
+                  <a:srgbClr val="FFFFFF">
+                    <a:alpha val="90000"/>
+                  </a:srgbClr>
+                </a:gs>
+                <a:gs pos="92000">
+                  <a:schemeClr val="bg1">
+                    <a:alpha val="0"/>
+                  </a:schemeClr>
+                </a:gs>
+              </a:gsLst>
+              <a:lin ang="0" scaled="1"/>
+              <a:tileRect/>
+            </a:gradFill>
+            <a:ln>
+              <a:noFill/>
+            </a:ln>
+          </p:spPr>
+          <p:style>
+            <a:lnRef idx="2">
+              <a:schemeClr val="accent1">
+                <a:shade val="15000"/>
+              </a:schemeClr>
+            </a:lnRef>
+            <a:fillRef idx="1">
+              <a:schemeClr val="accent1"/>
+            </a:fillRef>
+            <a:effectRef idx="0">
+              <a:schemeClr val="accent1"/>
+            </a:effectRef>
+            <a:fontRef idx="minor">
+              <a:schemeClr val="lt1"/>
+            </a:fontRef>
+          </p:style>
+          <p:txBody>
+            <a:bodyPr rtlCol="0" anchor="ctr"/>
+            <a:lstStyle/>
+            <a:p>
+              <a:pPr algn="ctr"/>
+              <a:endParaRPr lang="en-GB"/>
+            </a:p>
+          </p:txBody>
+        </p:sp>
+      </p:grpSp>
+      <p:sp>
+        <p:nvSpPr>
+          <p:cNvPr id="4" name="Title 1">
+            <a:extLst>
+              <a:ext uri="{FF2B5EF4-FFF2-40B4-BE49-F238E27FC236}">
+                <a16:creationId xmlns:a16="http://schemas.microsoft.com/office/drawing/2014/main" id="{96F8826D-2D91-AD9E-08AE-AA28F4E2C3FE}"/>
+              </a:ext>
+            </a:extLst>
+          </p:cNvPr>
+          <p:cNvSpPr>
+            <a:spLocks noGrp="1"/>
+          </p:cNvSpPr>
+          <p:nvPr>
+            <p:ph type="ctrTitle"/>
+          </p:nvPr>
+        </p:nvSpPr>
+        <p:spPr>
+          <a:xfrm>
+            <a:off x="657546" y="599609"/>
+            <a:ext cx="4479533" cy="3692028"/>
+          </a:xfrm>
+          <a:noFill/>
+        </p:spPr>
+        <p:txBody>
+          <a:bodyPr>
+            <a:normAutofit/>
+          </a:bodyPr>
+          <a:lstStyle/>
+          <a:p>
+            <a:pPr algn="l"/>
+            <a:r>
+              <a:rPr lang="en-GB" sz="4000" b="1" dirty="0">
+                <a:solidFill>
+                  <a:schemeClr val="tx1">
+                    <a:lumMod val="85000"/>
+                    <a:lumOff val="15000"/>
+                  </a:schemeClr>
+                </a:solidFill>
+                <a:latin typeface="Roboto" panose="02000000000000000000" pitchFamily="2" charset="0"/>
+                <a:ea typeface="Roboto" panose="02000000000000000000" pitchFamily="2" charset="0"/>
+              </a:rPr>
+              <a:t>Quantitative Skills </a:t>
+            </a:r>
+            <a:r>
+              <a:rPr lang="en-GB" sz="3200" dirty="0">
+                <a:solidFill>
+                  <a:schemeClr val="tx1">
+                    <a:lumMod val="85000"/>
+                    <a:lumOff val="15000"/>
+                  </a:schemeClr>
+                </a:solidFill>
+                <a:latin typeface="Roboto" panose="02000000000000000000" pitchFamily="2" charset="0"/>
+                <a:ea typeface="Roboto" panose="02000000000000000000" pitchFamily="2" charset="0"/>
+              </a:rPr>
               <a:t>for the Biosciences</a:t>
             </a:r>
             <a:endParaRPr lang="en-GB" sz="4000" dirty="0">
@@ -5559,7 +6281,7 @@
 </p:sld>
 </file>
 
-<file path=ppt/slides/slide6.xml><?xml version="1.0" encoding="utf-8"?>
+<file path=ppt/slides/slide8.xml><?xml version="1.0" encoding="utf-8"?>
 <p:sld xmlns:a="http://schemas.openxmlformats.org/drawingml/2006/main" xmlns:r="http://schemas.openxmlformats.org/officeDocument/2006/relationships" xmlns:p="http://schemas.openxmlformats.org/presentationml/2006/main">
   <p:cSld>
     <p:spTree>

--- a/pptx/Quantitative Skills for the Biosciences I.pptx
+++ b/pptx/Quantitative Skills for the Biosciences I.pptx
@@ -5,17 +5,18 @@
     <p:sldMasterId id="2147483648" r:id="rId1"/>
   </p:sldMasterIdLst>
   <p:notesMasterIdLst>
-    <p:notesMasterId r:id="rId10"/>
+    <p:notesMasterId r:id="rId11"/>
   </p:notesMasterIdLst>
   <p:sldIdLst>
-    <p:sldId id="256" r:id="rId2"/>
-    <p:sldId id="263" r:id="rId3"/>
-    <p:sldId id="264" r:id="rId4"/>
-    <p:sldId id="258" r:id="rId5"/>
-    <p:sldId id="259" r:id="rId6"/>
-    <p:sldId id="260" r:id="rId7"/>
-    <p:sldId id="261" r:id="rId8"/>
-    <p:sldId id="262" r:id="rId9"/>
+    <p:sldId id="265" r:id="rId2"/>
+    <p:sldId id="256" r:id="rId3"/>
+    <p:sldId id="263" r:id="rId4"/>
+    <p:sldId id="264" r:id="rId5"/>
+    <p:sldId id="258" r:id="rId6"/>
+    <p:sldId id="259" r:id="rId7"/>
+    <p:sldId id="260" r:id="rId8"/>
+    <p:sldId id="261" r:id="rId9"/>
+    <p:sldId id="262" r:id="rId10"/>
   </p:sldIdLst>
   <p:sldSz cx="12192000" cy="6858000"/>
   <p:notesSz cx="6858000" cy="9144000"/>
@@ -546,7 +547,7 @@
     </p:spTree>
     <p:extLst>
       <p:ext uri="{BB962C8B-B14F-4D97-AF65-F5344CB8AC3E}">
-        <p14:creationId xmlns:p14="http://schemas.microsoft.com/office/powerpoint/2010/main" val="1781990620"/>
+        <p14:creationId xmlns:p14="http://schemas.microsoft.com/office/powerpoint/2010/main" val="2062261269"/>
       </p:ext>
     </p:extLst>
   </p:cSld>
@@ -630,7 +631,7 @@
     </p:spTree>
     <p:extLst>
       <p:ext uri="{BB962C8B-B14F-4D97-AF65-F5344CB8AC3E}">
-        <p14:creationId xmlns:p14="http://schemas.microsoft.com/office/powerpoint/2010/main" val="1306435019"/>
+        <p14:creationId xmlns:p14="http://schemas.microsoft.com/office/powerpoint/2010/main" val="1781990620"/>
       </p:ext>
     </p:extLst>
   </p:cSld>
@@ -714,7 +715,7 @@
     </p:spTree>
     <p:extLst>
       <p:ext uri="{BB962C8B-B14F-4D97-AF65-F5344CB8AC3E}">
-        <p14:creationId xmlns:p14="http://schemas.microsoft.com/office/powerpoint/2010/main" val="2356598591"/>
+        <p14:creationId xmlns:p14="http://schemas.microsoft.com/office/powerpoint/2010/main" val="1306435019"/>
       </p:ext>
     </p:extLst>
   </p:cSld>
@@ -798,7 +799,7 @@
     </p:spTree>
     <p:extLst>
       <p:ext uri="{BB962C8B-B14F-4D97-AF65-F5344CB8AC3E}">
-        <p14:creationId xmlns:p14="http://schemas.microsoft.com/office/powerpoint/2010/main" val="3346470369"/>
+        <p14:creationId xmlns:p14="http://schemas.microsoft.com/office/powerpoint/2010/main" val="2356598591"/>
       </p:ext>
     </p:extLst>
   </p:cSld>
@@ -882,7 +883,7 @@
     </p:spTree>
     <p:extLst>
       <p:ext uri="{BB962C8B-B14F-4D97-AF65-F5344CB8AC3E}">
-        <p14:creationId xmlns:p14="http://schemas.microsoft.com/office/powerpoint/2010/main" val="1510188137"/>
+        <p14:creationId xmlns:p14="http://schemas.microsoft.com/office/powerpoint/2010/main" val="3346470369"/>
       </p:ext>
     </p:extLst>
   </p:cSld>
@@ -966,7 +967,7 @@
     </p:spTree>
     <p:extLst>
       <p:ext uri="{BB962C8B-B14F-4D97-AF65-F5344CB8AC3E}">
-        <p14:creationId xmlns:p14="http://schemas.microsoft.com/office/powerpoint/2010/main" val="1958075522"/>
+        <p14:creationId xmlns:p14="http://schemas.microsoft.com/office/powerpoint/2010/main" val="1510188137"/>
       </p:ext>
     </p:extLst>
   </p:cSld>
@@ -1050,7 +1051,7 @@
     </p:spTree>
     <p:extLst>
       <p:ext uri="{BB962C8B-B14F-4D97-AF65-F5344CB8AC3E}">
-        <p14:creationId xmlns:p14="http://schemas.microsoft.com/office/powerpoint/2010/main" val="1965393077"/>
+        <p14:creationId xmlns:p14="http://schemas.microsoft.com/office/powerpoint/2010/main" val="1958075522"/>
       </p:ext>
     </p:extLst>
   </p:cSld>
@@ -1126,6 +1127,90 @@
             <a:fld id="{606A802C-DFC7-4B77-84E8-4D9D65A0AEB6}" type="slidenum">
               <a:rPr lang="en-GB" smtClean="0"/>
               <a:t>8</a:t>
+            </a:fld>
+            <a:endParaRPr lang="en-GB"/>
+          </a:p>
+        </p:txBody>
+      </p:sp>
+    </p:spTree>
+    <p:extLst>
+      <p:ext uri="{BB962C8B-B14F-4D97-AF65-F5344CB8AC3E}">
+        <p14:creationId xmlns:p14="http://schemas.microsoft.com/office/powerpoint/2010/main" val="1965393077"/>
+      </p:ext>
+    </p:extLst>
+  </p:cSld>
+  <p:clrMapOvr>
+    <a:masterClrMapping/>
+  </p:clrMapOvr>
+</p:notes>
+</file>
+
+<file path=ppt/notesSlides/notesSlide9.xml><?xml version="1.0" encoding="utf-8"?>
+<p:notes xmlns:a="http://schemas.openxmlformats.org/drawingml/2006/main" xmlns:r="http://schemas.openxmlformats.org/officeDocument/2006/relationships" xmlns:p="http://schemas.openxmlformats.org/presentationml/2006/main">
+  <p:cSld>
+    <p:spTree>
+      <p:nvGrpSpPr>
+        <p:cNvPr id="1" name=""/>
+        <p:cNvGrpSpPr/>
+        <p:nvPr/>
+      </p:nvGrpSpPr>
+      <p:grpSpPr>
+        <a:xfrm>
+          <a:off x="0" y="0"/>
+          <a:ext cx="0" cy="0"/>
+          <a:chOff x="0" y="0"/>
+          <a:chExt cx="0" cy="0"/>
+        </a:xfrm>
+      </p:grpSpPr>
+      <p:sp>
+        <p:nvSpPr>
+          <p:cNvPr id="2" name="Slide Image Placeholder 1"/>
+          <p:cNvSpPr>
+            <a:spLocks noGrp="1" noRot="1" noChangeAspect="1"/>
+          </p:cNvSpPr>
+          <p:nvPr>
+            <p:ph type="sldImg"/>
+          </p:nvPr>
+        </p:nvSpPr>
+        <p:spPr/>
+      </p:sp>
+      <p:sp>
+        <p:nvSpPr>
+          <p:cNvPr id="3" name="Notes Placeholder 2"/>
+          <p:cNvSpPr>
+            <a:spLocks noGrp="1"/>
+          </p:cNvSpPr>
+          <p:nvPr>
+            <p:ph type="body" idx="1"/>
+          </p:nvPr>
+        </p:nvSpPr>
+        <p:spPr/>
+        <p:txBody>
+          <a:bodyPr/>
+          <a:lstStyle/>
+          <a:p>
+            <a:endParaRPr lang="en-GB" dirty="0"/>
+          </a:p>
+        </p:txBody>
+      </p:sp>
+      <p:sp>
+        <p:nvSpPr>
+          <p:cNvPr id="4" name="Slide Number Placeholder 3"/>
+          <p:cNvSpPr>
+            <a:spLocks noGrp="1"/>
+          </p:cNvSpPr>
+          <p:nvPr>
+            <p:ph type="sldNum" sz="quarter" idx="5"/>
+          </p:nvPr>
+        </p:nvSpPr>
+        <p:spPr/>
+        <p:txBody>
+          <a:bodyPr/>
+          <a:lstStyle/>
+          <a:p>
+            <a:fld id="{606A802C-DFC7-4B77-84E8-4D9D65A0AEB6}" type="slidenum">
+              <a:rPr lang="en-GB" smtClean="0"/>
+              <a:t>9</a:t>
             </a:fld>
             <a:endParaRPr lang="en-GB"/>
           </a:p>
@@ -4573,62 +4658,10 @@
           </a:p>
         </p:txBody>
       </p:sp>
-      <p:sp>
-        <p:nvSpPr>
-          <p:cNvPr id="5" name="TextBox 4">
-            <a:extLst>
-              <a:ext uri="{FF2B5EF4-FFF2-40B4-BE49-F238E27FC236}">
-                <a16:creationId xmlns:a16="http://schemas.microsoft.com/office/drawing/2014/main" id="{408DECAB-5077-CD0A-7745-B04B3F5466C5}"/>
-              </a:ext>
-            </a:extLst>
-          </p:cNvPr>
-          <p:cNvSpPr txBox="1"/>
-          <p:nvPr/>
-        </p:nvSpPr>
-        <p:spPr>
-          <a:xfrm>
-            <a:off x="780836" y="4674742"/>
-            <a:ext cx="4556376" cy="923330"/>
-          </a:xfrm>
-          <a:prstGeom prst="rect">
-            <a:avLst/>
-          </a:prstGeom>
-          <a:noFill/>
-        </p:spPr>
-        <p:txBody>
-          <a:bodyPr wrap="none" rtlCol="0">
-            <a:spAutoFit/>
-          </a:bodyPr>
-          <a:lstStyle/>
-          <a:p>
-            <a:pPr marL="342900" indent="-342900">
-              <a:buFont typeface="+mj-lt"/>
-              <a:buAutoNum type="arabicPeriod" startAt="2"/>
-            </a:pPr>
-            <a:r>
-              <a:rPr lang="en-GB" b="1" dirty="0"/>
-              <a:t>Summarising Data and ANOVA in Excel</a:t>
-            </a:r>
-          </a:p>
-          <a:p>
-            <a:pPr lvl="1"/>
-            <a:r>
-              <a:rPr lang="en-GB" dirty="0"/>
-              <a:t>2.1   Summarising Data</a:t>
-            </a:r>
-          </a:p>
-          <a:p>
-            <a:pPr marL="800100" lvl="1" indent="-342900">
-              <a:buAutoNum type="arabicPeriod"/>
-            </a:pPr>
-            <a:endParaRPr lang="en-GB" dirty="0"/>
-          </a:p>
-        </p:txBody>
-      </p:sp>
     </p:spTree>
     <p:extLst>
       <p:ext uri="{BB962C8B-B14F-4D97-AF65-F5344CB8AC3E}">
-        <p14:creationId xmlns:p14="http://schemas.microsoft.com/office/powerpoint/2010/main" val="948964309"/>
+        <p14:creationId xmlns:p14="http://schemas.microsoft.com/office/powerpoint/2010/main" val="2267184354"/>
       </p:ext>
     </p:extLst>
   </p:cSld>
@@ -4864,7 +4897,7 @@
         <p:spPr>
           <a:xfrm>
             <a:off x="780836" y="4674742"/>
-            <a:ext cx="4281557" cy="923330"/>
+            <a:ext cx="4556376" cy="923330"/>
           </a:xfrm>
           <a:prstGeom prst="rect">
             <a:avLst/>
@@ -4879,18 +4912,18 @@
           <a:p>
             <a:pPr marL="342900" indent="-342900">
               <a:buFont typeface="+mj-lt"/>
-              <a:buAutoNum type="arabicPeriod"/>
+              <a:buAutoNum type="arabicPeriod" startAt="2"/>
             </a:pPr>
             <a:r>
               <a:rPr lang="en-GB" b="1" dirty="0"/>
-              <a:t>Introduction to Excel and R</a:t>
+              <a:t>Summarising Data and ANOVA in Excel</a:t>
             </a:r>
           </a:p>
           <a:p>
             <a:pPr lvl="1"/>
             <a:r>
               <a:rPr lang="en-GB" dirty="0"/>
-              <a:t>1.1   Estimating the Volume of a Snail</a:t>
+              <a:t>2.1   Summarising Data</a:t>
             </a:r>
           </a:p>
           <a:p>
@@ -4904,7 +4937,7 @@
     </p:spTree>
     <p:extLst>
       <p:ext uri="{BB962C8B-B14F-4D97-AF65-F5344CB8AC3E}">
-        <p14:creationId xmlns:p14="http://schemas.microsoft.com/office/powerpoint/2010/main" val="3205331733"/>
+        <p14:creationId xmlns:p14="http://schemas.microsoft.com/office/powerpoint/2010/main" val="948964309"/>
       </p:ext>
     </p:extLst>
   </p:cSld>
@@ -5140,7 +5173,7 @@
         <p:spPr>
           <a:xfrm>
             <a:off x="780836" y="4674742"/>
-            <a:ext cx="3340979" cy="923330"/>
+            <a:ext cx="4281557" cy="923330"/>
           </a:xfrm>
           <a:prstGeom prst="rect">
             <a:avLst/>
@@ -5166,7 +5199,7 @@
             <a:pPr lvl="1"/>
             <a:r>
               <a:rPr lang="en-GB" dirty="0"/>
-              <a:t>1.2   Getting Ready for R</a:t>
+              <a:t>1.1   Estimating the Volume of a Snail</a:t>
             </a:r>
           </a:p>
           <a:p>
@@ -5180,7 +5213,7 @@
     </p:spTree>
     <p:extLst>
       <p:ext uri="{BB962C8B-B14F-4D97-AF65-F5344CB8AC3E}">
-        <p14:creationId xmlns:p14="http://schemas.microsoft.com/office/powerpoint/2010/main" val="2957000954"/>
+        <p14:creationId xmlns:p14="http://schemas.microsoft.com/office/powerpoint/2010/main" val="3205331733"/>
       </p:ext>
     </p:extLst>
   </p:cSld>
@@ -5416,7 +5449,7 @@
         <p:spPr>
           <a:xfrm>
             <a:off x="780836" y="4674742"/>
-            <a:ext cx="4556376" cy="923330"/>
+            <a:ext cx="3340979" cy="923330"/>
           </a:xfrm>
           <a:prstGeom prst="rect">
             <a:avLst/>
@@ -5431,18 +5464,18 @@
           <a:p>
             <a:pPr marL="342900" indent="-342900">
               <a:buFont typeface="+mj-lt"/>
-              <a:buAutoNum type="arabicPeriod" startAt="2"/>
+              <a:buAutoNum type="arabicPeriod"/>
             </a:pPr>
             <a:r>
               <a:rPr lang="en-GB" b="1" dirty="0"/>
-              <a:t>Summarising Data and ANOVA in Excel</a:t>
+              <a:t>Introduction to Excel and R</a:t>
             </a:r>
           </a:p>
           <a:p>
             <a:pPr lvl="1"/>
             <a:r>
               <a:rPr lang="en-GB" dirty="0"/>
-              <a:t>2.2.1   Grouped Boxplots in Excel</a:t>
+              <a:t>1.2   Getting Ready for R</a:t>
             </a:r>
           </a:p>
           <a:p>
@@ -5456,7 +5489,7 @@
     </p:spTree>
     <p:extLst>
       <p:ext uri="{BB962C8B-B14F-4D97-AF65-F5344CB8AC3E}">
-        <p14:creationId xmlns:p14="http://schemas.microsoft.com/office/powerpoint/2010/main" val="2499101001"/>
+        <p14:creationId xmlns:p14="http://schemas.microsoft.com/office/powerpoint/2010/main" val="2957000954"/>
       </p:ext>
     </p:extLst>
   </p:cSld>
@@ -5692,7 +5725,7 @@
         <p:spPr>
           <a:xfrm>
             <a:off x="780836" y="4674742"/>
-            <a:ext cx="5080943" cy="923330"/>
+            <a:ext cx="4556376" cy="923330"/>
           </a:xfrm>
           <a:prstGeom prst="rect">
             <a:avLst/>
@@ -5718,7 +5751,7 @@
             <a:pPr lvl="1"/>
             <a:r>
               <a:rPr lang="en-GB" dirty="0"/>
-              <a:t>2.2.3   Performing a One-Way ANOVA in Excel</a:t>
+              <a:t>2.2.1   Grouped Boxplots in Excel</a:t>
             </a:r>
           </a:p>
           <a:p>
@@ -5732,7 +5765,7 @@
     </p:spTree>
     <p:extLst>
       <p:ext uri="{BB962C8B-B14F-4D97-AF65-F5344CB8AC3E}">
-        <p14:creationId xmlns:p14="http://schemas.microsoft.com/office/powerpoint/2010/main" val="2483090345"/>
+        <p14:creationId xmlns:p14="http://schemas.microsoft.com/office/powerpoint/2010/main" val="2499101001"/>
       </p:ext>
     </p:extLst>
   </p:cSld>
@@ -5968,7 +6001,7 @@
         <p:spPr>
           <a:xfrm>
             <a:off x="780836" y="4674742"/>
-            <a:ext cx="4668907" cy="923330"/>
+            <a:ext cx="5080943" cy="923330"/>
           </a:xfrm>
           <a:prstGeom prst="rect">
             <a:avLst/>
@@ -5994,7 +6027,7 @@
             <a:pPr lvl="1"/>
             <a:r>
               <a:rPr lang="en-GB" dirty="0"/>
-              <a:t>2.2.4   Performing Post-hoc Tests in Excel</a:t>
+              <a:t>2.2.3   Performing a One-Way ANOVA in Excel</a:t>
             </a:r>
           </a:p>
           <a:p>
@@ -6008,7 +6041,7 @@
     </p:spTree>
     <p:extLst>
       <p:ext uri="{BB962C8B-B14F-4D97-AF65-F5344CB8AC3E}">
-        <p14:creationId xmlns:p14="http://schemas.microsoft.com/office/powerpoint/2010/main" val="4037214673"/>
+        <p14:creationId xmlns:p14="http://schemas.microsoft.com/office/powerpoint/2010/main" val="2483090345"/>
       </p:ext>
     </p:extLst>
   </p:cSld>
@@ -6214,6 +6247,282 @@
                 <a:latin typeface="Roboto" panose="02000000000000000000" pitchFamily="2" charset="0"/>
                 <a:ea typeface="Roboto" panose="02000000000000000000" pitchFamily="2" charset="0"/>
               </a:rPr>
+              <a:t>for the Biosciences I</a:t>
+            </a:r>
+            <a:endParaRPr lang="en-GB" sz="4000" dirty="0">
+              <a:solidFill>
+                <a:schemeClr val="tx1">
+                  <a:lumMod val="85000"/>
+                  <a:lumOff val="15000"/>
+                </a:schemeClr>
+              </a:solidFill>
+              <a:latin typeface="Roboto" panose="02000000000000000000" pitchFamily="2" charset="0"/>
+              <a:ea typeface="Roboto" panose="02000000000000000000" pitchFamily="2" charset="0"/>
+            </a:endParaRPr>
+          </a:p>
+        </p:txBody>
+      </p:sp>
+      <p:sp>
+        <p:nvSpPr>
+          <p:cNvPr id="5" name="TextBox 4">
+            <a:extLst>
+              <a:ext uri="{FF2B5EF4-FFF2-40B4-BE49-F238E27FC236}">
+                <a16:creationId xmlns:a16="http://schemas.microsoft.com/office/drawing/2014/main" id="{408DECAB-5077-CD0A-7745-B04B3F5466C5}"/>
+              </a:ext>
+            </a:extLst>
+          </p:cNvPr>
+          <p:cNvSpPr txBox="1"/>
+          <p:nvPr/>
+        </p:nvSpPr>
+        <p:spPr>
+          <a:xfrm>
+            <a:off x="780836" y="4674742"/>
+            <a:ext cx="4668907" cy="923330"/>
+          </a:xfrm>
+          <a:prstGeom prst="rect">
+            <a:avLst/>
+          </a:prstGeom>
+          <a:noFill/>
+        </p:spPr>
+        <p:txBody>
+          <a:bodyPr wrap="none" rtlCol="0">
+            <a:spAutoFit/>
+          </a:bodyPr>
+          <a:lstStyle/>
+          <a:p>
+            <a:pPr marL="342900" indent="-342900">
+              <a:buFont typeface="+mj-lt"/>
+              <a:buAutoNum type="arabicPeriod" startAt="2"/>
+            </a:pPr>
+            <a:r>
+              <a:rPr lang="en-GB" b="1" dirty="0"/>
+              <a:t>Summarising Data and ANOVA in Excel</a:t>
+            </a:r>
+          </a:p>
+          <a:p>
+            <a:pPr lvl="1"/>
+            <a:r>
+              <a:rPr lang="en-GB" dirty="0"/>
+              <a:t>2.2.4   Performing Post-hoc Tests in Excel</a:t>
+            </a:r>
+          </a:p>
+          <a:p>
+            <a:pPr marL="800100" lvl="1" indent="-342900">
+              <a:buAutoNum type="arabicPeriod"/>
+            </a:pPr>
+            <a:endParaRPr lang="en-GB" dirty="0"/>
+          </a:p>
+        </p:txBody>
+      </p:sp>
+    </p:spTree>
+    <p:extLst>
+      <p:ext uri="{BB962C8B-B14F-4D97-AF65-F5344CB8AC3E}">
+        <p14:creationId xmlns:p14="http://schemas.microsoft.com/office/powerpoint/2010/main" val="4037214673"/>
+      </p:ext>
+    </p:extLst>
+  </p:cSld>
+  <p:clrMapOvr>
+    <a:masterClrMapping/>
+  </p:clrMapOvr>
+</p:sld>
+</file>
+
+<file path=ppt/slides/slide8.xml><?xml version="1.0" encoding="utf-8"?>
+<p:sld xmlns:a="http://schemas.openxmlformats.org/drawingml/2006/main" xmlns:r="http://schemas.openxmlformats.org/officeDocument/2006/relationships" xmlns:p="http://schemas.openxmlformats.org/presentationml/2006/main">
+  <p:cSld>
+    <p:spTree>
+      <p:nvGrpSpPr>
+        <p:cNvPr id="1" name=""/>
+        <p:cNvGrpSpPr/>
+        <p:nvPr/>
+      </p:nvGrpSpPr>
+      <p:grpSpPr>
+        <a:xfrm>
+          <a:off x="0" y="0"/>
+          <a:ext cx="0" cy="0"/>
+          <a:chOff x="0" y="0"/>
+          <a:chExt cx="0" cy="0"/>
+        </a:xfrm>
+      </p:grpSpPr>
+      <p:grpSp>
+        <p:nvGrpSpPr>
+          <p:cNvPr id="9" name="Group 8">
+            <a:extLst>
+              <a:ext uri="{FF2B5EF4-FFF2-40B4-BE49-F238E27FC236}">
+                <a16:creationId xmlns:a16="http://schemas.microsoft.com/office/drawing/2014/main" id="{77DB5CDF-12C9-369D-6411-E559D40492FA}"/>
+              </a:ext>
+            </a:extLst>
+          </p:cNvPr>
+          <p:cNvGrpSpPr/>
+          <p:nvPr/>
+        </p:nvGrpSpPr>
+        <p:grpSpPr>
+          <a:xfrm>
+            <a:off x="95250" y="0"/>
+            <a:ext cx="12096750" cy="6858000"/>
+            <a:chOff x="95250" y="0"/>
+            <a:chExt cx="12096750" cy="6858000"/>
+          </a:xfrm>
+        </p:grpSpPr>
+        <p:pic>
+          <p:nvPicPr>
+            <p:cNvPr id="7" name="Picture 6" descr="A black and white image of a city&#10;&#10;Description automatically generated">
+              <a:extLst>
+                <a:ext uri="{FF2B5EF4-FFF2-40B4-BE49-F238E27FC236}">
+                  <a16:creationId xmlns:a16="http://schemas.microsoft.com/office/drawing/2014/main" id="{6F3074F2-352F-43CF-AE6E-5ACC431A51FD}"/>
+                </a:ext>
+              </a:extLst>
+            </p:cNvPr>
+            <p:cNvPicPr>
+              <a:picLocks noChangeAspect="1"/>
+            </p:cNvPicPr>
+            <p:nvPr/>
+          </p:nvPicPr>
+          <p:blipFill>
+            <a:blip r:embed="rId3">
+              <a:extLst>
+                <a:ext uri="{28A0092B-C50C-407E-A947-70E740481C1C}">
+                  <a14:useLocalDpi xmlns:a14="http://schemas.microsoft.com/office/drawing/2010/main" val="0"/>
+                </a:ext>
+              </a:extLst>
+            </a:blip>
+            <a:stretch>
+              <a:fillRect/>
+            </a:stretch>
+          </p:blipFill>
+          <p:spPr>
+            <a:xfrm>
+              <a:off x="95250" y="0"/>
+              <a:ext cx="12001500" cy="6858000"/>
+            </a:xfrm>
+            <a:prstGeom prst="rect">
+              <a:avLst/>
+            </a:prstGeom>
+          </p:spPr>
+        </p:pic>
+        <p:sp>
+          <p:nvSpPr>
+            <p:cNvPr id="8" name="Rectangle 7">
+              <a:extLst>
+                <a:ext uri="{FF2B5EF4-FFF2-40B4-BE49-F238E27FC236}">
+                  <a16:creationId xmlns:a16="http://schemas.microsoft.com/office/drawing/2014/main" id="{CCD734EC-557E-F662-5781-FA8891F5EB16}"/>
+                </a:ext>
+              </a:extLst>
+            </p:cNvPr>
+            <p:cNvSpPr/>
+            <p:nvPr/>
+          </p:nvSpPr>
+          <p:spPr>
+            <a:xfrm>
+              <a:off x="297952" y="0"/>
+              <a:ext cx="11894048" cy="6858000"/>
+            </a:xfrm>
+            <a:prstGeom prst="rect">
+              <a:avLst/>
+            </a:prstGeom>
+            <a:gradFill flip="none" rotWithShape="1">
+              <a:gsLst>
+                <a:gs pos="20000">
+                  <a:schemeClr val="bg1"/>
+                </a:gs>
+                <a:gs pos="48000">
+                  <a:srgbClr val="FFFFFF">
+                    <a:alpha val="90000"/>
+                  </a:srgbClr>
+                </a:gs>
+                <a:gs pos="92000">
+                  <a:schemeClr val="bg1">
+                    <a:alpha val="0"/>
+                  </a:schemeClr>
+                </a:gs>
+              </a:gsLst>
+              <a:lin ang="0" scaled="1"/>
+              <a:tileRect/>
+            </a:gradFill>
+            <a:ln>
+              <a:noFill/>
+            </a:ln>
+          </p:spPr>
+          <p:style>
+            <a:lnRef idx="2">
+              <a:schemeClr val="accent1">
+                <a:shade val="15000"/>
+              </a:schemeClr>
+            </a:lnRef>
+            <a:fillRef idx="1">
+              <a:schemeClr val="accent1"/>
+            </a:fillRef>
+            <a:effectRef idx="0">
+              <a:schemeClr val="accent1"/>
+            </a:effectRef>
+            <a:fontRef idx="minor">
+              <a:schemeClr val="lt1"/>
+            </a:fontRef>
+          </p:style>
+          <p:txBody>
+            <a:bodyPr rtlCol="0" anchor="ctr"/>
+            <a:lstStyle/>
+            <a:p>
+              <a:pPr algn="ctr"/>
+              <a:endParaRPr lang="en-GB"/>
+            </a:p>
+          </p:txBody>
+        </p:sp>
+      </p:grpSp>
+      <p:sp>
+        <p:nvSpPr>
+          <p:cNvPr id="4" name="Title 1">
+            <a:extLst>
+              <a:ext uri="{FF2B5EF4-FFF2-40B4-BE49-F238E27FC236}">
+                <a16:creationId xmlns:a16="http://schemas.microsoft.com/office/drawing/2014/main" id="{96F8826D-2D91-AD9E-08AE-AA28F4E2C3FE}"/>
+              </a:ext>
+            </a:extLst>
+          </p:cNvPr>
+          <p:cNvSpPr>
+            <a:spLocks noGrp="1"/>
+          </p:cNvSpPr>
+          <p:nvPr>
+            <p:ph type="ctrTitle"/>
+          </p:nvPr>
+        </p:nvSpPr>
+        <p:spPr>
+          <a:xfrm>
+            <a:off x="657546" y="599609"/>
+            <a:ext cx="4479533" cy="3692028"/>
+          </a:xfrm>
+          <a:noFill/>
+        </p:spPr>
+        <p:txBody>
+          <a:bodyPr>
+            <a:normAutofit/>
+          </a:bodyPr>
+          <a:lstStyle/>
+          <a:p>
+            <a:pPr algn="l"/>
+            <a:r>
+              <a:rPr lang="en-GB" sz="4000" b="1" dirty="0">
+                <a:solidFill>
+                  <a:schemeClr val="tx1">
+                    <a:lumMod val="85000"/>
+                    <a:lumOff val="15000"/>
+                  </a:schemeClr>
+                </a:solidFill>
+                <a:latin typeface="Roboto" panose="02000000000000000000" pitchFamily="2" charset="0"/>
+                <a:ea typeface="Roboto" panose="02000000000000000000" pitchFamily="2" charset="0"/>
+              </a:rPr>
+              <a:t>Quantitative Skills </a:t>
+            </a:r>
+            <a:r>
+              <a:rPr lang="en-GB" sz="3200" dirty="0">
+                <a:solidFill>
+                  <a:schemeClr val="tx1">
+                    <a:lumMod val="85000"/>
+                    <a:lumOff val="15000"/>
+                  </a:schemeClr>
+                </a:solidFill>
+                <a:latin typeface="Roboto" panose="02000000000000000000" pitchFamily="2" charset="0"/>
+                <a:ea typeface="Roboto" panose="02000000000000000000" pitchFamily="2" charset="0"/>
+              </a:rPr>
               <a:t>for the Biosciences</a:t>
             </a:r>
             <a:endParaRPr lang="en-GB" sz="4000" dirty="0">
@@ -6281,7 +6590,7 @@
 </p:sld>
 </file>
 
-<file path=ppt/slides/slide8.xml><?xml version="1.0" encoding="utf-8"?>
+<file path=ppt/slides/slide9.xml><?xml version="1.0" encoding="utf-8"?>
 <p:sld xmlns:a="http://schemas.openxmlformats.org/drawingml/2006/main" xmlns:r="http://schemas.openxmlformats.org/officeDocument/2006/relationships" xmlns:p="http://schemas.openxmlformats.org/presentationml/2006/main">
   <p:cSld>
     <p:spTree>

--- a/pptx/Quantitative Skills for the Biosciences I.pptx
+++ b/pptx/Quantitative Skills for the Biosciences I.pptx
@@ -5,7 +5,7 @@
     <p:sldMasterId id="2147483648" r:id="rId1"/>
   </p:sldMasterIdLst>
   <p:notesMasterIdLst>
-    <p:notesMasterId r:id="rId11"/>
+    <p:notesMasterId r:id="rId13"/>
   </p:notesMasterIdLst>
   <p:sldIdLst>
     <p:sldId id="265" r:id="rId2"/>
@@ -15,8 +15,10 @@
     <p:sldId id="258" r:id="rId6"/>
     <p:sldId id="259" r:id="rId7"/>
     <p:sldId id="260" r:id="rId8"/>
-    <p:sldId id="261" r:id="rId9"/>
-    <p:sldId id="262" r:id="rId10"/>
+    <p:sldId id="266" r:id="rId9"/>
+    <p:sldId id="267" r:id="rId10"/>
+    <p:sldId id="261" r:id="rId11"/>
+    <p:sldId id="262" r:id="rId12"/>
   </p:sldIdLst>
   <p:sldSz cx="12192000" cy="6858000"/>
   <p:notesSz cx="6858000" cy="9144000"/>
@@ -205,7 +207,7 @@
           <a:p>
             <a:fld id="{E568910D-64C9-4DD4-83C5-A875B50009BA}" type="datetimeFigureOut">
               <a:rPr lang="en-GB" smtClean="0"/>
-              <a:t>20/09/2024</a:t>
+              <a:t>23/09/2024</a:t>
             </a:fld>
             <a:endParaRPr lang="en-GB"/>
           </a:p>
@@ -557,6 +559,174 @@
 </p:notes>
 </file>
 
+<file path=ppt/notesSlides/notesSlide10.xml><?xml version="1.0" encoding="utf-8"?>
+<p:notes xmlns:a="http://schemas.openxmlformats.org/drawingml/2006/main" xmlns:r="http://schemas.openxmlformats.org/officeDocument/2006/relationships" xmlns:p="http://schemas.openxmlformats.org/presentationml/2006/main">
+  <p:cSld>
+    <p:spTree>
+      <p:nvGrpSpPr>
+        <p:cNvPr id="1" name=""/>
+        <p:cNvGrpSpPr/>
+        <p:nvPr/>
+      </p:nvGrpSpPr>
+      <p:grpSpPr>
+        <a:xfrm>
+          <a:off x="0" y="0"/>
+          <a:ext cx="0" cy="0"/>
+          <a:chOff x="0" y="0"/>
+          <a:chExt cx="0" cy="0"/>
+        </a:xfrm>
+      </p:grpSpPr>
+      <p:sp>
+        <p:nvSpPr>
+          <p:cNvPr id="2" name="Slide Image Placeholder 1"/>
+          <p:cNvSpPr>
+            <a:spLocks noGrp="1" noRot="1" noChangeAspect="1"/>
+          </p:cNvSpPr>
+          <p:nvPr>
+            <p:ph type="sldImg"/>
+          </p:nvPr>
+        </p:nvSpPr>
+        <p:spPr/>
+      </p:sp>
+      <p:sp>
+        <p:nvSpPr>
+          <p:cNvPr id="3" name="Notes Placeholder 2"/>
+          <p:cNvSpPr>
+            <a:spLocks noGrp="1"/>
+          </p:cNvSpPr>
+          <p:nvPr>
+            <p:ph type="body" idx="1"/>
+          </p:nvPr>
+        </p:nvSpPr>
+        <p:spPr/>
+        <p:txBody>
+          <a:bodyPr/>
+          <a:lstStyle/>
+          <a:p>
+            <a:endParaRPr lang="en-GB" dirty="0"/>
+          </a:p>
+        </p:txBody>
+      </p:sp>
+      <p:sp>
+        <p:nvSpPr>
+          <p:cNvPr id="4" name="Slide Number Placeholder 3"/>
+          <p:cNvSpPr>
+            <a:spLocks noGrp="1"/>
+          </p:cNvSpPr>
+          <p:nvPr>
+            <p:ph type="sldNum" sz="quarter" idx="5"/>
+          </p:nvPr>
+        </p:nvSpPr>
+        <p:spPr/>
+        <p:txBody>
+          <a:bodyPr/>
+          <a:lstStyle/>
+          <a:p>
+            <a:fld id="{606A802C-DFC7-4B77-84E8-4D9D65A0AEB6}" type="slidenum">
+              <a:rPr lang="en-GB" smtClean="0"/>
+              <a:t>10</a:t>
+            </a:fld>
+            <a:endParaRPr lang="en-GB"/>
+          </a:p>
+        </p:txBody>
+      </p:sp>
+    </p:spTree>
+    <p:extLst>
+      <p:ext uri="{BB962C8B-B14F-4D97-AF65-F5344CB8AC3E}">
+        <p14:creationId xmlns:p14="http://schemas.microsoft.com/office/powerpoint/2010/main" val="1965393077"/>
+      </p:ext>
+    </p:extLst>
+  </p:cSld>
+  <p:clrMapOvr>
+    <a:masterClrMapping/>
+  </p:clrMapOvr>
+</p:notes>
+</file>
+
+<file path=ppt/notesSlides/notesSlide11.xml><?xml version="1.0" encoding="utf-8"?>
+<p:notes xmlns:a="http://schemas.openxmlformats.org/drawingml/2006/main" xmlns:r="http://schemas.openxmlformats.org/officeDocument/2006/relationships" xmlns:p="http://schemas.openxmlformats.org/presentationml/2006/main">
+  <p:cSld>
+    <p:spTree>
+      <p:nvGrpSpPr>
+        <p:cNvPr id="1" name=""/>
+        <p:cNvGrpSpPr/>
+        <p:nvPr/>
+      </p:nvGrpSpPr>
+      <p:grpSpPr>
+        <a:xfrm>
+          <a:off x="0" y="0"/>
+          <a:ext cx="0" cy="0"/>
+          <a:chOff x="0" y="0"/>
+          <a:chExt cx="0" cy="0"/>
+        </a:xfrm>
+      </p:grpSpPr>
+      <p:sp>
+        <p:nvSpPr>
+          <p:cNvPr id="2" name="Slide Image Placeholder 1"/>
+          <p:cNvSpPr>
+            <a:spLocks noGrp="1" noRot="1" noChangeAspect="1"/>
+          </p:cNvSpPr>
+          <p:nvPr>
+            <p:ph type="sldImg"/>
+          </p:nvPr>
+        </p:nvSpPr>
+        <p:spPr/>
+      </p:sp>
+      <p:sp>
+        <p:nvSpPr>
+          <p:cNvPr id="3" name="Notes Placeholder 2"/>
+          <p:cNvSpPr>
+            <a:spLocks noGrp="1"/>
+          </p:cNvSpPr>
+          <p:nvPr>
+            <p:ph type="body" idx="1"/>
+          </p:nvPr>
+        </p:nvSpPr>
+        <p:spPr/>
+        <p:txBody>
+          <a:bodyPr/>
+          <a:lstStyle/>
+          <a:p>
+            <a:endParaRPr lang="en-GB" dirty="0"/>
+          </a:p>
+        </p:txBody>
+      </p:sp>
+      <p:sp>
+        <p:nvSpPr>
+          <p:cNvPr id="4" name="Slide Number Placeholder 3"/>
+          <p:cNvSpPr>
+            <a:spLocks noGrp="1"/>
+          </p:cNvSpPr>
+          <p:nvPr>
+            <p:ph type="sldNum" sz="quarter" idx="5"/>
+          </p:nvPr>
+        </p:nvSpPr>
+        <p:spPr/>
+        <p:txBody>
+          <a:bodyPr/>
+          <a:lstStyle/>
+          <a:p>
+            <a:fld id="{606A802C-DFC7-4B77-84E8-4D9D65A0AEB6}" type="slidenum">
+              <a:rPr lang="en-GB" smtClean="0"/>
+              <a:t>11</a:t>
+            </a:fld>
+            <a:endParaRPr lang="en-GB"/>
+          </a:p>
+        </p:txBody>
+      </p:sp>
+    </p:spTree>
+    <p:extLst>
+      <p:ext uri="{BB962C8B-B14F-4D97-AF65-F5344CB8AC3E}">
+        <p14:creationId xmlns:p14="http://schemas.microsoft.com/office/powerpoint/2010/main" val="4096779031"/>
+      </p:ext>
+    </p:extLst>
+  </p:cSld>
+  <p:clrMapOvr>
+    <a:masterClrMapping/>
+  </p:clrMapOvr>
+</p:notes>
+</file>
+
 <file path=ppt/notesSlides/notesSlide2.xml><?xml version="1.0" encoding="utf-8"?>
 <p:notes xmlns:a="http://schemas.openxmlformats.org/drawingml/2006/main" xmlns:r="http://schemas.openxmlformats.org/officeDocument/2006/relationships" xmlns:p="http://schemas.openxmlformats.org/presentationml/2006/main">
   <p:cSld>
@@ -1135,7 +1305,7 @@
     </p:spTree>
     <p:extLst>
       <p:ext uri="{BB962C8B-B14F-4D97-AF65-F5344CB8AC3E}">
-        <p14:creationId xmlns:p14="http://schemas.microsoft.com/office/powerpoint/2010/main" val="1965393077"/>
+        <p14:creationId xmlns:p14="http://schemas.microsoft.com/office/powerpoint/2010/main" val="1774753718"/>
       </p:ext>
     </p:extLst>
   </p:cSld>
@@ -1219,7 +1389,7 @@
     </p:spTree>
     <p:extLst>
       <p:ext uri="{BB962C8B-B14F-4D97-AF65-F5344CB8AC3E}">
-        <p14:creationId xmlns:p14="http://schemas.microsoft.com/office/powerpoint/2010/main" val="4096779031"/>
+        <p14:creationId xmlns:p14="http://schemas.microsoft.com/office/powerpoint/2010/main" val="1559398581"/>
       </p:ext>
     </p:extLst>
   </p:cSld>
@@ -1378,7 +1548,7 @@
           <a:p>
             <a:fld id="{6AA4FF8C-76F8-4426-9A00-CA37271CFF96}" type="datetimeFigureOut">
               <a:rPr lang="en-GB" smtClean="0"/>
-              <a:t>20/09/2024</a:t>
+              <a:t>23/09/2024</a:t>
             </a:fld>
             <a:endParaRPr lang="en-GB"/>
           </a:p>
@@ -1578,7 +1748,7 @@
           <a:p>
             <a:fld id="{6AA4FF8C-76F8-4426-9A00-CA37271CFF96}" type="datetimeFigureOut">
               <a:rPr lang="en-GB" smtClean="0"/>
-              <a:t>20/09/2024</a:t>
+              <a:t>23/09/2024</a:t>
             </a:fld>
             <a:endParaRPr lang="en-GB"/>
           </a:p>
@@ -1788,7 +1958,7 @@
           <a:p>
             <a:fld id="{6AA4FF8C-76F8-4426-9A00-CA37271CFF96}" type="datetimeFigureOut">
               <a:rPr lang="en-GB" smtClean="0"/>
-              <a:t>20/09/2024</a:t>
+              <a:t>23/09/2024</a:t>
             </a:fld>
             <a:endParaRPr lang="en-GB"/>
           </a:p>
@@ -1988,7 +2158,7 @@
           <a:p>
             <a:fld id="{6AA4FF8C-76F8-4426-9A00-CA37271CFF96}" type="datetimeFigureOut">
               <a:rPr lang="en-GB" smtClean="0"/>
-              <a:t>20/09/2024</a:t>
+              <a:t>23/09/2024</a:t>
             </a:fld>
             <a:endParaRPr lang="en-GB"/>
           </a:p>
@@ -2264,7 +2434,7 @@
           <a:p>
             <a:fld id="{6AA4FF8C-76F8-4426-9A00-CA37271CFF96}" type="datetimeFigureOut">
               <a:rPr lang="en-GB" smtClean="0"/>
-              <a:t>20/09/2024</a:t>
+              <a:t>23/09/2024</a:t>
             </a:fld>
             <a:endParaRPr lang="en-GB"/>
           </a:p>
@@ -2532,7 +2702,7 @@
           <a:p>
             <a:fld id="{6AA4FF8C-76F8-4426-9A00-CA37271CFF96}" type="datetimeFigureOut">
               <a:rPr lang="en-GB" smtClean="0"/>
-              <a:t>20/09/2024</a:t>
+              <a:t>23/09/2024</a:t>
             </a:fld>
             <a:endParaRPr lang="en-GB"/>
           </a:p>
@@ -2947,7 +3117,7 @@
           <a:p>
             <a:fld id="{6AA4FF8C-76F8-4426-9A00-CA37271CFF96}" type="datetimeFigureOut">
               <a:rPr lang="en-GB" smtClean="0"/>
-              <a:t>20/09/2024</a:t>
+              <a:t>23/09/2024</a:t>
             </a:fld>
             <a:endParaRPr lang="en-GB"/>
           </a:p>
@@ -3089,7 +3259,7 @@
           <a:p>
             <a:fld id="{6AA4FF8C-76F8-4426-9A00-CA37271CFF96}" type="datetimeFigureOut">
               <a:rPr lang="en-GB" smtClean="0"/>
-              <a:t>20/09/2024</a:t>
+              <a:t>23/09/2024</a:t>
             </a:fld>
             <a:endParaRPr lang="en-GB"/>
           </a:p>
@@ -3202,7 +3372,7 @@
           <a:p>
             <a:fld id="{6AA4FF8C-76F8-4426-9A00-CA37271CFF96}" type="datetimeFigureOut">
               <a:rPr lang="en-GB" smtClean="0"/>
-              <a:t>20/09/2024</a:t>
+              <a:t>23/09/2024</a:t>
             </a:fld>
             <a:endParaRPr lang="en-GB"/>
           </a:p>
@@ -3515,7 +3685,7 @@
           <a:p>
             <a:fld id="{6AA4FF8C-76F8-4426-9A00-CA37271CFF96}" type="datetimeFigureOut">
               <a:rPr lang="en-GB" smtClean="0"/>
-              <a:t>20/09/2024</a:t>
+              <a:t>23/09/2024</a:t>
             </a:fld>
             <a:endParaRPr lang="en-GB"/>
           </a:p>
@@ -3804,7 +3974,7 @@
           <a:p>
             <a:fld id="{6AA4FF8C-76F8-4426-9A00-CA37271CFF96}" type="datetimeFigureOut">
               <a:rPr lang="en-GB" smtClean="0"/>
-              <a:t>20/09/2024</a:t>
+              <a:t>23/09/2024</a:t>
             </a:fld>
             <a:endParaRPr lang="en-GB"/>
           </a:p>
@@ -4047,7 +4217,7 @@
           <a:p>
             <a:fld id="{6AA4FF8C-76F8-4426-9A00-CA37271CFF96}" type="datetimeFigureOut">
               <a:rPr lang="en-GB" smtClean="0"/>
-              <a:t>20/09/2024</a:t>
+              <a:t>23/09/2024</a:t>
             </a:fld>
             <a:endParaRPr lang="en-GB"/>
           </a:p>
@@ -4671,7 +4841,7 @@
 </p:sld>
 </file>
 
-<file path=ppt/slides/slide2.xml><?xml version="1.0" encoding="utf-8"?>
+<file path=ppt/slides/slide10.xml><?xml version="1.0" encoding="utf-8"?>
 <p:sld xmlns:a="http://schemas.openxmlformats.org/drawingml/2006/main" xmlns:r="http://schemas.openxmlformats.org/officeDocument/2006/relationships" xmlns:p="http://schemas.openxmlformats.org/presentationml/2006/main">
   <p:cSld>
     <p:spTree>
@@ -4867,7 +5037,7 @@
                 <a:latin typeface="Roboto" panose="02000000000000000000" pitchFamily="2" charset="0"/>
                 <a:ea typeface="Roboto" panose="02000000000000000000" pitchFamily="2" charset="0"/>
               </a:rPr>
-              <a:t>for the Biosciences I</a:t>
+              <a:t>for the Biosciences</a:t>
             </a:r>
             <a:endParaRPr lang="en-GB" sz="4000" dirty="0">
               <a:solidFill>
@@ -4897,7 +5067,7 @@
         <p:spPr>
           <a:xfrm>
             <a:off x="780836" y="4674742"/>
-            <a:ext cx="4556376" cy="923330"/>
+            <a:ext cx="2160656" cy="369332"/>
           </a:xfrm>
           <a:prstGeom prst="rect">
             <a:avLst/>
@@ -4910,34 +5080,21 @@
           </a:bodyPr>
           <a:lstStyle/>
           <a:p>
-            <a:pPr marL="342900" indent="-342900">
-              <a:buFont typeface="+mj-lt"/>
-              <a:buAutoNum type="arabicPeriod" startAt="2"/>
-            </a:pPr>
-            <a:r>
-              <a:rPr lang="en-GB" b="1" dirty="0"/>
-              <a:t>Summarising Data and ANOVA in Excel</a:t>
-            </a:r>
-          </a:p>
-          <a:p>
-            <a:pPr lvl="1"/>
+            <a:r>
+              <a:rPr lang="en-GB" dirty="0" err="1"/>
+              <a:t>Dr.</a:t>
+            </a:r>
             <a:r>
               <a:rPr lang="en-GB" dirty="0"/>
-              <a:t>2.1   Summarising Data</a:t>
-            </a:r>
-          </a:p>
-          <a:p>
-            <a:pPr marL="800100" lvl="1" indent="-342900">
-              <a:buAutoNum type="arabicPeriod"/>
-            </a:pPr>
-            <a:endParaRPr lang="en-GB" dirty="0"/>
+              <a:t> Robert Treharne</a:t>
+            </a:r>
           </a:p>
         </p:txBody>
       </p:sp>
     </p:spTree>
     <p:extLst>
       <p:ext uri="{BB962C8B-B14F-4D97-AF65-F5344CB8AC3E}">
-        <p14:creationId xmlns:p14="http://schemas.microsoft.com/office/powerpoint/2010/main" val="948964309"/>
+        <p14:creationId xmlns:p14="http://schemas.microsoft.com/office/powerpoint/2010/main" val="363068166"/>
       </p:ext>
     </p:extLst>
   </p:cSld>
@@ -4947,7 +5104,293 @@
 </p:sld>
 </file>
 
-<file path=ppt/slides/slide3.xml><?xml version="1.0" encoding="utf-8"?>
+<file path=ppt/slides/slide11.xml><?xml version="1.0" encoding="utf-8"?>
+<p:sld xmlns:a="http://schemas.openxmlformats.org/drawingml/2006/main" xmlns:r="http://schemas.openxmlformats.org/officeDocument/2006/relationships" xmlns:p="http://schemas.openxmlformats.org/presentationml/2006/main">
+  <p:cSld>
+    <p:spTree>
+      <p:nvGrpSpPr>
+        <p:cNvPr id="1" name=""/>
+        <p:cNvGrpSpPr/>
+        <p:nvPr/>
+      </p:nvGrpSpPr>
+      <p:grpSpPr>
+        <a:xfrm>
+          <a:off x="0" y="0"/>
+          <a:ext cx="0" cy="0"/>
+          <a:chOff x="0" y="0"/>
+          <a:chExt cx="0" cy="0"/>
+        </a:xfrm>
+      </p:grpSpPr>
+      <p:sp>
+        <p:nvSpPr>
+          <p:cNvPr id="6" name="TextBox 5">
+            <a:extLst>
+              <a:ext uri="{FF2B5EF4-FFF2-40B4-BE49-F238E27FC236}">
+                <a16:creationId xmlns:a16="http://schemas.microsoft.com/office/drawing/2014/main" id="{EDA1C10B-66DD-04C5-DCB5-A08E24C5FF35}"/>
+              </a:ext>
+            </a:extLst>
+          </p:cNvPr>
+          <p:cNvSpPr txBox="1"/>
+          <p:nvPr/>
+        </p:nvSpPr>
+        <p:spPr>
+          <a:xfrm>
+            <a:off x="2934717" y="745724"/>
+            <a:ext cx="6322565" cy="800219"/>
+          </a:xfrm>
+          <a:prstGeom prst="rect">
+            <a:avLst/>
+          </a:prstGeom>
+          <a:noFill/>
+        </p:spPr>
+        <p:txBody>
+          <a:bodyPr wrap="none" rtlCol="0">
+            <a:spAutoFit/>
+          </a:bodyPr>
+          <a:lstStyle/>
+          <a:p>
+            <a:pPr algn="ctr"/>
+            <a:r>
+              <a:rPr lang="en-GB" dirty="0">
+                <a:latin typeface="Roboto" panose="02000000000000000000" pitchFamily="2" charset="0"/>
+                <a:ea typeface="Roboto" panose="02000000000000000000" pitchFamily="2" charset="0"/>
+              </a:rPr>
+              <a:t>Welcome to </a:t>
+            </a:r>
+          </a:p>
+          <a:p>
+            <a:pPr algn="ctr"/>
+            <a:r>
+              <a:rPr lang="en-GB" sz="2800" b="1" dirty="0">
+                <a:latin typeface="Roboto" panose="02000000000000000000" pitchFamily="2" charset="0"/>
+                <a:ea typeface="Roboto" panose="02000000000000000000" pitchFamily="2" charset="0"/>
+              </a:rPr>
+              <a:t>Quantitative Skills for the Biosciences</a:t>
+            </a:r>
+          </a:p>
+        </p:txBody>
+      </p:sp>
+      <p:sp>
+        <p:nvSpPr>
+          <p:cNvPr id="10" name="TextBox 9">
+            <a:extLst>
+              <a:ext uri="{FF2B5EF4-FFF2-40B4-BE49-F238E27FC236}">
+                <a16:creationId xmlns:a16="http://schemas.microsoft.com/office/drawing/2014/main" id="{A0EAF4A1-E6A7-FD53-F6B5-EC2409A11224}"/>
+              </a:ext>
+            </a:extLst>
+          </p:cNvPr>
+          <p:cNvSpPr txBox="1"/>
+          <p:nvPr/>
+        </p:nvSpPr>
+        <p:spPr>
+          <a:xfrm>
+            <a:off x="2192784" y="1803647"/>
+            <a:ext cx="7917303" cy="4926990"/>
+          </a:xfrm>
+          <a:prstGeom prst="rect">
+            <a:avLst/>
+          </a:prstGeom>
+          <a:noFill/>
+        </p:spPr>
+        <p:txBody>
+          <a:bodyPr wrap="square" rtlCol="0">
+            <a:spAutoFit/>
+          </a:bodyPr>
+          <a:lstStyle/>
+          <a:p>
+            <a:pPr marL="342900" indent="-342900">
+              <a:lnSpc>
+                <a:spcPct val="200000"/>
+              </a:lnSpc>
+              <a:buFont typeface="Arial" panose="020B0604020202020204" pitchFamily="34" charset="0"/>
+              <a:buChar char="•"/>
+            </a:pPr>
+            <a:r>
+              <a:rPr lang="en-GB" sz="2000" dirty="0">
+                <a:latin typeface="Roboto" panose="02000000000000000000" pitchFamily="2" charset="0"/>
+                <a:ea typeface="Roboto" panose="02000000000000000000" pitchFamily="2" charset="0"/>
+              </a:rPr>
+              <a:t>Led by </a:t>
+            </a:r>
+            <a:r>
+              <a:rPr lang="en-GB" sz="2000" dirty="0" err="1">
+                <a:latin typeface="Roboto" panose="02000000000000000000" pitchFamily="2" charset="0"/>
+                <a:ea typeface="Roboto" panose="02000000000000000000" pitchFamily="2" charset="0"/>
+              </a:rPr>
+              <a:t>Dr.</a:t>
+            </a:r>
+            <a:r>
+              <a:rPr lang="en-GB" sz="2000" dirty="0">
+                <a:latin typeface="Roboto" panose="02000000000000000000" pitchFamily="2" charset="0"/>
+                <a:ea typeface="Roboto" panose="02000000000000000000" pitchFamily="2" charset="0"/>
+              </a:rPr>
+              <a:t> Robert Treharne + Demonstrator Team</a:t>
+            </a:r>
+          </a:p>
+          <a:p>
+            <a:pPr marL="342900" indent="-342900">
+              <a:lnSpc>
+                <a:spcPct val="200000"/>
+              </a:lnSpc>
+              <a:buFont typeface="Arial" panose="020B0604020202020204" pitchFamily="34" charset="0"/>
+              <a:buChar char="•"/>
+            </a:pPr>
+            <a:r>
+              <a:rPr lang="en-GB" sz="2000" dirty="0">
+                <a:latin typeface="Roboto" panose="02000000000000000000" pitchFamily="2" charset="0"/>
+                <a:ea typeface="Roboto" panose="02000000000000000000" pitchFamily="2" charset="0"/>
+              </a:rPr>
+              <a:t>Part of your </a:t>
+            </a:r>
+            <a:r>
+              <a:rPr lang="en-GB" sz="2000" b="1" dirty="0">
+                <a:latin typeface="Roboto" panose="02000000000000000000" pitchFamily="2" charset="0"/>
+                <a:ea typeface="Roboto" panose="02000000000000000000" pitchFamily="2" charset="0"/>
+              </a:rPr>
+              <a:t>BIOS103</a:t>
+            </a:r>
+            <a:r>
+              <a:rPr lang="en-GB" sz="2000" dirty="0">
+                <a:latin typeface="Roboto" panose="02000000000000000000" pitchFamily="2" charset="0"/>
+                <a:ea typeface="Roboto" panose="02000000000000000000" pitchFamily="2" charset="0"/>
+              </a:rPr>
+              <a:t> Introductory Practical Skills Module (40%)</a:t>
+            </a:r>
+          </a:p>
+          <a:p>
+            <a:pPr marL="342900" indent="-342900">
+              <a:lnSpc>
+                <a:spcPct val="200000"/>
+              </a:lnSpc>
+              <a:buFont typeface="Arial" panose="020B0604020202020204" pitchFamily="34" charset="0"/>
+              <a:buChar char="•"/>
+            </a:pPr>
+            <a:r>
+              <a:rPr lang="en-GB" sz="2000" dirty="0">
+                <a:latin typeface="Roboto" panose="02000000000000000000" pitchFamily="2" charset="0"/>
+                <a:ea typeface="Roboto" panose="02000000000000000000" pitchFamily="2" charset="0"/>
+              </a:rPr>
+              <a:t>Online workshops via Teams. </a:t>
+            </a:r>
+            <a:r>
+              <a:rPr lang="en-GB" sz="2000" b="1" dirty="0">
+                <a:latin typeface="Roboto" panose="02000000000000000000" pitchFamily="2" charset="0"/>
+                <a:ea typeface="Roboto" panose="02000000000000000000" pitchFamily="2" charset="0"/>
+              </a:rPr>
+              <a:t>Thursday’s 9 – 11</a:t>
+            </a:r>
+            <a:r>
+              <a:rPr lang="en-GB" sz="2000" dirty="0">
+                <a:latin typeface="Roboto" panose="02000000000000000000" pitchFamily="2" charset="0"/>
+                <a:ea typeface="Roboto" panose="02000000000000000000" pitchFamily="2" charset="0"/>
+              </a:rPr>
+              <a:t>. Semester 1.</a:t>
+            </a:r>
+          </a:p>
+          <a:p>
+            <a:pPr marL="342900" indent="-342900">
+              <a:lnSpc>
+                <a:spcPct val="200000"/>
+              </a:lnSpc>
+              <a:buFont typeface="Arial" panose="020B0604020202020204" pitchFamily="34" charset="0"/>
+              <a:buChar char="•"/>
+            </a:pPr>
+            <a:r>
+              <a:rPr lang="en-GB" sz="2000" dirty="0">
+                <a:latin typeface="Roboto" panose="02000000000000000000" pitchFamily="2" charset="0"/>
+                <a:ea typeface="Roboto" panose="02000000000000000000" pitchFamily="2" charset="0"/>
+              </a:rPr>
+              <a:t>Optional attendance in person: </a:t>
+            </a:r>
+            <a:r>
+              <a:rPr lang="en-GB" sz="2000" b="1" dirty="0">
+                <a:latin typeface="Roboto" panose="02000000000000000000" pitchFamily="2" charset="0"/>
+                <a:ea typeface="Roboto" panose="02000000000000000000" pitchFamily="2" charset="0"/>
+              </a:rPr>
+              <a:t>Rendell PC Teaching Centre</a:t>
+            </a:r>
+            <a:r>
+              <a:rPr lang="en-GB" sz="2000" dirty="0">
+                <a:latin typeface="Roboto" panose="02000000000000000000" pitchFamily="2" charset="0"/>
+                <a:ea typeface="Roboto" panose="02000000000000000000" pitchFamily="2" charset="0"/>
+              </a:rPr>
+              <a:t>.</a:t>
+            </a:r>
+          </a:p>
+          <a:p>
+            <a:pPr marL="342900" indent="-342900">
+              <a:lnSpc>
+                <a:spcPct val="200000"/>
+              </a:lnSpc>
+              <a:buFont typeface="Arial" panose="020B0604020202020204" pitchFamily="34" charset="0"/>
+              <a:buChar char="•"/>
+            </a:pPr>
+            <a:r>
+              <a:rPr lang="en-GB" sz="2000" b="1" dirty="0">
+                <a:latin typeface="Roboto" panose="02000000000000000000" pitchFamily="2" charset="0"/>
+                <a:ea typeface="Roboto" panose="02000000000000000000" pitchFamily="2" charset="0"/>
+              </a:rPr>
+              <a:t>Weekly online tests</a:t>
+            </a:r>
+            <a:r>
+              <a:rPr lang="en-GB" sz="2000" dirty="0">
+                <a:latin typeface="Roboto" panose="02000000000000000000" pitchFamily="2" charset="0"/>
+                <a:ea typeface="Roboto" panose="02000000000000000000" pitchFamily="2" charset="0"/>
+              </a:rPr>
+              <a:t> (worth 4% each), over 10 weeks.</a:t>
+            </a:r>
+          </a:p>
+          <a:p>
+            <a:pPr>
+              <a:lnSpc>
+                <a:spcPct val="200000"/>
+              </a:lnSpc>
+            </a:pPr>
+            <a:endParaRPr lang="en-GB" sz="2000" dirty="0">
+              <a:latin typeface="Roboto" panose="02000000000000000000" pitchFamily="2" charset="0"/>
+              <a:ea typeface="Roboto" panose="02000000000000000000" pitchFamily="2" charset="0"/>
+            </a:endParaRPr>
+          </a:p>
+          <a:p>
+            <a:pPr marL="342900" indent="-342900">
+              <a:lnSpc>
+                <a:spcPct val="200000"/>
+              </a:lnSpc>
+              <a:buFont typeface="Arial" panose="020B0604020202020204" pitchFamily="34" charset="0"/>
+              <a:buChar char="•"/>
+            </a:pPr>
+            <a:endParaRPr lang="en-GB" sz="2000" dirty="0">
+              <a:latin typeface="Roboto" panose="02000000000000000000" pitchFamily="2" charset="0"/>
+              <a:ea typeface="Roboto" panose="02000000000000000000" pitchFamily="2" charset="0"/>
+            </a:endParaRPr>
+          </a:p>
+          <a:p>
+            <a:pPr>
+              <a:lnSpc>
+                <a:spcPct val="200000"/>
+              </a:lnSpc>
+            </a:pPr>
+            <a:endParaRPr lang="en-GB" sz="2000" dirty="0">
+              <a:latin typeface="Roboto" panose="02000000000000000000" pitchFamily="2" charset="0"/>
+              <a:ea typeface="Roboto" panose="02000000000000000000" pitchFamily="2" charset="0"/>
+            </a:endParaRPr>
+          </a:p>
+        </p:txBody>
+      </p:sp>
+    </p:spTree>
+    <p:extLst>
+      <p:ext uri="{BB962C8B-B14F-4D97-AF65-F5344CB8AC3E}">
+        <p14:creationId xmlns:p14="http://schemas.microsoft.com/office/powerpoint/2010/main" val="1885113794"/>
+      </p:ext>
+    </p:extLst>
+  </p:cSld>
+  <p:clrMapOvr>
+    <a:masterClrMapping/>
+  </p:clrMapOvr>
+</p:sld>
+</file>
+
+<file path=ppt/slides/slide2.xml><?xml version="1.0" encoding="utf-8"?>
 <p:sld xmlns:a="http://schemas.openxmlformats.org/drawingml/2006/main" xmlns:r="http://schemas.openxmlformats.org/officeDocument/2006/relationships" xmlns:p="http://schemas.openxmlformats.org/presentationml/2006/main">
   <p:cSld>
     <p:spTree>
@@ -5173,7 +5616,7 @@
         <p:spPr>
           <a:xfrm>
             <a:off x="780836" y="4674742"/>
-            <a:ext cx="4281557" cy="923330"/>
+            <a:ext cx="4556376" cy="923330"/>
           </a:xfrm>
           <a:prstGeom prst="rect">
             <a:avLst/>
@@ -5188,18 +5631,18 @@
           <a:p>
             <a:pPr marL="342900" indent="-342900">
               <a:buFont typeface="+mj-lt"/>
-              <a:buAutoNum type="arabicPeriod"/>
+              <a:buAutoNum type="arabicPeriod" startAt="2"/>
             </a:pPr>
             <a:r>
               <a:rPr lang="en-GB" b="1" dirty="0"/>
-              <a:t>Introduction to Excel and R</a:t>
+              <a:t>Summarising Data and ANOVA in Excel</a:t>
             </a:r>
           </a:p>
           <a:p>
             <a:pPr lvl="1"/>
             <a:r>
               <a:rPr lang="en-GB" dirty="0"/>
-              <a:t>1.1   Estimating the Volume of a Snail</a:t>
+              <a:t>2.1   Summarising Data</a:t>
             </a:r>
           </a:p>
           <a:p>
@@ -5213,7 +5656,7 @@
     </p:spTree>
     <p:extLst>
       <p:ext uri="{BB962C8B-B14F-4D97-AF65-F5344CB8AC3E}">
-        <p14:creationId xmlns:p14="http://schemas.microsoft.com/office/powerpoint/2010/main" val="3205331733"/>
+        <p14:creationId xmlns:p14="http://schemas.microsoft.com/office/powerpoint/2010/main" val="948964309"/>
       </p:ext>
     </p:extLst>
   </p:cSld>
@@ -5223,7 +5666,7 @@
 </p:sld>
 </file>
 
-<file path=ppt/slides/slide4.xml><?xml version="1.0" encoding="utf-8"?>
+<file path=ppt/slides/slide3.xml><?xml version="1.0" encoding="utf-8"?>
 <p:sld xmlns:a="http://schemas.openxmlformats.org/drawingml/2006/main" xmlns:r="http://schemas.openxmlformats.org/officeDocument/2006/relationships" xmlns:p="http://schemas.openxmlformats.org/presentationml/2006/main">
   <p:cSld>
     <p:spTree>
@@ -5449,7 +5892,7 @@
         <p:spPr>
           <a:xfrm>
             <a:off x="780836" y="4674742"/>
-            <a:ext cx="3340979" cy="923330"/>
+            <a:ext cx="4281557" cy="923330"/>
           </a:xfrm>
           <a:prstGeom prst="rect">
             <a:avLst/>
@@ -5475,7 +5918,7 @@
             <a:pPr lvl="1"/>
             <a:r>
               <a:rPr lang="en-GB" dirty="0"/>
-              <a:t>1.2   Getting Ready for R</a:t>
+              <a:t>1.1   Estimating the Volume of a Snail</a:t>
             </a:r>
           </a:p>
           <a:p>
@@ -5489,7 +5932,7 @@
     </p:spTree>
     <p:extLst>
       <p:ext uri="{BB962C8B-B14F-4D97-AF65-F5344CB8AC3E}">
-        <p14:creationId xmlns:p14="http://schemas.microsoft.com/office/powerpoint/2010/main" val="2957000954"/>
+        <p14:creationId xmlns:p14="http://schemas.microsoft.com/office/powerpoint/2010/main" val="3205331733"/>
       </p:ext>
     </p:extLst>
   </p:cSld>
@@ -5499,7 +5942,7 @@
 </p:sld>
 </file>
 
-<file path=ppt/slides/slide5.xml><?xml version="1.0" encoding="utf-8"?>
+<file path=ppt/slides/slide4.xml><?xml version="1.0" encoding="utf-8"?>
 <p:sld xmlns:a="http://schemas.openxmlformats.org/drawingml/2006/main" xmlns:r="http://schemas.openxmlformats.org/officeDocument/2006/relationships" xmlns:p="http://schemas.openxmlformats.org/presentationml/2006/main">
   <p:cSld>
     <p:spTree>
@@ -5725,7 +6168,7 @@
         <p:spPr>
           <a:xfrm>
             <a:off x="780836" y="4674742"/>
-            <a:ext cx="4556376" cy="923330"/>
+            <a:ext cx="3340979" cy="923330"/>
           </a:xfrm>
           <a:prstGeom prst="rect">
             <a:avLst/>
@@ -5740,18 +6183,18 @@
           <a:p>
             <a:pPr marL="342900" indent="-342900">
               <a:buFont typeface="+mj-lt"/>
-              <a:buAutoNum type="arabicPeriod" startAt="2"/>
+              <a:buAutoNum type="arabicPeriod"/>
             </a:pPr>
             <a:r>
               <a:rPr lang="en-GB" b="1" dirty="0"/>
-              <a:t>Summarising Data and ANOVA in Excel</a:t>
+              <a:t>Introduction to Excel and R</a:t>
             </a:r>
           </a:p>
           <a:p>
             <a:pPr lvl="1"/>
             <a:r>
               <a:rPr lang="en-GB" dirty="0"/>
-              <a:t>2.2.1   Grouped Boxplots in Excel</a:t>
+              <a:t>1.2   Getting Ready for R</a:t>
             </a:r>
           </a:p>
           <a:p>
@@ -5765,7 +6208,7 @@
     </p:spTree>
     <p:extLst>
       <p:ext uri="{BB962C8B-B14F-4D97-AF65-F5344CB8AC3E}">
-        <p14:creationId xmlns:p14="http://schemas.microsoft.com/office/powerpoint/2010/main" val="2499101001"/>
+        <p14:creationId xmlns:p14="http://schemas.microsoft.com/office/powerpoint/2010/main" val="2957000954"/>
       </p:ext>
     </p:extLst>
   </p:cSld>
@@ -5775,7 +6218,7 @@
 </p:sld>
 </file>
 
-<file path=ppt/slides/slide6.xml><?xml version="1.0" encoding="utf-8"?>
+<file path=ppt/slides/slide5.xml><?xml version="1.0" encoding="utf-8"?>
 <p:sld xmlns:a="http://schemas.openxmlformats.org/drawingml/2006/main" xmlns:r="http://schemas.openxmlformats.org/officeDocument/2006/relationships" xmlns:p="http://schemas.openxmlformats.org/presentationml/2006/main">
   <p:cSld>
     <p:spTree>
@@ -6001,7 +6444,7 @@
         <p:spPr>
           <a:xfrm>
             <a:off x="780836" y="4674742"/>
-            <a:ext cx="5080943" cy="923330"/>
+            <a:ext cx="4556376" cy="923330"/>
           </a:xfrm>
           <a:prstGeom prst="rect">
             <a:avLst/>
@@ -6027,7 +6470,7 @@
             <a:pPr lvl="1"/>
             <a:r>
               <a:rPr lang="en-GB" dirty="0"/>
-              <a:t>2.2.3   Performing a One-Way ANOVA in Excel</a:t>
+              <a:t>2.2.1   Grouped Boxplots in Excel</a:t>
             </a:r>
           </a:p>
           <a:p>
@@ -6041,7 +6484,7 @@
     </p:spTree>
     <p:extLst>
       <p:ext uri="{BB962C8B-B14F-4D97-AF65-F5344CB8AC3E}">
-        <p14:creationId xmlns:p14="http://schemas.microsoft.com/office/powerpoint/2010/main" val="2483090345"/>
+        <p14:creationId xmlns:p14="http://schemas.microsoft.com/office/powerpoint/2010/main" val="2499101001"/>
       </p:ext>
     </p:extLst>
   </p:cSld>
@@ -6051,7 +6494,7 @@
 </p:sld>
 </file>
 
-<file path=ppt/slides/slide7.xml><?xml version="1.0" encoding="utf-8"?>
+<file path=ppt/slides/slide6.xml><?xml version="1.0" encoding="utf-8"?>
 <p:sld xmlns:a="http://schemas.openxmlformats.org/drawingml/2006/main" xmlns:r="http://schemas.openxmlformats.org/officeDocument/2006/relationships" xmlns:p="http://schemas.openxmlformats.org/presentationml/2006/main">
   <p:cSld>
     <p:spTree>
@@ -6277,7 +6720,7 @@
         <p:spPr>
           <a:xfrm>
             <a:off x="780836" y="4674742"/>
-            <a:ext cx="4668907" cy="923330"/>
+            <a:ext cx="5080943" cy="923330"/>
           </a:xfrm>
           <a:prstGeom prst="rect">
             <a:avLst/>
@@ -6303,7 +6746,7 @@
             <a:pPr lvl="1"/>
             <a:r>
               <a:rPr lang="en-GB" dirty="0"/>
-              <a:t>2.2.4   Performing Post-hoc Tests in Excel</a:t>
+              <a:t>2.2.3   Performing a One-Way ANOVA in Excel</a:t>
             </a:r>
           </a:p>
           <a:p>
@@ -6317,7 +6760,7 @@
     </p:spTree>
     <p:extLst>
       <p:ext uri="{BB962C8B-B14F-4D97-AF65-F5344CB8AC3E}">
-        <p14:creationId xmlns:p14="http://schemas.microsoft.com/office/powerpoint/2010/main" val="4037214673"/>
+        <p14:creationId xmlns:p14="http://schemas.microsoft.com/office/powerpoint/2010/main" val="2483090345"/>
       </p:ext>
     </p:extLst>
   </p:cSld>
@@ -6327,7 +6770,7 @@
 </p:sld>
 </file>
 
-<file path=ppt/slides/slide8.xml><?xml version="1.0" encoding="utf-8"?>
+<file path=ppt/slides/slide7.xml><?xml version="1.0" encoding="utf-8"?>
 <p:sld xmlns:a="http://schemas.openxmlformats.org/drawingml/2006/main" xmlns:r="http://schemas.openxmlformats.org/officeDocument/2006/relationships" xmlns:p="http://schemas.openxmlformats.org/presentationml/2006/main">
   <p:cSld>
     <p:spTree>
@@ -6523,7 +6966,7 @@
                 <a:latin typeface="Roboto" panose="02000000000000000000" pitchFamily="2" charset="0"/>
                 <a:ea typeface="Roboto" panose="02000000000000000000" pitchFamily="2" charset="0"/>
               </a:rPr>
-              <a:t>for the Biosciences</a:t>
+              <a:t>for the Biosciences I</a:t>
             </a:r>
             <a:endParaRPr lang="en-GB" sz="4000" dirty="0">
               <a:solidFill>
@@ -6553,7 +6996,7 @@
         <p:spPr>
           <a:xfrm>
             <a:off x="780836" y="4674742"/>
-            <a:ext cx="2160656" cy="369332"/>
+            <a:ext cx="4668907" cy="923330"/>
           </a:xfrm>
           <a:prstGeom prst="rect">
             <a:avLst/>
@@ -6566,21 +7009,310 @@
           </a:bodyPr>
           <a:lstStyle/>
           <a:p>
-            <a:r>
-              <a:rPr lang="en-GB" dirty="0" err="1"/>
-              <a:t>Dr.</a:t>
-            </a:r>
+            <a:pPr marL="342900" indent="-342900">
+              <a:buFont typeface="+mj-lt"/>
+              <a:buAutoNum type="arabicPeriod" startAt="2"/>
+            </a:pPr>
+            <a:r>
+              <a:rPr lang="en-GB" b="1" dirty="0"/>
+              <a:t>Summarising Data and ANOVA in Excel</a:t>
+            </a:r>
+          </a:p>
+          <a:p>
+            <a:pPr lvl="1"/>
             <a:r>
               <a:rPr lang="en-GB" dirty="0"/>
-              <a:t> Robert Treharne</a:t>
-            </a:r>
+              <a:t>2.2.4   Performing Post-hoc Tests in Excel</a:t>
+            </a:r>
+          </a:p>
+          <a:p>
+            <a:pPr marL="800100" lvl="1" indent="-342900">
+              <a:buAutoNum type="arabicPeriod"/>
+            </a:pPr>
+            <a:endParaRPr lang="en-GB" dirty="0"/>
           </a:p>
         </p:txBody>
       </p:sp>
     </p:spTree>
     <p:extLst>
       <p:ext uri="{BB962C8B-B14F-4D97-AF65-F5344CB8AC3E}">
-        <p14:creationId xmlns:p14="http://schemas.microsoft.com/office/powerpoint/2010/main" val="363068166"/>
+        <p14:creationId xmlns:p14="http://schemas.microsoft.com/office/powerpoint/2010/main" val="4037214673"/>
+      </p:ext>
+    </p:extLst>
+  </p:cSld>
+  <p:clrMapOvr>
+    <a:masterClrMapping/>
+  </p:clrMapOvr>
+</p:sld>
+</file>
+
+<file path=ppt/slides/slide8.xml><?xml version="1.0" encoding="utf-8"?>
+<p:sld xmlns:a="http://schemas.openxmlformats.org/drawingml/2006/main" xmlns:r="http://schemas.openxmlformats.org/officeDocument/2006/relationships" xmlns:p="http://schemas.openxmlformats.org/presentationml/2006/main">
+  <p:cSld>
+    <p:spTree>
+      <p:nvGrpSpPr>
+        <p:cNvPr id="1" name=""/>
+        <p:cNvGrpSpPr/>
+        <p:nvPr/>
+      </p:nvGrpSpPr>
+      <p:grpSpPr>
+        <a:xfrm>
+          <a:off x="0" y="0"/>
+          <a:ext cx="0" cy="0"/>
+          <a:chOff x="0" y="0"/>
+          <a:chExt cx="0" cy="0"/>
+        </a:xfrm>
+      </p:grpSpPr>
+      <p:grpSp>
+        <p:nvGrpSpPr>
+          <p:cNvPr id="9" name="Group 8">
+            <a:extLst>
+              <a:ext uri="{FF2B5EF4-FFF2-40B4-BE49-F238E27FC236}">
+                <a16:creationId xmlns:a16="http://schemas.microsoft.com/office/drawing/2014/main" id="{77DB5CDF-12C9-369D-6411-E559D40492FA}"/>
+              </a:ext>
+            </a:extLst>
+          </p:cNvPr>
+          <p:cNvGrpSpPr/>
+          <p:nvPr/>
+        </p:nvGrpSpPr>
+        <p:grpSpPr>
+          <a:xfrm>
+            <a:off x="95250" y="0"/>
+            <a:ext cx="12096750" cy="6858000"/>
+            <a:chOff x="95250" y="0"/>
+            <a:chExt cx="12096750" cy="6858000"/>
+          </a:xfrm>
+        </p:grpSpPr>
+        <p:pic>
+          <p:nvPicPr>
+            <p:cNvPr id="7" name="Picture 6" descr="A black and white image of a city&#10;&#10;Description automatically generated">
+              <a:extLst>
+                <a:ext uri="{FF2B5EF4-FFF2-40B4-BE49-F238E27FC236}">
+                  <a16:creationId xmlns:a16="http://schemas.microsoft.com/office/drawing/2014/main" id="{6F3074F2-352F-43CF-AE6E-5ACC431A51FD}"/>
+                </a:ext>
+              </a:extLst>
+            </p:cNvPr>
+            <p:cNvPicPr>
+              <a:picLocks noChangeAspect="1"/>
+            </p:cNvPicPr>
+            <p:nvPr/>
+          </p:nvPicPr>
+          <p:blipFill>
+            <a:blip r:embed="rId3">
+              <a:extLst>
+                <a:ext uri="{28A0092B-C50C-407E-A947-70E740481C1C}">
+                  <a14:useLocalDpi xmlns:a14="http://schemas.microsoft.com/office/drawing/2010/main" val="0"/>
+                </a:ext>
+              </a:extLst>
+            </a:blip>
+            <a:stretch>
+              <a:fillRect/>
+            </a:stretch>
+          </p:blipFill>
+          <p:spPr>
+            <a:xfrm>
+              <a:off x="95250" y="0"/>
+              <a:ext cx="12001500" cy="6858000"/>
+            </a:xfrm>
+            <a:prstGeom prst="rect">
+              <a:avLst/>
+            </a:prstGeom>
+          </p:spPr>
+        </p:pic>
+        <p:sp>
+          <p:nvSpPr>
+            <p:cNvPr id="8" name="Rectangle 7">
+              <a:extLst>
+                <a:ext uri="{FF2B5EF4-FFF2-40B4-BE49-F238E27FC236}">
+                  <a16:creationId xmlns:a16="http://schemas.microsoft.com/office/drawing/2014/main" id="{CCD734EC-557E-F662-5781-FA8891F5EB16}"/>
+                </a:ext>
+              </a:extLst>
+            </p:cNvPr>
+            <p:cNvSpPr/>
+            <p:nvPr/>
+          </p:nvSpPr>
+          <p:spPr>
+            <a:xfrm>
+              <a:off x="297952" y="0"/>
+              <a:ext cx="11894048" cy="6858000"/>
+            </a:xfrm>
+            <a:prstGeom prst="rect">
+              <a:avLst/>
+            </a:prstGeom>
+            <a:gradFill flip="none" rotWithShape="1">
+              <a:gsLst>
+                <a:gs pos="20000">
+                  <a:schemeClr val="bg1"/>
+                </a:gs>
+                <a:gs pos="48000">
+                  <a:srgbClr val="FFFFFF">
+                    <a:alpha val="90000"/>
+                  </a:srgbClr>
+                </a:gs>
+                <a:gs pos="92000">
+                  <a:schemeClr val="bg1">
+                    <a:alpha val="0"/>
+                  </a:schemeClr>
+                </a:gs>
+              </a:gsLst>
+              <a:lin ang="0" scaled="1"/>
+              <a:tileRect/>
+            </a:gradFill>
+            <a:ln>
+              <a:noFill/>
+            </a:ln>
+          </p:spPr>
+          <p:style>
+            <a:lnRef idx="2">
+              <a:schemeClr val="accent1">
+                <a:shade val="15000"/>
+              </a:schemeClr>
+            </a:lnRef>
+            <a:fillRef idx="1">
+              <a:schemeClr val="accent1"/>
+            </a:fillRef>
+            <a:effectRef idx="0">
+              <a:schemeClr val="accent1"/>
+            </a:effectRef>
+            <a:fontRef idx="minor">
+              <a:schemeClr val="lt1"/>
+            </a:fontRef>
+          </p:style>
+          <p:txBody>
+            <a:bodyPr rtlCol="0" anchor="ctr"/>
+            <a:lstStyle/>
+            <a:p>
+              <a:pPr algn="ctr"/>
+              <a:endParaRPr lang="en-GB"/>
+            </a:p>
+          </p:txBody>
+        </p:sp>
+      </p:grpSp>
+      <p:sp>
+        <p:nvSpPr>
+          <p:cNvPr id="4" name="Title 1">
+            <a:extLst>
+              <a:ext uri="{FF2B5EF4-FFF2-40B4-BE49-F238E27FC236}">
+                <a16:creationId xmlns:a16="http://schemas.microsoft.com/office/drawing/2014/main" id="{96F8826D-2D91-AD9E-08AE-AA28F4E2C3FE}"/>
+              </a:ext>
+            </a:extLst>
+          </p:cNvPr>
+          <p:cNvSpPr>
+            <a:spLocks noGrp="1"/>
+          </p:cNvSpPr>
+          <p:nvPr>
+            <p:ph type="ctrTitle"/>
+          </p:nvPr>
+        </p:nvSpPr>
+        <p:spPr>
+          <a:xfrm>
+            <a:off x="657546" y="599609"/>
+            <a:ext cx="4479533" cy="3692028"/>
+          </a:xfrm>
+          <a:noFill/>
+        </p:spPr>
+        <p:txBody>
+          <a:bodyPr>
+            <a:normAutofit/>
+          </a:bodyPr>
+          <a:lstStyle/>
+          <a:p>
+            <a:pPr algn="l"/>
+            <a:r>
+              <a:rPr lang="en-GB" sz="4000" b="1" dirty="0">
+                <a:solidFill>
+                  <a:schemeClr val="tx1">
+                    <a:lumMod val="85000"/>
+                    <a:lumOff val="15000"/>
+                  </a:schemeClr>
+                </a:solidFill>
+                <a:latin typeface="Roboto" panose="02000000000000000000" pitchFamily="2" charset="0"/>
+                <a:ea typeface="Roboto" panose="02000000000000000000" pitchFamily="2" charset="0"/>
+              </a:rPr>
+              <a:t>Quantitative Skills </a:t>
+            </a:r>
+            <a:r>
+              <a:rPr lang="en-GB" sz="3200" dirty="0">
+                <a:solidFill>
+                  <a:schemeClr val="tx1">
+                    <a:lumMod val="85000"/>
+                    <a:lumOff val="15000"/>
+                  </a:schemeClr>
+                </a:solidFill>
+                <a:latin typeface="Roboto" panose="02000000000000000000" pitchFamily="2" charset="0"/>
+                <a:ea typeface="Roboto" panose="02000000000000000000" pitchFamily="2" charset="0"/>
+              </a:rPr>
+              <a:t>for the Biosciences I</a:t>
+            </a:r>
+            <a:endParaRPr lang="en-GB" sz="4000" dirty="0">
+              <a:solidFill>
+                <a:schemeClr val="tx1">
+                  <a:lumMod val="85000"/>
+                  <a:lumOff val="15000"/>
+                </a:schemeClr>
+              </a:solidFill>
+              <a:latin typeface="Roboto" panose="02000000000000000000" pitchFamily="2" charset="0"/>
+              <a:ea typeface="Roboto" panose="02000000000000000000" pitchFamily="2" charset="0"/>
+            </a:endParaRPr>
+          </a:p>
+        </p:txBody>
+      </p:sp>
+      <p:sp>
+        <p:nvSpPr>
+          <p:cNvPr id="5" name="TextBox 4">
+            <a:extLst>
+              <a:ext uri="{FF2B5EF4-FFF2-40B4-BE49-F238E27FC236}">
+                <a16:creationId xmlns:a16="http://schemas.microsoft.com/office/drawing/2014/main" id="{408DECAB-5077-CD0A-7745-B04B3F5466C5}"/>
+              </a:ext>
+            </a:extLst>
+          </p:cNvPr>
+          <p:cNvSpPr txBox="1"/>
+          <p:nvPr/>
+        </p:nvSpPr>
+        <p:spPr>
+          <a:xfrm>
+            <a:off x="780836" y="4674742"/>
+            <a:ext cx="5704254" cy="923330"/>
+          </a:xfrm>
+          <a:prstGeom prst="rect">
+            <a:avLst/>
+          </a:prstGeom>
+          <a:noFill/>
+        </p:spPr>
+        <p:txBody>
+          <a:bodyPr wrap="none" rtlCol="0">
+            <a:spAutoFit/>
+          </a:bodyPr>
+          <a:lstStyle/>
+          <a:p>
+            <a:pPr marL="342900" indent="-342900">
+              <a:buFont typeface="+mj-lt"/>
+              <a:buAutoNum type="arabicPeriod" startAt="3"/>
+            </a:pPr>
+            <a:r>
+              <a:rPr lang="en-GB" b="1" dirty="0"/>
+              <a:t>Calibration Curves and Linear Regression in Excel</a:t>
+            </a:r>
+          </a:p>
+          <a:p>
+            <a:pPr lvl="1"/>
+            <a:r>
+              <a:rPr lang="en-GB" dirty="0"/>
+              <a:t>3.1 Calibration Curves</a:t>
+            </a:r>
+          </a:p>
+          <a:p>
+            <a:pPr marL="800100" lvl="1" indent="-342900">
+              <a:buAutoNum type="arabicPeriod"/>
+            </a:pPr>
+            <a:endParaRPr lang="en-GB" dirty="0"/>
+          </a:p>
+        </p:txBody>
+      </p:sp>
+    </p:spTree>
+    <p:extLst>
+      <p:ext uri="{BB962C8B-B14F-4D97-AF65-F5344CB8AC3E}">
+        <p14:creationId xmlns:p14="http://schemas.microsoft.com/office/powerpoint/2010/main" val="837034016"/>
       </p:ext>
     </p:extLst>
   </p:cSld>
@@ -6607,12 +7339,206 @@
           <a:chExt cx="0" cy="0"/>
         </a:xfrm>
       </p:grpSpPr>
-      <p:sp>
-        <p:nvSpPr>
-          <p:cNvPr id="6" name="TextBox 5">
-            <a:extLst>
-              <a:ext uri="{FF2B5EF4-FFF2-40B4-BE49-F238E27FC236}">
-                <a16:creationId xmlns:a16="http://schemas.microsoft.com/office/drawing/2014/main" id="{EDA1C10B-66DD-04C5-DCB5-A08E24C5FF35}"/>
+      <p:grpSp>
+        <p:nvGrpSpPr>
+          <p:cNvPr id="9" name="Group 8">
+            <a:extLst>
+              <a:ext uri="{FF2B5EF4-FFF2-40B4-BE49-F238E27FC236}">
+                <a16:creationId xmlns:a16="http://schemas.microsoft.com/office/drawing/2014/main" id="{77DB5CDF-12C9-369D-6411-E559D40492FA}"/>
+              </a:ext>
+            </a:extLst>
+          </p:cNvPr>
+          <p:cNvGrpSpPr/>
+          <p:nvPr/>
+        </p:nvGrpSpPr>
+        <p:grpSpPr>
+          <a:xfrm>
+            <a:off x="95250" y="0"/>
+            <a:ext cx="12096750" cy="6858000"/>
+            <a:chOff x="95250" y="0"/>
+            <a:chExt cx="12096750" cy="6858000"/>
+          </a:xfrm>
+        </p:grpSpPr>
+        <p:pic>
+          <p:nvPicPr>
+            <p:cNvPr id="7" name="Picture 6" descr="A black and white image of a city&#10;&#10;Description automatically generated">
+              <a:extLst>
+                <a:ext uri="{FF2B5EF4-FFF2-40B4-BE49-F238E27FC236}">
+                  <a16:creationId xmlns:a16="http://schemas.microsoft.com/office/drawing/2014/main" id="{6F3074F2-352F-43CF-AE6E-5ACC431A51FD}"/>
+                </a:ext>
+              </a:extLst>
+            </p:cNvPr>
+            <p:cNvPicPr>
+              <a:picLocks noChangeAspect="1"/>
+            </p:cNvPicPr>
+            <p:nvPr/>
+          </p:nvPicPr>
+          <p:blipFill>
+            <a:blip r:embed="rId3">
+              <a:extLst>
+                <a:ext uri="{28A0092B-C50C-407E-A947-70E740481C1C}">
+                  <a14:useLocalDpi xmlns:a14="http://schemas.microsoft.com/office/drawing/2010/main" val="0"/>
+                </a:ext>
+              </a:extLst>
+            </a:blip>
+            <a:stretch>
+              <a:fillRect/>
+            </a:stretch>
+          </p:blipFill>
+          <p:spPr>
+            <a:xfrm>
+              <a:off x="95250" y="0"/>
+              <a:ext cx="12001500" cy="6858000"/>
+            </a:xfrm>
+            <a:prstGeom prst="rect">
+              <a:avLst/>
+            </a:prstGeom>
+          </p:spPr>
+        </p:pic>
+        <p:sp>
+          <p:nvSpPr>
+            <p:cNvPr id="8" name="Rectangle 7">
+              <a:extLst>
+                <a:ext uri="{FF2B5EF4-FFF2-40B4-BE49-F238E27FC236}">
+                  <a16:creationId xmlns:a16="http://schemas.microsoft.com/office/drawing/2014/main" id="{CCD734EC-557E-F662-5781-FA8891F5EB16}"/>
+                </a:ext>
+              </a:extLst>
+            </p:cNvPr>
+            <p:cNvSpPr/>
+            <p:nvPr/>
+          </p:nvSpPr>
+          <p:spPr>
+            <a:xfrm>
+              <a:off x="297952" y="0"/>
+              <a:ext cx="11894048" cy="6858000"/>
+            </a:xfrm>
+            <a:prstGeom prst="rect">
+              <a:avLst/>
+            </a:prstGeom>
+            <a:gradFill flip="none" rotWithShape="1">
+              <a:gsLst>
+                <a:gs pos="20000">
+                  <a:schemeClr val="bg1"/>
+                </a:gs>
+                <a:gs pos="48000">
+                  <a:srgbClr val="FFFFFF">
+                    <a:alpha val="90000"/>
+                  </a:srgbClr>
+                </a:gs>
+                <a:gs pos="92000">
+                  <a:schemeClr val="bg1">
+                    <a:alpha val="0"/>
+                  </a:schemeClr>
+                </a:gs>
+              </a:gsLst>
+              <a:lin ang="0" scaled="1"/>
+              <a:tileRect/>
+            </a:gradFill>
+            <a:ln>
+              <a:noFill/>
+            </a:ln>
+          </p:spPr>
+          <p:style>
+            <a:lnRef idx="2">
+              <a:schemeClr val="accent1">
+                <a:shade val="15000"/>
+              </a:schemeClr>
+            </a:lnRef>
+            <a:fillRef idx="1">
+              <a:schemeClr val="accent1"/>
+            </a:fillRef>
+            <a:effectRef idx="0">
+              <a:schemeClr val="accent1"/>
+            </a:effectRef>
+            <a:fontRef idx="minor">
+              <a:schemeClr val="lt1"/>
+            </a:fontRef>
+          </p:style>
+          <p:txBody>
+            <a:bodyPr rtlCol="0" anchor="ctr"/>
+            <a:lstStyle/>
+            <a:p>
+              <a:pPr algn="ctr"/>
+              <a:endParaRPr lang="en-GB"/>
+            </a:p>
+          </p:txBody>
+        </p:sp>
+      </p:grpSp>
+      <p:sp>
+        <p:nvSpPr>
+          <p:cNvPr id="4" name="Title 1">
+            <a:extLst>
+              <a:ext uri="{FF2B5EF4-FFF2-40B4-BE49-F238E27FC236}">
+                <a16:creationId xmlns:a16="http://schemas.microsoft.com/office/drawing/2014/main" id="{96F8826D-2D91-AD9E-08AE-AA28F4E2C3FE}"/>
+              </a:ext>
+            </a:extLst>
+          </p:cNvPr>
+          <p:cNvSpPr>
+            <a:spLocks noGrp="1"/>
+          </p:cNvSpPr>
+          <p:nvPr>
+            <p:ph type="ctrTitle"/>
+          </p:nvPr>
+        </p:nvSpPr>
+        <p:spPr>
+          <a:xfrm>
+            <a:off x="657546" y="599609"/>
+            <a:ext cx="4479533" cy="3692028"/>
+          </a:xfrm>
+          <a:noFill/>
+        </p:spPr>
+        <p:txBody>
+          <a:bodyPr>
+            <a:normAutofit/>
+          </a:bodyPr>
+          <a:lstStyle/>
+          <a:p>
+            <a:pPr algn="l"/>
+            <a:r>
+              <a:rPr lang="en-GB" sz="4000" b="1" dirty="0">
+                <a:solidFill>
+                  <a:schemeClr val="tx1">
+                    <a:lumMod val="85000"/>
+                    <a:lumOff val="15000"/>
+                  </a:schemeClr>
+                </a:solidFill>
+                <a:latin typeface="Roboto" panose="02000000000000000000" pitchFamily="2" charset="0"/>
+                <a:ea typeface="Roboto" panose="02000000000000000000" pitchFamily="2" charset="0"/>
+              </a:rPr>
+              <a:t>Quantitative Skills </a:t>
+            </a:r>
+            <a:r>
+              <a:rPr lang="en-GB" sz="3200" dirty="0">
+                <a:solidFill>
+                  <a:schemeClr val="tx1">
+                    <a:lumMod val="85000"/>
+                    <a:lumOff val="15000"/>
+                  </a:schemeClr>
+                </a:solidFill>
+                <a:latin typeface="Roboto" panose="02000000000000000000" pitchFamily="2" charset="0"/>
+                <a:ea typeface="Roboto" panose="02000000000000000000" pitchFamily="2" charset="0"/>
+              </a:rPr>
+              <a:t>for the Biosciences I</a:t>
+            </a:r>
+            <a:endParaRPr lang="en-GB" sz="4000" dirty="0">
+              <a:solidFill>
+                <a:schemeClr val="tx1">
+                  <a:lumMod val="85000"/>
+                  <a:lumOff val="15000"/>
+                </a:schemeClr>
+              </a:solidFill>
+              <a:latin typeface="Roboto" panose="02000000000000000000" pitchFamily="2" charset="0"/>
+              <a:ea typeface="Roboto" panose="02000000000000000000" pitchFamily="2" charset="0"/>
+            </a:endParaRPr>
+          </a:p>
+        </p:txBody>
+      </p:sp>
+      <p:sp>
+        <p:nvSpPr>
+          <p:cNvPr id="5" name="TextBox 4">
+            <a:extLst>
+              <a:ext uri="{FF2B5EF4-FFF2-40B4-BE49-F238E27FC236}">
+                <a16:creationId xmlns:a16="http://schemas.microsoft.com/office/drawing/2014/main" id="{408DECAB-5077-CD0A-7745-B04B3F5466C5}"/>
               </a:ext>
             </a:extLst>
           </p:cNvPr>
@@ -6621,8 +7547,8 @@
         </p:nvSpPr>
         <p:spPr>
           <a:xfrm>
-            <a:off x="2934717" y="745724"/>
-            <a:ext cx="6322565" cy="800219"/>
+            <a:off x="780836" y="4674742"/>
+            <a:ext cx="5704254" cy="923330"/>
           </a:xfrm>
           <a:prstGeom prst="rect">
             <a:avLst/>
@@ -6635,215 +7561,34 @@
           </a:bodyPr>
           <a:lstStyle/>
           <a:p>
-            <a:pPr algn="ctr"/>
-            <a:r>
-              <a:rPr lang="en-GB" dirty="0">
-                <a:latin typeface="Roboto" panose="02000000000000000000" pitchFamily="2" charset="0"/>
-                <a:ea typeface="Roboto" panose="02000000000000000000" pitchFamily="2" charset="0"/>
-              </a:rPr>
-              <a:t>Welcome to </a:t>
-            </a:r>
-          </a:p>
-          <a:p>
-            <a:pPr algn="ctr"/>
-            <a:r>
-              <a:rPr lang="en-GB" sz="2800" b="1" dirty="0">
-                <a:latin typeface="Roboto" panose="02000000000000000000" pitchFamily="2" charset="0"/>
-                <a:ea typeface="Roboto" panose="02000000000000000000" pitchFamily="2" charset="0"/>
-              </a:rPr>
-              <a:t>Quantitative Skills for the Biosciences</a:t>
-            </a:r>
-          </a:p>
-        </p:txBody>
-      </p:sp>
-      <p:sp>
-        <p:nvSpPr>
-          <p:cNvPr id="10" name="TextBox 9">
-            <a:extLst>
-              <a:ext uri="{FF2B5EF4-FFF2-40B4-BE49-F238E27FC236}">
-                <a16:creationId xmlns:a16="http://schemas.microsoft.com/office/drawing/2014/main" id="{A0EAF4A1-E6A7-FD53-F6B5-EC2409A11224}"/>
-              </a:ext>
-            </a:extLst>
-          </p:cNvPr>
-          <p:cNvSpPr txBox="1"/>
-          <p:nvPr/>
-        </p:nvSpPr>
-        <p:spPr>
-          <a:xfrm>
-            <a:off x="2606110" y="1803647"/>
-            <a:ext cx="7503977" cy="4311437"/>
-          </a:xfrm>
-          <a:prstGeom prst="rect">
-            <a:avLst/>
-          </a:prstGeom>
-          <a:noFill/>
-        </p:spPr>
-        <p:txBody>
-          <a:bodyPr wrap="none" rtlCol="0">
-            <a:spAutoFit/>
-          </a:bodyPr>
-          <a:lstStyle/>
-          <a:p>
             <a:pPr marL="342900" indent="-342900">
-              <a:lnSpc>
-                <a:spcPct val="200000"/>
-              </a:lnSpc>
-              <a:buFont typeface="Arial" panose="020B0604020202020204" pitchFamily="34" charset="0"/>
-              <a:buChar char="•"/>
+              <a:buFont typeface="+mj-lt"/>
+              <a:buAutoNum type="arabicPeriod" startAt="3"/>
             </a:pPr>
             <a:r>
-              <a:rPr lang="en-GB" sz="2000" dirty="0">
-                <a:latin typeface="Roboto" panose="02000000000000000000" pitchFamily="2" charset="0"/>
-                <a:ea typeface="Roboto" panose="02000000000000000000" pitchFamily="2" charset="0"/>
-              </a:rPr>
-              <a:t>Led by </a:t>
-            </a:r>
-            <a:r>
-              <a:rPr lang="en-GB" sz="2000" dirty="0" err="1">
-                <a:latin typeface="Roboto" panose="02000000000000000000" pitchFamily="2" charset="0"/>
-                <a:ea typeface="Roboto" panose="02000000000000000000" pitchFamily="2" charset="0"/>
-              </a:rPr>
-              <a:t>Dr.</a:t>
-            </a:r>
-            <a:r>
-              <a:rPr lang="en-GB" sz="2000" dirty="0">
-                <a:latin typeface="Roboto" panose="02000000000000000000" pitchFamily="2" charset="0"/>
-                <a:ea typeface="Roboto" panose="02000000000000000000" pitchFamily="2" charset="0"/>
-              </a:rPr>
-              <a:t> Robert Treharne + Demonstrator Team</a:t>
-            </a:r>
-          </a:p>
-          <a:p>
-            <a:pPr marL="342900" indent="-342900">
-              <a:lnSpc>
-                <a:spcPct val="200000"/>
-              </a:lnSpc>
-              <a:buFont typeface="Arial" panose="020B0604020202020204" pitchFamily="34" charset="0"/>
-              <a:buChar char="•"/>
+              <a:rPr lang="en-GB" b="1" dirty="0"/>
+              <a:t>Calibration Curves and Linear Regression in Excel</a:t>
+            </a:r>
+          </a:p>
+          <a:p>
+            <a:pPr lvl="1"/>
+            <a:r>
+              <a:rPr lang="en-GB" dirty="0"/>
+              <a:t>3.2.2 Performing a Linear Regression in Excel</a:t>
+            </a:r>
+          </a:p>
+          <a:p>
+            <a:pPr marL="800100" lvl="1" indent="-342900">
+              <a:buAutoNum type="arabicPeriod"/>
             </a:pPr>
-            <a:r>
-              <a:rPr lang="en-GB" sz="2000" dirty="0">
-                <a:latin typeface="Roboto" panose="02000000000000000000" pitchFamily="2" charset="0"/>
-                <a:ea typeface="Roboto" panose="02000000000000000000" pitchFamily="2" charset="0"/>
-              </a:rPr>
-              <a:t>Part of your </a:t>
-            </a:r>
-            <a:r>
-              <a:rPr lang="en-GB" sz="2000" b="1" dirty="0">
-                <a:latin typeface="Roboto" panose="02000000000000000000" pitchFamily="2" charset="0"/>
-                <a:ea typeface="Roboto" panose="02000000000000000000" pitchFamily="2" charset="0"/>
-              </a:rPr>
-              <a:t>BIOS103</a:t>
-            </a:r>
-            <a:r>
-              <a:rPr lang="en-GB" sz="2000" dirty="0">
-                <a:latin typeface="Roboto" panose="02000000000000000000" pitchFamily="2" charset="0"/>
-                <a:ea typeface="Roboto" panose="02000000000000000000" pitchFamily="2" charset="0"/>
-              </a:rPr>
-              <a:t> Introductory Practical Skills Module</a:t>
-            </a:r>
-          </a:p>
-          <a:p>
-            <a:pPr marL="342900" indent="-342900">
-              <a:lnSpc>
-                <a:spcPct val="200000"/>
-              </a:lnSpc>
-              <a:buFont typeface="Arial" panose="020B0604020202020204" pitchFamily="34" charset="0"/>
-              <a:buChar char="•"/>
-            </a:pPr>
-            <a:r>
-              <a:rPr lang="en-GB" sz="2000" dirty="0">
-                <a:latin typeface="Roboto" panose="02000000000000000000" pitchFamily="2" charset="0"/>
-                <a:ea typeface="Roboto" panose="02000000000000000000" pitchFamily="2" charset="0"/>
-              </a:rPr>
-              <a:t>Online workshops via Teams. </a:t>
-            </a:r>
-            <a:r>
-              <a:rPr lang="en-GB" sz="2000" b="1" dirty="0">
-                <a:latin typeface="Roboto" panose="02000000000000000000" pitchFamily="2" charset="0"/>
-                <a:ea typeface="Roboto" panose="02000000000000000000" pitchFamily="2" charset="0"/>
-              </a:rPr>
-              <a:t>Thursday’s 9 – 11</a:t>
-            </a:r>
-            <a:r>
-              <a:rPr lang="en-GB" sz="2000" dirty="0">
-                <a:latin typeface="Roboto" panose="02000000000000000000" pitchFamily="2" charset="0"/>
-                <a:ea typeface="Roboto" panose="02000000000000000000" pitchFamily="2" charset="0"/>
-              </a:rPr>
-              <a:t>. Semester 1.</a:t>
-            </a:r>
-          </a:p>
-          <a:p>
-            <a:pPr marL="342900" indent="-342900">
-              <a:lnSpc>
-                <a:spcPct val="200000"/>
-              </a:lnSpc>
-              <a:buFont typeface="Arial" panose="020B0604020202020204" pitchFamily="34" charset="0"/>
-              <a:buChar char="•"/>
-            </a:pPr>
-            <a:r>
-              <a:rPr lang="en-GB" sz="2000" dirty="0">
-                <a:latin typeface="Roboto" panose="02000000000000000000" pitchFamily="2" charset="0"/>
-                <a:ea typeface="Roboto" panose="02000000000000000000" pitchFamily="2" charset="0"/>
-              </a:rPr>
-              <a:t>Optional attendance in person: </a:t>
-            </a:r>
-            <a:r>
-              <a:rPr lang="en-GB" sz="2000" b="1" dirty="0">
-                <a:latin typeface="Roboto" panose="02000000000000000000" pitchFamily="2" charset="0"/>
-                <a:ea typeface="Roboto" panose="02000000000000000000" pitchFamily="2" charset="0"/>
-              </a:rPr>
-              <a:t>Rendell PC Teaching Centre</a:t>
-            </a:r>
-            <a:r>
-              <a:rPr lang="en-GB" sz="2000" dirty="0">
-                <a:latin typeface="Roboto" panose="02000000000000000000" pitchFamily="2" charset="0"/>
-                <a:ea typeface="Roboto" panose="02000000000000000000" pitchFamily="2" charset="0"/>
-              </a:rPr>
-              <a:t>.</a:t>
-            </a:r>
-          </a:p>
-          <a:p>
-            <a:pPr>
-              <a:lnSpc>
-                <a:spcPct val="200000"/>
-              </a:lnSpc>
-            </a:pPr>
-            <a:endParaRPr lang="en-GB" sz="2000" dirty="0">
-              <a:latin typeface="Roboto" panose="02000000000000000000" pitchFamily="2" charset="0"/>
-              <a:ea typeface="Roboto" panose="02000000000000000000" pitchFamily="2" charset="0"/>
-            </a:endParaRPr>
-          </a:p>
-          <a:p>
-            <a:pPr marL="342900" indent="-342900">
-              <a:lnSpc>
-                <a:spcPct val="200000"/>
-              </a:lnSpc>
-              <a:buFont typeface="Arial" panose="020B0604020202020204" pitchFamily="34" charset="0"/>
-              <a:buChar char="•"/>
-            </a:pPr>
-            <a:endParaRPr lang="en-GB" sz="2000" dirty="0">
-              <a:latin typeface="Roboto" panose="02000000000000000000" pitchFamily="2" charset="0"/>
-              <a:ea typeface="Roboto" panose="02000000000000000000" pitchFamily="2" charset="0"/>
-            </a:endParaRPr>
-          </a:p>
-          <a:p>
-            <a:pPr>
-              <a:lnSpc>
-                <a:spcPct val="200000"/>
-              </a:lnSpc>
-            </a:pPr>
-            <a:endParaRPr lang="en-GB" sz="2000" dirty="0">
-              <a:latin typeface="Roboto" panose="02000000000000000000" pitchFamily="2" charset="0"/>
-              <a:ea typeface="Roboto" panose="02000000000000000000" pitchFamily="2" charset="0"/>
-            </a:endParaRPr>
+            <a:endParaRPr lang="en-GB" dirty="0"/>
           </a:p>
         </p:txBody>
       </p:sp>
     </p:spTree>
     <p:extLst>
       <p:ext uri="{BB962C8B-B14F-4D97-AF65-F5344CB8AC3E}">
-        <p14:creationId xmlns:p14="http://schemas.microsoft.com/office/powerpoint/2010/main" val="1885113794"/>
+        <p14:creationId xmlns:p14="http://schemas.microsoft.com/office/powerpoint/2010/main" val="2991943033"/>
       </p:ext>
     </p:extLst>
   </p:cSld>

--- a/pptx/Quantitative Skills for the Biosciences I.pptx
+++ b/pptx/Quantitative Skills for the Biosciences I.pptx
@@ -5,7 +5,7 @@
     <p:sldMasterId id="2147483648" r:id="rId1"/>
   </p:sldMasterIdLst>
   <p:notesMasterIdLst>
-    <p:notesMasterId r:id="rId13"/>
+    <p:notesMasterId r:id="rId15"/>
   </p:notesMasterIdLst>
   <p:sldIdLst>
     <p:sldId id="265" r:id="rId2"/>
@@ -17,8 +17,10 @@
     <p:sldId id="260" r:id="rId8"/>
     <p:sldId id="266" r:id="rId9"/>
     <p:sldId id="267" r:id="rId10"/>
-    <p:sldId id="261" r:id="rId11"/>
-    <p:sldId id="262" r:id="rId12"/>
+    <p:sldId id="268" r:id="rId11"/>
+    <p:sldId id="269" r:id="rId12"/>
+    <p:sldId id="261" r:id="rId13"/>
+    <p:sldId id="262" r:id="rId14"/>
   </p:sldIdLst>
   <p:sldSz cx="12192000" cy="6858000"/>
   <p:notesSz cx="6858000" cy="9144000"/>
@@ -207,7 +209,7 @@
           <a:p>
             <a:fld id="{E568910D-64C9-4DD4-83C5-A875B50009BA}" type="datetimeFigureOut">
               <a:rPr lang="en-GB" smtClean="0"/>
-              <a:t>23/09/2024</a:t>
+              <a:t>08/10/2024</a:t>
             </a:fld>
             <a:endParaRPr lang="en-GB"/>
           </a:p>
@@ -633,7 +635,7 @@
     </p:spTree>
     <p:extLst>
       <p:ext uri="{BB962C8B-B14F-4D97-AF65-F5344CB8AC3E}">
-        <p14:creationId xmlns:p14="http://schemas.microsoft.com/office/powerpoint/2010/main" val="1965393077"/>
+        <p14:creationId xmlns:p14="http://schemas.microsoft.com/office/powerpoint/2010/main" val="2716787891"/>
       </p:ext>
     </p:extLst>
   </p:cSld>
@@ -709,6 +711,174 @@
             <a:fld id="{606A802C-DFC7-4B77-84E8-4D9D65A0AEB6}" type="slidenum">
               <a:rPr lang="en-GB" smtClean="0"/>
               <a:t>11</a:t>
+            </a:fld>
+            <a:endParaRPr lang="en-GB"/>
+          </a:p>
+        </p:txBody>
+      </p:sp>
+    </p:spTree>
+    <p:extLst>
+      <p:ext uri="{BB962C8B-B14F-4D97-AF65-F5344CB8AC3E}">
+        <p14:creationId xmlns:p14="http://schemas.microsoft.com/office/powerpoint/2010/main" val="2375391536"/>
+      </p:ext>
+    </p:extLst>
+  </p:cSld>
+  <p:clrMapOvr>
+    <a:masterClrMapping/>
+  </p:clrMapOvr>
+</p:notes>
+</file>
+
+<file path=ppt/notesSlides/notesSlide12.xml><?xml version="1.0" encoding="utf-8"?>
+<p:notes xmlns:a="http://schemas.openxmlformats.org/drawingml/2006/main" xmlns:r="http://schemas.openxmlformats.org/officeDocument/2006/relationships" xmlns:p="http://schemas.openxmlformats.org/presentationml/2006/main">
+  <p:cSld>
+    <p:spTree>
+      <p:nvGrpSpPr>
+        <p:cNvPr id="1" name=""/>
+        <p:cNvGrpSpPr/>
+        <p:nvPr/>
+      </p:nvGrpSpPr>
+      <p:grpSpPr>
+        <a:xfrm>
+          <a:off x="0" y="0"/>
+          <a:ext cx="0" cy="0"/>
+          <a:chOff x="0" y="0"/>
+          <a:chExt cx="0" cy="0"/>
+        </a:xfrm>
+      </p:grpSpPr>
+      <p:sp>
+        <p:nvSpPr>
+          <p:cNvPr id="2" name="Slide Image Placeholder 1"/>
+          <p:cNvSpPr>
+            <a:spLocks noGrp="1" noRot="1" noChangeAspect="1"/>
+          </p:cNvSpPr>
+          <p:nvPr>
+            <p:ph type="sldImg"/>
+          </p:nvPr>
+        </p:nvSpPr>
+        <p:spPr/>
+      </p:sp>
+      <p:sp>
+        <p:nvSpPr>
+          <p:cNvPr id="3" name="Notes Placeholder 2"/>
+          <p:cNvSpPr>
+            <a:spLocks noGrp="1"/>
+          </p:cNvSpPr>
+          <p:nvPr>
+            <p:ph type="body" idx="1"/>
+          </p:nvPr>
+        </p:nvSpPr>
+        <p:spPr/>
+        <p:txBody>
+          <a:bodyPr/>
+          <a:lstStyle/>
+          <a:p>
+            <a:endParaRPr lang="en-GB" dirty="0"/>
+          </a:p>
+        </p:txBody>
+      </p:sp>
+      <p:sp>
+        <p:nvSpPr>
+          <p:cNvPr id="4" name="Slide Number Placeholder 3"/>
+          <p:cNvSpPr>
+            <a:spLocks noGrp="1"/>
+          </p:cNvSpPr>
+          <p:nvPr>
+            <p:ph type="sldNum" sz="quarter" idx="5"/>
+          </p:nvPr>
+        </p:nvSpPr>
+        <p:spPr/>
+        <p:txBody>
+          <a:bodyPr/>
+          <a:lstStyle/>
+          <a:p>
+            <a:fld id="{606A802C-DFC7-4B77-84E8-4D9D65A0AEB6}" type="slidenum">
+              <a:rPr lang="en-GB" smtClean="0"/>
+              <a:t>12</a:t>
+            </a:fld>
+            <a:endParaRPr lang="en-GB"/>
+          </a:p>
+        </p:txBody>
+      </p:sp>
+    </p:spTree>
+    <p:extLst>
+      <p:ext uri="{BB962C8B-B14F-4D97-AF65-F5344CB8AC3E}">
+        <p14:creationId xmlns:p14="http://schemas.microsoft.com/office/powerpoint/2010/main" val="1965393077"/>
+      </p:ext>
+    </p:extLst>
+  </p:cSld>
+  <p:clrMapOvr>
+    <a:masterClrMapping/>
+  </p:clrMapOvr>
+</p:notes>
+</file>
+
+<file path=ppt/notesSlides/notesSlide13.xml><?xml version="1.0" encoding="utf-8"?>
+<p:notes xmlns:a="http://schemas.openxmlformats.org/drawingml/2006/main" xmlns:r="http://schemas.openxmlformats.org/officeDocument/2006/relationships" xmlns:p="http://schemas.openxmlformats.org/presentationml/2006/main">
+  <p:cSld>
+    <p:spTree>
+      <p:nvGrpSpPr>
+        <p:cNvPr id="1" name=""/>
+        <p:cNvGrpSpPr/>
+        <p:nvPr/>
+      </p:nvGrpSpPr>
+      <p:grpSpPr>
+        <a:xfrm>
+          <a:off x="0" y="0"/>
+          <a:ext cx="0" cy="0"/>
+          <a:chOff x="0" y="0"/>
+          <a:chExt cx="0" cy="0"/>
+        </a:xfrm>
+      </p:grpSpPr>
+      <p:sp>
+        <p:nvSpPr>
+          <p:cNvPr id="2" name="Slide Image Placeholder 1"/>
+          <p:cNvSpPr>
+            <a:spLocks noGrp="1" noRot="1" noChangeAspect="1"/>
+          </p:cNvSpPr>
+          <p:nvPr>
+            <p:ph type="sldImg"/>
+          </p:nvPr>
+        </p:nvSpPr>
+        <p:spPr/>
+      </p:sp>
+      <p:sp>
+        <p:nvSpPr>
+          <p:cNvPr id="3" name="Notes Placeholder 2"/>
+          <p:cNvSpPr>
+            <a:spLocks noGrp="1"/>
+          </p:cNvSpPr>
+          <p:nvPr>
+            <p:ph type="body" idx="1"/>
+          </p:nvPr>
+        </p:nvSpPr>
+        <p:spPr/>
+        <p:txBody>
+          <a:bodyPr/>
+          <a:lstStyle/>
+          <a:p>
+            <a:endParaRPr lang="en-GB" dirty="0"/>
+          </a:p>
+        </p:txBody>
+      </p:sp>
+      <p:sp>
+        <p:nvSpPr>
+          <p:cNvPr id="4" name="Slide Number Placeholder 3"/>
+          <p:cNvSpPr>
+            <a:spLocks noGrp="1"/>
+          </p:cNvSpPr>
+          <p:nvPr>
+            <p:ph type="sldNum" sz="quarter" idx="5"/>
+          </p:nvPr>
+        </p:nvSpPr>
+        <p:spPr/>
+        <p:txBody>
+          <a:bodyPr/>
+          <a:lstStyle/>
+          <a:p>
+            <a:fld id="{606A802C-DFC7-4B77-84E8-4D9D65A0AEB6}" type="slidenum">
+              <a:rPr lang="en-GB" smtClean="0"/>
+              <a:t>13</a:t>
             </a:fld>
             <a:endParaRPr lang="en-GB"/>
           </a:p>
@@ -1548,7 +1718,7 @@
           <a:p>
             <a:fld id="{6AA4FF8C-76F8-4426-9A00-CA37271CFF96}" type="datetimeFigureOut">
               <a:rPr lang="en-GB" smtClean="0"/>
-              <a:t>23/09/2024</a:t>
+              <a:t>08/10/2024</a:t>
             </a:fld>
             <a:endParaRPr lang="en-GB"/>
           </a:p>
@@ -1748,7 +1918,7 @@
           <a:p>
             <a:fld id="{6AA4FF8C-76F8-4426-9A00-CA37271CFF96}" type="datetimeFigureOut">
               <a:rPr lang="en-GB" smtClean="0"/>
-              <a:t>23/09/2024</a:t>
+              <a:t>08/10/2024</a:t>
             </a:fld>
             <a:endParaRPr lang="en-GB"/>
           </a:p>
@@ -1958,7 +2128,7 @@
           <a:p>
             <a:fld id="{6AA4FF8C-76F8-4426-9A00-CA37271CFF96}" type="datetimeFigureOut">
               <a:rPr lang="en-GB" smtClean="0"/>
-              <a:t>23/09/2024</a:t>
+              <a:t>08/10/2024</a:t>
             </a:fld>
             <a:endParaRPr lang="en-GB"/>
           </a:p>
@@ -2158,7 +2328,7 @@
           <a:p>
             <a:fld id="{6AA4FF8C-76F8-4426-9A00-CA37271CFF96}" type="datetimeFigureOut">
               <a:rPr lang="en-GB" smtClean="0"/>
-              <a:t>23/09/2024</a:t>
+              <a:t>08/10/2024</a:t>
             </a:fld>
             <a:endParaRPr lang="en-GB"/>
           </a:p>
@@ -2434,7 +2604,7 @@
           <a:p>
             <a:fld id="{6AA4FF8C-76F8-4426-9A00-CA37271CFF96}" type="datetimeFigureOut">
               <a:rPr lang="en-GB" smtClean="0"/>
-              <a:t>23/09/2024</a:t>
+              <a:t>08/10/2024</a:t>
             </a:fld>
             <a:endParaRPr lang="en-GB"/>
           </a:p>
@@ -2702,7 +2872,7 @@
           <a:p>
             <a:fld id="{6AA4FF8C-76F8-4426-9A00-CA37271CFF96}" type="datetimeFigureOut">
               <a:rPr lang="en-GB" smtClean="0"/>
-              <a:t>23/09/2024</a:t>
+              <a:t>08/10/2024</a:t>
             </a:fld>
             <a:endParaRPr lang="en-GB"/>
           </a:p>
@@ -3117,7 +3287,7 @@
           <a:p>
             <a:fld id="{6AA4FF8C-76F8-4426-9A00-CA37271CFF96}" type="datetimeFigureOut">
               <a:rPr lang="en-GB" smtClean="0"/>
-              <a:t>23/09/2024</a:t>
+              <a:t>08/10/2024</a:t>
             </a:fld>
             <a:endParaRPr lang="en-GB"/>
           </a:p>
@@ -3259,7 +3429,7 @@
           <a:p>
             <a:fld id="{6AA4FF8C-76F8-4426-9A00-CA37271CFF96}" type="datetimeFigureOut">
               <a:rPr lang="en-GB" smtClean="0"/>
-              <a:t>23/09/2024</a:t>
+              <a:t>08/10/2024</a:t>
             </a:fld>
             <a:endParaRPr lang="en-GB"/>
           </a:p>
@@ -3372,7 +3542,7 @@
           <a:p>
             <a:fld id="{6AA4FF8C-76F8-4426-9A00-CA37271CFF96}" type="datetimeFigureOut">
               <a:rPr lang="en-GB" smtClean="0"/>
-              <a:t>23/09/2024</a:t>
+              <a:t>08/10/2024</a:t>
             </a:fld>
             <a:endParaRPr lang="en-GB"/>
           </a:p>
@@ -3685,7 +3855,7 @@
           <a:p>
             <a:fld id="{6AA4FF8C-76F8-4426-9A00-CA37271CFF96}" type="datetimeFigureOut">
               <a:rPr lang="en-GB" smtClean="0"/>
-              <a:t>23/09/2024</a:t>
+              <a:t>08/10/2024</a:t>
             </a:fld>
             <a:endParaRPr lang="en-GB"/>
           </a:p>
@@ -3974,7 +4144,7 @@
           <a:p>
             <a:fld id="{6AA4FF8C-76F8-4426-9A00-CA37271CFF96}" type="datetimeFigureOut">
               <a:rPr lang="en-GB" smtClean="0"/>
-              <a:t>23/09/2024</a:t>
+              <a:t>08/10/2024</a:t>
             </a:fld>
             <a:endParaRPr lang="en-GB"/>
           </a:p>
@@ -4217,7 +4387,7 @@
           <a:p>
             <a:fld id="{6AA4FF8C-76F8-4426-9A00-CA37271CFF96}" type="datetimeFigureOut">
               <a:rPr lang="en-GB" smtClean="0"/>
-              <a:t>23/09/2024</a:t>
+              <a:t>08/10/2024</a:t>
             </a:fld>
             <a:endParaRPr lang="en-GB"/>
           </a:p>
@@ -5037,6 +5207,558 @@
                 <a:latin typeface="Roboto" panose="02000000000000000000" pitchFamily="2" charset="0"/>
                 <a:ea typeface="Roboto" panose="02000000000000000000" pitchFamily="2" charset="0"/>
               </a:rPr>
+              <a:t>for the Biosciences I</a:t>
+            </a:r>
+            <a:endParaRPr lang="en-GB" sz="4000" dirty="0">
+              <a:solidFill>
+                <a:schemeClr val="tx1">
+                  <a:lumMod val="85000"/>
+                  <a:lumOff val="15000"/>
+                </a:schemeClr>
+              </a:solidFill>
+              <a:latin typeface="Roboto" panose="02000000000000000000" pitchFamily="2" charset="0"/>
+              <a:ea typeface="Roboto" panose="02000000000000000000" pitchFamily="2" charset="0"/>
+            </a:endParaRPr>
+          </a:p>
+        </p:txBody>
+      </p:sp>
+      <p:sp>
+        <p:nvSpPr>
+          <p:cNvPr id="5" name="TextBox 4">
+            <a:extLst>
+              <a:ext uri="{FF2B5EF4-FFF2-40B4-BE49-F238E27FC236}">
+                <a16:creationId xmlns:a16="http://schemas.microsoft.com/office/drawing/2014/main" id="{408DECAB-5077-CD0A-7745-B04B3F5466C5}"/>
+              </a:ext>
+            </a:extLst>
+          </p:cNvPr>
+          <p:cNvSpPr txBox="1"/>
+          <p:nvPr/>
+        </p:nvSpPr>
+        <p:spPr>
+          <a:xfrm>
+            <a:off x="780836" y="4674742"/>
+            <a:ext cx="3850734" cy="923330"/>
+          </a:xfrm>
+          <a:prstGeom prst="rect">
+            <a:avLst/>
+          </a:prstGeom>
+          <a:noFill/>
+        </p:spPr>
+        <p:txBody>
+          <a:bodyPr wrap="none" rtlCol="0">
+            <a:spAutoFit/>
+          </a:bodyPr>
+          <a:lstStyle/>
+          <a:p>
+            <a:pPr marL="342900" indent="-342900">
+              <a:buFont typeface="+mj-lt"/>
+              <a:buAutoNum type="arabicPeriod" startAt="4"/>
+            </a:pPr>
+            <a:r>
+              <a:rPr lang="en-GB" b="1" dirty="0"/>
+              <a:t>Introduction to R: Part I</a:t>
+            </a:r>
+          </a:p>
+          <a:p>
+            <a:pPr lvl="1"/>
+            <a:r>
+              <a:rPr lang="en-GB" dirty="0"/>
+              <a:t>4.1 Reading and Inspecting Data</a:t>
+            </a:r>
+          </a:p>
+          <a:p>
+            <a:pPr marL="800100" lvl="1" indent="-342900">
+              <a:buAutoNum type="arabicPeriod"/>
+            </a:pPr>
+            <a:endParaRPr lang="en-GB" dirty="0"/>
+          </a:p>
+        </p:txBody>
+      </p:sp>
+    </p:spTree>
+    <p:extLst>
+      <p:ext uri="{BB962C8B-B14F-4D97-AF65-F5344CB8AC3E}">
+        <p14:creationId xmlns:p14="http://schemas.microsoft.com/office/powerpoint/2010/main" val="2717403655"/>
+      </p:ext>
+    </p:extLst>
+  </p:cSld>
+  <p:clrMapOvr>
+    <a:masterClrMapping/>
+  </p:clrMapOvr>
+</p:sld>
+</file>
+
+<file path=ppt/slides/slide11.xml><?xml version="1.0" encoding="utf-8"?>
+<p:sld xmlns:a="http://schemas.openxmlformats.org/drawingml/2006/main" xmlns:r="http://schemas.openxmlformats.org/officeDocument/2006/relationships" xmlns:p="http://schemas.openxmlformats.org/presentationml/2006/main">
+  <p:cSld>
+    <p:spTree>
+      <p:nvGrpSpPr>
+        <p:cNvPr id="1" name=""/>
+        <p:cNvGrpSpPr/>
+        <p:nvPr/>
+      </p:nvGrpSpPr>
+      <p:grpSpPr>
+        <a:xfrm>
+          <a:off x="0" y="0"/>
+          <a:ext cx="0" cy="0"/>
+          <a:chOff x="0" y="0"/>
+          <a:chExt cx="0" cy="0"/>
+        </a:xfrm>
+      </p:grpSpPr>
+      <p:grpSp>
+        <p:nvGrpSpPr>
+          <p:cNvPr id="9" name="Group 8">
+            <a:extLst>
+              <a:ext uri="{FF2B5EF4-FFF2-40B4-BE49-F238E27FC236}">
+                <a16:creationId xmlns:a16="http://schemas.microsoft.com/office/drawing/2014/main" id="{77DB5CDF-12C9-369D-6411-E559D40492FA}"/>
+              </a:ext>
+            </a:extLst>
+          </p:cNvPr>
+          <p:cNvGrpSpPr/>
+          <p:nvPr/>
+        </p:nvGrpSpPr>
+        <p:grpSpPr>
+          <a:xfrm>
+            <a:off x="95250" y="0"/>
+            <a:ext cx="12096750" cy="6858000"/>
+            <a:chOff x="95250" y="0"/>
+            <a:chExt cx="12096750" cy="6858000"/>
+          </a:xfrm>
+        </p:grpSpPr>
+        <p:pic>
+          <p:nvPicPr>
+            <p:cNvPr id="7" name="Picture 6" descr="A black and white image of a city&#10;&#10;Description automatically generated">
+              <a:extLst>
+                <a:ext uri="{FF2B5EF4-FFF2-40B4-BE49-F238E27FC236}">
+                  <a16:creationId xmlns:a16="http://schemas.microsoft.com/office/drawing/2014/main" id="{6F3074F2-352F-43CF-AE6E-5ACC431A51FD}"/>
+                </a:ext>
+              </a:extLst>
+            </p:cNvPr>
+            <p:cNvPicPr>
+              <a:picLocks noChangeAspect="1"/>
+            </p:cNvPicPr>
+            <p:nvPr/>
+          </p:nvPicPr>
+          <p:blipFill>
+            <a:blip r:embed="rId3">
+              <a:extLst>
+                <a:ext uri="{28A0092B-C50C-407E-A947-70E740481C1C}">
+                  <a14:useLocalDpi xmlns:a14="http://schemas.microsoft.com/office/drawing/2010/main" val="0"/>
+                </a:ext>
+              </a:extLst>
+            </a:blip>
+            <a:stretch>
+              <a:fillRect/>
+            </a:stretch>
+          </p:blipFill>
+          <p:spPr>
+            <a:xfrm>
+              <a:off x="95250" y="0"/>
+              <a:ext cx="12001500" cy="6858000"/>
+            </a:xfrm>
+            <a:prstGeom prst="rect">
+              <a:avLst/>
+            </a:prstGeom>
+          </p:spPr>
+        </p:pic>
+        <p:sp>
+          <p:nvSpPr>
+            <p:cNvPr id="8" name="Rectangle 7">
+              <a:extLst>
+                <a:ext uri="{FF2B5EF4-FFF2-40B4-BE49-F238E27FC236}">
+                  <a16:creationId xmlns:a16="http://schemas.microsoft.com/office/drawing/2014/main" id="{CCD734EC-557E-F662-5781-FA8891F5EB16}"/>
+                </a:ext>
+              </a:extLst>
+            </p:cNvPr>
+            <p:cNvSpPr/>
+            <p:nvPr/>
+          </p:nvSpPr>
+          <p:spPr>
+            <a:xfrm>
+              <a:off x="297952" y="0"/>
+              <a:ext cx="11894048" cy="6858000"/>
+            </a:xfrm>
+            <a:prstGeom prst="rect">
+              <a:avLst/>
+            </a:prstGeom>
+            <a:gradFill flip="none" rotWithShape="1">
+              <a:gsLst>
+                <a:gs pos="20000">
+                  <a:schemeClr val="bg1"/>
+                </a:gs>
+                <a:gs pos="48000">
+                  <a:srgbClr val="FFFFFF">
+                    <a:alpha val="90000"/>
+                  </a:srgbClr>
+                </a:gs>
+                <a:gs pos="92000">
+                  <a:schemeClr val="bg1">
+                    <a:alpha val="0"/>
+                  </a:schemeClr>
+                </a:gs>
+              </a:gsLst>
+              <a:lin ang="0" scaled="1"/>
+              <a:tileRect/>
+            </a:gradFill>
+            <a:ln>
+              <a:noFill/>
+            </a:ln>
+          </p:spPr>
+          <p:style>
+            <a:lnRef idx="2">
+              <a:schemeClr val="accent1">
+                <a:shade val="15000"/>
+              </a:schemeClr>
+            </a:lnRef>
+            <a:fillRef idx="1">
+              <a:schemeClr val="accent1"/>
+            </a:fillRef>
+            <a:effectRef idx="0">
+              <a:schemeClr val="accent1"/>
+            </a:effectRef>
+            <a:fontRef idx="minor">
+              <a:schemeClr val="lt1"/>
+            </a:fontRef>
+          </p:style>
+          <p:txBody>
+            <a:bodyPr rtlCol="0" anchor="ctr"/>
+            <a:lstStyle/>
+            <a:p>
+              <a:pPr algn="ctr"/>
+              <a:endParaRPr lang="en-GB"/>
+            </a:p>
+          </p:txBody>
+        </p:sp>
+      </p:grpSp>
+      <p:sp>
+        <p:nvSpPr>
+          <p:cNvPr id="4" name="Title 1">
+            <a:extLst>
+              <a:ext uri="{FF2B5EF4-FFF2-40B4-BE49-F238E27FC236}">
+                <a16:creationId xmlns:a16="http://schemas.microsoft.com/office/drawing/2014/main" id="{96F8826D-2D91-AD9E-08AE-AA28F4E2C3FE}"/>
+              </a:ext>
+            </a:extLst>
+          </p:cNvPr>
+          <p:cNvSpPr>
+            <a:spLocks noGrp="1"/>
+          </p:cNvSpPr>
+          <p:nvPr>
+            <p:ph type="ctrTitle"/>
+          </p:nvPr>
+        </p:nvSpPr>
+        <p:spPr>
+          <a:xfrm>
+            <a:off x="657546" y="599609"/>
+            <a:ext cx="4479533" cy="3692028"/>
+          </a:xfrm>
+          <a:noFill/>
+        </p:spPr>
+        <p:txBody>
+          <a:bodyPr>
+            <a:normAutofit/>
+          </a:bodyPr>
+          <a:lstStyle/>
+          <a:p>
+            <a:pPr algn="l"/>
+            <a:r>
+              <a:rPr lang="en-GB" sz="4000" b="1" dirty="0">
+                <a:solidFill>
+                  <a:schemeClr val="tx1">
+                    <a:lumMod val="85000"/>
+                    <a:lumOff val="15000"/>
+                  </a:schemeClr>
+                </a:solidFill>
+                <a:latin typeface="Roboto" panose="02000000000000000000" pitchFamily="2" charset="0"/>
+                <a:ea typeface="Roboto" panose="02000000000000000000" pitchFamily="2" charset="0"/>
+              </a:rPr>
+              <a:t>Quantitative Skills </a:t>
+            </a:r>
+            <a:r>
+              <a:rPr lang="en-GB" sz="3200" dirty="0">
+                <a:solidFill>
+                  <a:schemeClr val="tx1">
+                    <a:lumMod val="85000"/>
+                    <a:lumOff val="15000"/>
+                  </a:schemeClr>
+                </a:solidFill>
+                <a:latin typeface="Roboto" panose="02000000000000000000" pitchFamily="2" charset="0"/>
+                <a:ea typeface="Roboto" panose="02000000000000000000" pitchFamily="2" charset="0"/>
+              </a:rPr>
+              <a:t>for the Biosciences I</a:t>
+            </a:r>
+            <a:endParaRPr lang="en-GB" sz="4000" dirty="0">
+              <a:solidFill>
+                <a:schemeClr val="tx1">
+                  <a:lumMod val="85000"/>
+                  <a:lumOff val="15000"/>
+                </a:schemeClr>
+              </a:solidFill>
+              <a:latin typeface="Roboto" panose="02000000000000000000" pitchFamily="2" charset="0"/>
+              <a:ea typeface="Roboto" panose="02000000000000000000" pitchFamily="2" charset="0"/>
+            </a:endParaRPr>
+          </a:p>
+        </p:txBody>
+      </p:sp>
+      <p:sp>
+        <p:nvSpPr>
+          <p:cNvPr id="5" name="TextBox 4">
+            <a:extLst>
+              <a:ext uri="{FF2B5EF4-FFF2-40B4-BE49-F238E27FC236}">
+                <a16:creationId xmlns:a16="http://schemas.microsoft.com/office/drawing/2014/main" id="{408DECAB-5077-CD0A-7745-B04B3F5466C5}"/>
+              </a:ext>
+            </a:extLst>
+          </p:cNvPr>
+          <p:cNvSpPr txBox="1"/>
+          <p:nvPr/>
+        </p:nvSpPr>
+        <p:spPr>
+          <a:xfrm>
+            <a:off x="780836" y="4674742"/>
+            <a:ext cx="3256020" cy="923330"/>
+          </a:xfrm>
+          <a:prstGeom prst="rect">
+            <a:avLst/>
+          </a:prstGeom>
+          <a:noFill/>
+        </p:spPr>
+        <p:txBody>
+          <a:bodyPr wrap="none" rtlCol="0">
+            <a:spAutoFit/>
+          </a:bodyPr>
+          <a:lstStyle/>
+          <a:p>
+            <a:pPr marL="342900" indent="-342900">
+              <a:buFont typeface="+mj-lt"/>
+              <a:buAutoNum type="arabicPeriod" startAt="4"/>
+            </a:pPr>
+            <a:r>
+              <a:rPr lang="en-GB" b="1" dirty="0"/>
+              <a:t>Introduction to R: Part I</a:t>
+            </a:r>
+          </a:p>
+          <a:p>
+            <a:pPr lvl="1"/>
+            <a:r>
+              <a:rPr lang="en-GB" dirty="0"/>
+              <a:t>4.3 Summarising Data in R</a:t>
+            </a:r>
+          </a:p>
+          <a:p>
+            <a:pPr marL="800100" lvl="1" indent="-342900">
+              <a:buAutoNum type="arabicPeriod"/>
+            </a:pPr>
+            <a:endParaRPr lang="en-GB" dirty="0"/>
+          </a:p>
+        </p:txBody>
+      </p:sp>
+    </p:spTree>
+    <p:extLst>
+      <p:ext uri="{BB962C8B-B14F-4D97-AF65-F5344CB8AC3E}">
+        <p14:creationId xmlns:p14="http://schemas.microsoft.com/office/powerpoint/2010/main" val="4177355774"/>
+      </p:ext>
+    </p:extLst>
+  </p:cSld>
+  <p:clrMapOvr>
+    <a:masterClrMapping/>
+  </p:clrMapOvr>
+</p:sld>
+</file>
+
+<file path=ppt/slides/slide12.xml><?xml version="1.0" encoding="utf-8"?>
+<p:sld xmlns:a="http://schemas.openxmlformats.org/drawingml/2006/main" xmlns:r="http://schemas.openxmlformats.org/officeDocument/2006/relationships" xmlns:p="http://schemas.openxmlformats.org/presentationml/2006/main">
+  <p:cSld>
+    <p:spTree>
+      <p:nvGrpSpPr>
+        <p:cNvPr id="1" name=""/>
+        <p:cNvGrpSpPr/>
+        <p:nvPr/>
+      </p:nvGrpSpPr>
+      <p:grpSpPr>
+        <a:xfrm>
+          <a:off x="0" y="0"/>
+          <a:ext cx="0" cy="0"/>
+          <a:chOff x="0" y="0"/>
+          <a:chExt cx="0" cy="0"/>
+        </a:xfrm>
+      </p:grpSpPr>
+      <p:grpSp>
+        <p:nvGrpSpPr>
+          <p:cNvPr id="9" name="Group 8">
+            <a:extLst>
+              <a:ext uri="{FF2B5EF4-FFF2-40B4-BE49-F238E27FC236}">
+                <a16:creationId xmlns:a16="http://schemas.microsoft.com/office/drawing/2014/main" id="{77DB5CDF-12C9-369D-6411-E559D40492FA}"/>
+              </a:ext>
+            </a:extLst>
+          </p:cNvPr>
+          <p:cNvGrpSpPr/>
+          <p:nvPr/>
+        </p:nvGrpSpPr>
+        <p:grpSpPr>
+          <a:xfrm>
+            <a:off x="95250" y="0"/>
+            <a:ext cx="12096750" cy="6858000"/>
+            <a:chOff x="95250" y="0"/>
+            <a:chExt cx="12096750" cy="6858000"/>
+          </a:xfrm>
+        </p:grpSpPr>
+        <p:pic>
+          <p:nvPicPr>
+            <p:cNvPr id="7" name="Picture 6" descr="A black and white image of a city&#10;&#10;Description automatically generated">
+              <a:extLst>
+                <a:ext uri="{FF2B5EF4-FFF2-40B4-BE49-F238E27FC236}">
+                  <a16:creationId xmlns:a16="http://schemas.microsoft.com/office/drawing/2014/main" id="{6F3074F2-352F-43CF-AE6E-5ACC431A51FD}"/>
+                </a:ext>
+              </a:extLst>
+            </p:cNvPr>
+            <p:cNvPicPr>
+              <a:picLocks noChangeAspect="1"/>
+            </p:cNvPicPr>
+            <p:nvPr/>
+          </p:nvPicPr>
+          <p:blipFill>
+            <a:blip r:embed="rId3">
+              <a:extLst>
+                <a:ext uri="{28A0092B-C50C-407E-A947-70E740481C1C}">
+                  <a14:useLocalDpi xmlns:a14="http://schemas.microsoft.com/office/drawing/2010/main" val="0"/>
+                </a:ext>
+              </a:extLst>
+            </a:blip>
+            <a:stretch>
+              <a:fillRect/>
+            </a:stretch>
+          </p:blipFill>
+          <p:spPr>
+            <a:xfrm>
+              <a:off x="95250" y="0"/>
+              <a:ext cx="12001500" cy="6858000"/>
+            </a:xfrm>
+            <a:prstGeom prst="rect">
+              <a:avLst/>
+            </a:prstGeom>
+          </p:spPr>
+        </p:pic>
+        <p:sp>
+          <p:nvSpPr>
+            <p:cNvPr id="8" name="Rectangle 7">
+              <a:extLst>
+                <a:ext uri="{FF2B5EF4-FFF2-40B4-BE49-F238E27FC236}">
+                  <a16:creationId xmlns:a16="http://schemas.microsoft.com/office/drawing/2014/main" id="{CCD734EC-557E-F662-5781-FA8891F5EB16}"/>
+                </a:ext>
+              </a:extLst>
+            </p:cNvPr>
+            <p:cNvSpPr/>
+            <p:nvPr/>
+          </p:nvSpPr>
+          <p:spPr>
+            <a:xfrm>
+              <a:off x="297952" y="0"/>
+              <a:ext cx="11894048" cy="6858000"/>
+            </a:xfrm>
+            <a:prstGeom prst="rect">
+              <a:avLst/>
+            </a:prstGeom>
+            <a:gradFill flip="none" rotWithShape="1">
+              <a:gsLst>
+                <a:gs pos="20000">
+                  <a:schemeClr val="bg1"/>
+                </a:gs>
+                <a:gs pos="48000">
+                  <a:srgbClr val="FFFFFF">
+                    <a:alpha val="90000"/>
+                  </a:srgbClr>
+                </a:gs>
+                <a:gs pos="92000">
+                  <a:schemeClr val="bg1">
+                    <a:alpha val="0"/>
+                  </a:schemeClr>
+                </a:gs>
+              </a:gsLst>
+              <a:lin ang="0" scaled="1"/>
+              <a:tileRect/>
+            </a:gradFill>
+            <a:ln>
+              <a:noFill/>
+            </a:ln>
+          </p:spPr>
+          <p:style>
+            <a:lnRef idx="2">
+              <a:schemeClr val="accent1">
+                <a:shade val="15000"/>
+              </a:schemeClr>
+            </a:lnRef>
+            <a:fillRef idx="1">
+              <a:schemeClr val="accent1"/>
+            </a:fillRef>
+            <a:effectRef idx="0">
+              <a:schemeClr val="accent1"/>
+            </a:effectRef>
+            <a:fontRef idx="minor">
+              <a:schemeClr val="lt1"/>
+            </a:fontRef>
+          </p:style>
+          <p:txBody>
+            <a:bodyPr rtlCol="0" anchor="ctr"/>
+            <a:lstStyle/>
+            <a:p>
+              <a:pPr algn="ctr"/>
+              <a:endParaRPr lang="en-GB"/>
+            </a:p>
+          </p:txBody>
+        </p:sp>
+      </p:grpSp>
+      <p:sp>
+        <p:nvSpPr>
+          <p:cNvPr id="4" name="Title 1">
+            <a:extLst>
+              <a:ext uri="{FF2B5EF4-FFF2-40B4-BE49-F238E27FC236}">
+                <a16:creationId xmlns:a16="http://schemas.microsoft.com/office/drawing/2014/main" id="{96F8826D-2D91-AD9E-08AE-AA28F4E2C3FE}"/>
+              </a:ext>
+            </a:extLst>
+          </p:cNvPr>
+          <p:cNvSpPr>
+            <a:spLocks noGrp="1"/>
+          </p:cNvSpPr>
+          <p:nvPr>
+            <p:ph type="ctrTitle"/>
+          </p:nvPr>
+        </p:nvSpPr>
+        <p:spPr>
+          <a:xfrm>
+            <a:off x="657546" y="599609"/>
+            <a:ext cx="4479533" cy="3692028"/>
+          </a:xfrm>
+          <a:noFill/>
+        </p:spPr>
+        <p:txBody>
+          <a:bodyPr>
+            <a:normAutofit/>
+          </a:bodyPr>
+          <a:lstStyle/>
+          <a:p>
+            <a:pPr algn="l"/>
+            <a:r>
+              <a:rPr lang="en-GB" sz="4000" b="1" dirty="0">
+                <a:solidFill>
+                  <a:schemeClr val="tx1">
+                    <a:lumMod val="85000"/>
+                    <a:lumOff val="15000"/>
+                  </a:schemeClr>
+                </a:solidFill>
+                <a:latin typeface="Roboto" panose="02000000000000000000" pitchFamily="2" charset="0"/>
+                <a:ea typeface="Roboto" panose="02000000000000000000" pitchFamily="2" charset="0"/>
+              </a:rPr>
+              <a:t>Quantitative Skills </a:t>
+            </a:r>
+            <a:r>
+              <a:rPr lang="en-GB" sz="3200" dirty="0">
+                <a:solidFill>
+                  <a:schemeClr val="tx1">
+                    <a:lumMod val="85000"/>
+                    <a:lumOff val="15000"/>
+                  </a:schemeClr>
+                </a:solidFill>
+                <a:latin typeface="Roboto" panose="02000000000000000000" pitchFamily="2" charset="0"/>
+                <a:ea typeface="Roboto" panose="02000000000000000000" pitchFamily="2" charset="0"/>
+              </a:rPr>
               <a:t>for the Biosciences</a:t>
             </a:r>
             <a:endParaRPr lang="en-GB" sz="4000" dirty="0">
@@ -5104,7 +5826,7 @@
 </p:sld>
 </file>
 
-<file path=ppt/slides/slide11.xml><?xml version="1.0" encoding="utf-8"?>
+<file path=ppt/slides/slide13.xml><?xml version="1.0" encoding="utf-8"?>
 <p:sld xmlns:a="http://schemas.openxmlformats.org/drawingml/2006/main" xmlns:r="http://schemas.openxmlformats.org/officeDocument/2006/relationships" xmlns:p="http://schemas.openxmlformats.org/presentationml/2006/main">
   <p:cSld>
     <p:spTree>

--- a/pptx/Quantitative Skills for the Biosciences I.pptx
+++ b/pptx/Quantitative Skills for the Biosciences I.pptx
@@ -5,7 +5,7 @@
     <p:sldMasterId id="2147483648" r:id="rId1"/>
   </p:sldMasterIdLst>
   <p:notesMasterIdLst>
-    <p:notesMasterId r:id="rId15"/>
+    <p:notesMasterId r:id="rId16"/>
   </p:notesMasterIdLst>
   <p:sldIdLst>
     <p:sldId id="265" r:id="rId2"/>
@@ -19,8 +19,9 @@
     <p:sldId id="267" r:id="rId10"/>
     <p:sldId id="268" r:id="rId11"/>
     <p:sldId id="269" r:id="rId12"/>
-    <p:sldId id="261" r:id="rId13"/>
-    <p:sldId id="262" r:id="rId14"/>
+    <p:sldId id="270" r:id="rId13"/>
+    <p:sldId id="261" r:id="rId14"/>
+    <p:sldId id="262" r:id="rId15"/>
   </p:sldIdLst>
   <p:sldSz cx="12192000" cy="6858000"/>
   <p:notesSz cx="6858000" cy="9144000"/>
@@ -209,7 +210,7 @@
           <a:p>
             <a:fld id="{E568910D-64C9-4DD4-83C5-A875B50009BA}" type="datetimeFigureOut">
               <a:rPr lang="en-GB" smtClean="0"/>
-              <a:t>08/10/2024</a:t>
+              <a:t>14/10/2024</a:t>
             </a:fld>
             <a:endParaRPr lang="en-GB"/>
           </a:p>
@@ -803,7 +804,7 @@
     </p:spTree>
     <p:extLst>
       <p:ext uri="{BB962C8B-B14F-4D97-AF65-F5344CB8AC3E}">
-        <p14:creationId xmlns:p14="http://schemas.microsoft.com/office/powerpoint/2010/main" val="1965393077"/>
+        <p14:creationId xmlns:p14="http://schemas.microsoft.com/office/powerpoint/2010/main" val="4274259178"/>
       </p:ext>
     </p:extLst>
   </p:cSld>
@@ -879,6 +880,90 @@
             <a:fld id="{606A802C-DFC7-4B77-84E8-4D9D65A0AEB6}" type="slidenum">
               <a:rPr lang="en-GB" smtClean="0"/>
               <a:t>13</a:t>
+            </a:fld>
+            <a:endParaRPr lang="en-GB"/>
+          </a:p>
+        </p:txBody>
+      </p:sp>
+    </p:spTree>
+    <p:extLst>
+      <p:ext uri="{BB962C8B-B14F-4D97-AF65-F5344CB8AC3E}">
+        <p14:creationId xmlns:p14="http://schemas.microsoft.com/office/powerpoint/2010/main" val="1965393077"/>
+      </p:ext>
+    </p:extLst>
+  </p:cSld>
+  <p:clrMapOvr>
+    <a:masterClrMapping/>
+  </p:clrMapOvr>
+</p:notes>
+</file>
+
+<file path=ppt/notesSlides/notesSlide14.xml><?xml version="1.0" encoding="utf-8"?>
+<p:notes xmlns:a="http://schemas.openxmlformats.org/drawingml/2006/main" xmlns:r="http://schemas.openxmlformats.org/officeDocument/2006/relationships" xmlns:p="http://schemas.openxmlformats.org/presentationml/2006/main">
+  <p:cSld>
+    <p:spTree>
+      <p:nvGrpSpPr>
+        <p:cNvPr id="1" name=""/>
+        <p:cNvGrpSpPr/>
+        <p:nvPr/>
+      </p:nvGrpSpPr>
+      <p:grpSpPr>
+        <a:xfrm>
+          <a:off x="0" y="0"/>
+          <a:ext cx="0" cy="0"/>
+          <a:chOff x="0" y="0"/>
+          <a:chExt cx="0" cy="0"/>
+        </a:xfrm>
+      </p:grpSpPr>
+      <p:sp>
+        <p:nvSpPr>
+          <p:cNvPr id="2" name="Slide Image Placeholder 1"/>
+          <p:cNvSpPr>
+            <a:spLocks noGrp="1" noRot="1" noChangeAspect="1"/>
+          </p:cNvSpPr>
+          <p:nvPr>
+            <p:ph type="sldImg"/>
+          </p:nvPr>
+        </p:nvSpPr>
+        <p:spPr/>
+      </p:sp>
+      <p:sp>
+        <p:nvSpPr>
+          <p:cNvPr id="3" name="Notes Placeholder 2"/>
+          <p:cNvSpPr>
+            <a:spLocks noGrp="1"/>
+          </p:cNvSpPr>
+          <p:nvPr>
+            <p:ph type="body" idx="1"/>
+          </p:nvPr>
+        </p:nvSpPr>
+        <p:spPr/>
+        <p:txBody>
+          <a:bodyPr/>
+          <a:lstStyle/>
+          <a:p>
+            <a:endParaRPr lang="en-GB" dirty="0"/>
+          </a:p>
+        </p:txBody>
+      </p:sp>
+      <p:sp>
+        <p:nvSpPr>
+          <p:cNvPr id="4" name="Slide Number Placeholder 3"/>
+          <p:cNvSpPr>
+            <a:spLocks noGrp="1"/>
+          </p:cNvSpPr>
+          <p:nvPr>
+            <p:ph type="sldNum" sz="quarter" idx="5"/>
+          </p:nvPr>
+        </p:nvSpPr>
+        <p:spPr/>
+        <p:txBody>
+          <a:bodyPr/>
+          <a:lstStyle/>
+          <a:p>
+            <a:fld id="{606A802C-DFC7-4B77-84E8-4D9D65A0AEB6}" type="slidenum">
+              <a:rPr lang="en-GB" smtClean="0"/>
+              <a:t>14</a:t>
             </a:fld>
             <a:endParaRPr lang="en-GB"/>
           </a:p>
@@ -1718,7 +1803,7 @@
           <a:p>
             <a:fld id="{6AA4FF8C-76F8-4426-9A00-CA37271CFF96}" type="datetimeFigureOut">
               <a:rPr lang="en-GB" smtClean="0"/>
-              <a:t>08/10/2024</a:t>
+              <a:t>14/10/2024</a:t>
             </a:fld>
             <a:endParaRPr lang="en-GB"/>
           </a:p>
@@ -1918,7 +2003,7 @@
           <a:p>
             <a:fld id="{6AA4FF8C-76F8-4426-9A00-CA37271CFF96}" type="datetimeFigureOut">
               <a:rPr lang="en-GB" smtClean="0"/>
-              <a:t>08/10/2024</a:t>
+              <a:t>14/10/2024</a:t>
             </a:fld>
             <a:endParaRPr lang="en-GB"/>
           </a:p>
@@ -2128,7 +2213,7 @@
           <a:p>
             <a:fld id="{6AA4FF8C-76F8-4426-9A00-CA37271CFF96}" type="datetimeFigureOut">
               <a:rPr lang="en-GB" smtClean="0"/>
-              <a:t>08/10/2024</a:t>
+              <a:t>14/10/2024</a:t>
             </a:fld>
             <a:endParaRPr lang="en-GB"/>
           </a:p>
@@ -2328,7 +2413,7 @@
           <a:p>
             <a:fld id="{6AA4FF8C-76F8-4426-9A00-CA37271CFF96}" type="datetimeFigureOut">
               <a:rPr lang="en-GB" smtClean="0"/>
-              <a:t>08/10/2024</a:t>
+              <a:t>14/10/2024</a:t>
             </a:fld>
             <a:endParaRPr lang="en-GB"/>
           </a:p>
@@ -2604,7 +2689,7 @@
           <a:p>
             <a:fld id="{6AA4FF8C-76F8-4426-9A00-CA37271CFF96}" type="datetimeFigureOut">
               <a:rPr lang="en-GB" smtClean="0"/>
-              <a:t>08/10/2024</a:t>
+              <a:t>14/10/2024</a:t>
             </a:fld>
             <a:endParaRPr lang="en-GB"/>
           </a:p>
@@ -2872,7 +2957,7 @@
           <a:p>
             <a:fld id="{6AA4FF8C-76F8-4426-9A00-CA37271CFF96}" type="datetimeFigureOut">
               <a:rPr lang="en-GB" smtClean="0"/>
-              <a:t>08/10/2024</a:t>
+              <a:t>14/10/2024</a:t>
             </a:fld>
             <a:endParaRPr lang="en-GB"/>
           </a:p>
@@ -3287,7 +3372,7 @@
           <a:p>
             <a:fld id="{6AA4FF8C-76F8-4426-9A00-CA37271CFF96}" type="datetimeFigureOut">
               <a:rPr lang="en-GB" smtClean="0"/>
-              <a:t>08/10/2024</a:t>
+              <a:t>14/10/2024</a:t>
             </a:fld>
             <a:endParaRPr lang="en-GB"/>
           </a:p>
@@ -3429,7 +3514,7 @@
           <a:p>
             <a:fld id="{6AA4FF8C-76F8-4426-9A00-CA37271CFF96}" type="datetimeFigureOut">
               <a:rPr lang="en-GB" smtClean="0"/>
-              <a:t>08/10/2024</a:t>
+              <a:t>14/10/2024</a:t>
             </a:fld>
             <a:endParaRPr lang="en-GB"/>
           </a:p>
@@ -3542,7 +3627,7 @@
           <a:p>
             <a:fld id="{6AA4FF8C-76F8-4426-9A00-CA37271CFF96}" type="datetimeFigureOut">
               <a:rPr lang="en-GB" smtClean="0"/>
-              <a:t>08/10/2024</a:t>
+              <a:t>14/10/2024</a:t>
             </a:fld>
             <a:endParaRPr lang="en-GB"/>
           </a:p>
@@ -3855,7 +3940,7 @@
           <a:p>
             <a:fld id="{6AA4FF8C-76F8-4426-9A00-CA37271CFF96}" type="datetimeFigureOut">
               <a:rPr lang="en-GB" smtClean="0"/>
-              <a:t>08/10/2024</a:t>
+              <a:t>14/10/2024</a:t>
             </a:fld>
             <a:endParaRPr lang="en-GB"/>
           </a:p>
@@ -4144,7 +4229,7 @@
           <a:p>
             <a:fld id="{6AA4FF8C-76F8-4426-9A00-CA37271CFF96}" type="datetimeFigureOut">
               <a:rPr lang="en-GB" smtClean="0"/>
-              <a:t>08/10/2024</a:t>
+              <a:t>14/10/2024</a:t>
             </a:fld>
             <a:endParaRPr lang="en-GB"/>
           </a:p>
@@ -4387,7 +4472,7 @@
           <a:p>
             <a:fld id="{6AA4FF8C-76F8-4426-9A00-CA37271CFF96}" type="datetimeFigureOut">
               <a:rPr lang="en-GB" smtClean="0"/>
-              <a:t>08/10/2024</a:t>
+              <a:t>14/10/2024</a:t>
             </a:fld>
             <a:endParaRPr lang="en-GB"/>
           </a:p>
@@ -5759,6 +5844,282 @@
                 <a:latin typeface="Roboto" panose="02000000000000000000" pitchFamily="2" charset="0"/>
                 <a:ea typeface="Roboto" panose="02000000000000000000" pitchFamily="2" charset="0"/>
               </a:rPr>
+              <a:t>for the Biosciences I</a:t>
+            </a:r>
+            <a:endParaRPr lang="en-GB" sz="4000" dirty="0">
+              <a:solidFill>
+                <a:schemeClr val="tx1">
+                  <a:lumMod val="85000"/>
+                  <a:lumOff val="15000"/>
+                </a:schemeClr>
+              </a:solidFill>
+              <a:latin typeface="Roboto" panose="02000000000000000000" pitchFamily="2" charset="0"/>
+              <a:ea typeface="Roboto" panose="02000000000000000000" pitchFamily="2" charset="0"/>
+            </a:endParaRPr>
+          </a:p>
+        </p:txBody>
+      </p:sp>
+      <p:sp>
+        <p:nvSpPr>
+          <p:cNvPr id="5" name="TextBox 4">
+            <a:extLst>
+              <a:ext uri="{FF2B5EF4-FFF2-40B4-BE49-F238E27FC236}">
+                <a16:creationId xmlns:a16="http://schemas.microsoft.com/office/drawing/2014/main" id="{408DECAB-5077-CD0A-7745-B04B3F5466C5}"/>
+              </a:ext>
+            </a:extLst>
+          </p:cNvPr>
+          <p:cNvSpPr txBox="1"/>
+          <p:nvPr/>
+        </p:nvSpPr>
+        <p:spPr>
+          <a:xfrm>
+            <a:off x="780836" y="4674742"/>
+            <a:ext cx="3831498" cy="923330"/>
+          </a:xfrm>
+          <a:prstGeom prst="rect">
+            <a:avLst/>
+          </a:prstGeom>
+          <a:noFill/>
+        </p:spPr>
+        <p:txBody>
+          <a:bodyPr wrap="none" rtlCol="0">
+            <a:spAutoFit/>
+          </a:bodyPr>
+          <a:lstStyle/>
+          <a:p>
+            <a:pPr marL="342900" indent="-342900">
+              <a:buFont typeface="+mj-lt"/>
+              <a:buAutoNum type="arabicPeriod" startAt="5"/>
+            </a:pPr>
+            <a:r>
+              <a:rPr lang="en-GB" b="1" dirty="0"/>
+              <a:t>Introduction to R: Part II</a:t>
+            </a:r>
+          </a:p>
+          <a:p>
+            <a:pPr lvl="1"/>
+            <a:r>
+              <a:rPr lang="en-GB" dirty="0"/>
+              <a:t>5.2 Inspecting and Summarising</a:t>
+            </a:r>
+          </a:p>
+          <a:p>
+            <a:pPr marL="800100" lvl="1" indent="-342900">
+              <a:buAutoNum type="arabicPeriod"/>
+            </a:pPr>
+            <a:endParaRPr lang="en-GB" dirty="0"/>
+          </a:p>
+        </p:txBody>
+      </p:sp>
+    </p:spTree>
+    <p:extLst>
+      <p:ext uri="{BB962C8B-B14F-4D97-AF65-F5344CB8AC3E}">
+        <p14:creationId xmlns:p14="http://schemas.microsoft.com/office/powerpoint/2010/main" val="3091634796"/>
+      </p:ext>
+    </p:extLst>
+  </p:cSld>
+  <p:clrMapOvr>
+    <a:masterClrMapping/>
+  </p:clrMapOvr>
+</p:sld>
+</file>
+
+<file path=ppt/slides/slide13.xml><?xml version="1.0" encoding="utf-8"?>
+<p:sld xmlns:a="http://schemas.openxmlformats.org/drawingml/2006/main" xmlns:r="http://schemas.openxmlformats.org/officeDocument/2006/relationships" xmlns:p="http://schemas.openxmlformats.org/presentationml/2006/main">
+  <p:cSld>
+    <p:spTree>
+      <p:nvGrpSpPr>
+        <p:cNvPr id="1" name=""/>
+        <p:cNvGrpSpPr/>
+        <p:nvPr/>
+      </p:nvGrpSpPr>
+      <p:grpSpPr>
+        <a:xfrm>
+          <a:off x="0" y="0"/>
+          <a:ext cx="0" cy="0"/>
+          <a:chOff x="0" y="0"/>
+          <a:chExt cx="0" cy="0"/>
+        </a:xfrm>
+      </p:grpSpPr>
+      <p:grpSp>
+        <p:nvGrpSpPr>
+          <p:cNvPr id="9" name="Group 8">
+            <a:extLst>
+              <a:ext uri="{FF2B5EF4-FFF2-40B4-BE49-F238E27FC236}">
+                <a16:creationId xmlns:a16="http://schemas.microsoft.com/office/drawing/2014/main" id="{77DB5CDF-12C9-369D-6411-E559D40492FA}"/>
+              </a:ext>
+            </a:extLst>
+          </p:cNvPr>
+          <p:cNvGrpSpPr/>
+          <p:nvPr/>
+        </p:nvGrpSpPr>
+        <p:grpSpPr>
+          <a:xfrm>
+            <a:off x="95250" y="0"/>
+            <a:ext cx="12096750" cy="6858000"/>
+            <a:chOff x="95250" y="0"/>
+            <a:chExt cx="12096750" cy="6858000"/>
+          </a:xfrm>
+        </p:grpSpPr>
+        <p:pic>
+          <p:nvPicPr>
+            <p:cNvPr id="7" name="Picture 6" descr="A black and white image of a city&#10;&#10;Description automatically generated">
+              <a:extLst>
+                <a:ext uri="{FF2B5EF4-FFF2-40B4-BE49-F238E27FC236}">
+                  <a16:creationId xmlns:a16="http://schemas.microsoft.com/office/drawing/2014/main" id="{6F3074F2-352F-43CF-AE6E-5ACC431A51FD}"/>
+                </a:ext>
+              </a:extLst>
+            </p:cNvPr>
+            <p:cNvPicPr>
+              <a:picLocks noChangeAspect="1"/>
+            </p:cNvPicPr>
+            <p:nvPr/>
+          </p:nvPicPr>
+          <p:blipFill>
+            <a:blip r:embed="rId3">
+              <a:extLst>
+                <a:ext uri="{28A0092B-C50C-407E-A947-70E740481C1C}">
+                  <a14:useLocalDpi xmlns:a14="http://schemas.microsoft.com/office/drawing/2010/main" val="0"/>
+                </a:ext>
+              </a:extLst>
+            </a:blip>
+            <a:stretch>
+              <a:fillRect/>
+            </a:stretch>
+          </p:blipFill>
+          <p:spPr>
+            <a:xfrm>
+              <a:off x="95250" y="0"/>
+              <a:ext cx="12001500" cy="6858000"/>
+            </a:xfrm>
+            <a:prstGeom prst="rect">
+              <a:avLst/>
+            </a:prstGeom>
+          </p:spPr>
+        </p:pic>
+        <p:sp>
+          <p:nvSpPr>
+            <p:cNvPr id="8" name="Rectangle 7">
+              <a:extLst>
+                <a:ext uri="{FF2B5EF4-FFF2-40B4-BE49-F238E27FC236}">
+                  <a16:creationId xmlns:a16="http://schemas.microsoft.com/office/drawing/2014/main" id="{CCD734EC-557E-F662-5781-FA8891F5EB16}"/>
+                </a:ext>
+              </a:extLst>
+            </p:cNvPr>
+            <p:cNvSpPr/>
+            <p:nvPr/>
+          </p:nvSpPr>
+          <p:spPr>
+            <a:xfrm>
+              <a:off x="297952" y="0"/>
+              <a:ext cx="11894048" cy="6858000"/>
+            </a:xfrm>
+            <a:prstGeom prst="rect">
+              <a:avLst/>
+            </a:prstGeom>
+            <a:gradFill flip="none" rotWithShape="1">
+              <a:gsLst>
+                <a:gs pos="20000">
+                  <a:schemeClr val="bg1"/>
+                </a:gs>
+                <a:gs pos="48000">
+                  <a:srgbClr val="FFFFFF">
+                    <a:alpha val="90000"/>
+                  </a:srgbClr>
+                </a:gs>
+                <a:gs pos="92000">
+                  <a:schemeClr val="bg1">
+                    <a:alpha val="0"/>
+                  </a:schemeClr>
+                </a:gs>
+              </a:gsLst>
+              <a:lin ang="0" scaled="1"/>
+              <a:tileRect/>
+            </a:gradFill>
+            <a:ln>
+              <a:noFill/>
+            </a:ln>
+          </p:spPr>
+          <p:style>
+            <a:lnRef idx="2">
+              <a:schemeClr val="accent1">
+                <a:shade val="15000"/>
+              </a:schemeClr>
+            </a:lnRef>
+            <a:fillRef idx="1">
+              <a:schemeClr val="accent1"/>
+            </a:fillRef>
+            <a:effectRef idx="0">
+              <a:schemeClr val="accent1"/>
+            </a:effectRef>
+            <a:fontRef idx="minor">
+              <a:schemeClr val="lt1"/>
+            </a:fontRef>
+          </p:style>
+          <p:txBody>
+            <a:bodyPr rtlCol="0" anchor="ctr"/>
+            <a:lstStyle/>
+            <a:p>
+              <a:pPr algn="ctr"/>
+              <a:endParaRPr lang="en-GB"/>
+            </a:p>
+          </p:txBody>
+        </p:sp>
+      </p:grpSp>
+      <p:sp>
+        <p:nvSpPr>
+          <p:cNvPr id="4" name="Title 1">
+            <a:extLst>
+              <a:ext uri="{FF2B5EF4-FFF2-40B4-BE49-F238E27FC236}">
+                <a16:creationId xmlns:a16="http://schemas.microsoft.com/office/drawing/2014/main" id="{96F8826D-2D91-AD9E-08AE-AA28F4E2C3FE}"/>
+              </a:ext>
+            </a:extLst>
+          </p:cNvPr>
+          <p:cNvSpPr>
+            <a:spLocks noGrp="1"/>
+          </p:cNvSpPr>
+          <p:nvPr>
+            <p:ph type="ctrTitle"/>
+          </p:nvPr>
+        </p:nvSpPr>
+        <p:spPr>
+          <a:xfrm>
+            <a:off x="657546" y="599609"/>
+            <a:ext cx="4479533" cy="3692028"/>
+          </a:xfrm>
+          <a:noFill/>
+        </p:spPr>
+        <p:txBody>
+          <a:bodyPr>
+            <a:normAutofit/>
+          </a:bodyPr>
+          <a:lstStyle/>
+          <a:p>
+            <a:pPr algn="l"/>
+            <a:r>
+              <a:rPr lang="en-GB" sz="4000" b="1" dirty="0">
+                <a:solidFill>
+                  <a:schemeClr val="tx1">
+                    <a:lumMod val="85000"/>
+                    <a:lumOff val="15000"/>
+                  </a:schemeClr>
+                </a:solidFill>
+                <a:latin typeface="Roboto" panose="02000000000000000000" pitchFamily="2" charset="0"/>
+                <a:ea typeface="Roboto" panose="02000000000000000000" pitchFamily="2" charset="0"/>
+              </a:rPr>
+              <a:t>Quantitative Skills </a:t>
+            </a:r>
+            <a:r>
+              <a:rPr lang="en-GB" sz="3200" dirty="0">
+                <a:solidFill>
+                  <a:schemeClr val="tx1">
+                    <a:lumMod val="85000"/>
+                    <a:lumOff val="15000"/>
+                  </a:schemeClr>
+                </a:solidFill>
+                <a:latin typeface="Roboto" panose="02000000000000000000" pitchFamily="2" charset="0"/>
+                <a:ea typeface="Roboto" panose="02000000000000000000" pitchFamily="2" charset="0"/>
+              </a:rPr>
               <a:t>for the Biosciences</a:t>
             </a:r>
             <a:endParaRPr lang="en-GB" sz="4000" dirty="0">
@@ -5826,7 +6187,7 @@
 </p:sld>
 </file>
 
-<file path=ppt/slides/slide13.xml><?xml version="1.0" encoding="utf-8"?>
+<file path=ppt/slides/slide14.xml><?xml version="1.0" encoding="utf-8"?>
 <p:sld xmlns:a="http://schemas.openxmlformats.org/drawingml/2006/main" xmlns:r="http://schemas.openxmlformats.org/officeDocument/2006/relationships" xmlns:p="http://schemas.openxmlformats.org/presentationml/2006/main">
   <p:cSld>
     <p:spTree>

--- a/pptx/Quantitative Skills for the Biosciences I.pptx
+++ b/pptx/Quantitative Skills for the Biosciences I.pptx
@@ -210,7 +210,7 @@
           <a:p>
             <a:fld id="{E568910D-64C9-4DD4-83C5-A875B50009BA}" type="datetimeFigureOut">
               <a:rPr lang="en-GB" smtClean="0"/>
-              <a:t>14/10/2024</a:t>
+              <a:t>12/11/2024</a:t>
             </a:fld>
             <a:endParaRPr lang="en-GB"/>
           </a:p>
@@ -1803,7 +1803,7 @@
           <a:p>
             <a:fld id="{6AA4FF8C-76F8-4426-9A00-CA37271CFF96}" type="datetimeFigureOut">
               <a:rPr lang="en-GB" smtClean="0"/>
-              <a:t>14/10/2024</a:t>
+              <a:t>12/11/2024</a:t>
             </a:fld>
             <a:endParaRPr lang="en-GB"/>
           </a:p>
@@ -2003,7 +2003,7 @@
           <a:p>
             <a:fld id="{6AA4FF8C-76F8-4426-9A00-CA37271CFF96}" type="datetimeFigureOut">
               <a:rPr lang="en-GB" smtClean="0"/>
-              <a:t>14/10/2024</a:t>
+              <a:t>12/11/2024</a:t>
             </a:fld>
             <a:endParaRPr lang="en-GB"/>
           </a:p>
@@ -2213,7 +2213,7 @@
           <a:p>
             <a:fld id="{6AA4FF8C-76F8-4426-9A00-CA37271CFF96}" type="datetimeFigureOut">
               <a:rPr lang="en-GB" smtClean="0"/>
-              <a:t>14/10/2024</a:t>
+              <a:t>12/11/2024</a:t>
             </a:fld>
             <a:endParaRPr lang="en-GB"/>
           </a:p>
@@ -2413,7 +2413,7 @@
           <a:p>
             <a:fld id="{6AA4FF8C-76F8-4426-9A00-CA37271CFF96}" type="datetimeFigureOut">
               <a:rPr lang="en-GB" smtClean="0"/>
-              <a:t>14/10/2024</a:t>
+              <a:t>12/11/2024</a:t>
             </a:fld>
             <a:endParaRPr lang="en-GB"/>
           </a:p>
@@ -2689,7 +2689,7 @@
           <a:p>
             <a:fld id="{6AA4FF8C-76F8-4426-9A00-CA37271CFF96}" type="datetimeFigureOut">
               <a:rPr lang="en-GB" smtClean="0"/>
-              <a:t>14/10/2024</a:t>
+              <a:t>12/11/2024</a:t>
             </a:fld>
             <a:endParaRPr lang="en-GB"/>
           </a:p>
@@ -2957,7 +2957,7 @@
           <a:p>
             <a:fld id="{6AA4FF8C-76F8-4426-9A00-CA37271CFF96}" type="datetimeFigureOut">
               <a:rPr lang="en-GB" smtClean="0"/>
-              <a:t>14/10/2024</a:t>
+              <a:t>12/11/2024</a:t>
             </a:fld>
             <a:endParaRPr lang="en-GB"/>
           </a:p>
@@ -3372,7 +3372,7 @@
           <a:p>
             <a:fld id="{6AA4FF8C-76F8-4426-9A00-CA37271CFF96}" type="datetimeFigureOut">
               <a:rPr lang="en-GB" smtClean="0"/>
-              <a:t>14/10/2024</a:t>
+              <a:t>12/11/2024</a:t>
             </a:fld>
             <a:endParaRPr lang="en-GB"/>
           </a:p>
@@ -3514,7 +3514,7 @@
           <a:p>
             <a:fld id="{6AA4FF8C-76F8-4426-9A00-CA37271CFF96}" type="datetimeFigureOut">
               <a:rPr lang="en-GB" smtClean="0"/>
-              <a:t>14/10/2024</a:t>
+              <a:t>12/11/2024</a:t>
             </a:fld>
             <a:endParaRPr lang="en-GB"/>
           </a:p>
@@ -3627,7 +3627,7 @@
           <a:p>
             <a:fld id="{6AA4FF8C-76F8-4426-9A00-CA37271CFF96}" type="datetimeFigureOut">
               <a:rPr lang="en-GB" smtClean="0"/>
-              <a:t>14/10/2024</a:t>
+              <a:t>12/11/2024</a:t>
             </a:fld>
             <a:endParaRPr lang="en-GB"/>
           </a:p>
@@ -3940,7 +3940,7 @@
           <a:p>
             <a:fld id="{6AA4FF8C-76F8-4426-9A00-CA37271CFF96}" type="datetimeFigureOut">
               <a:rPr lang="en-GB" smtClean="0"/>
-              <a:t>14/10/2024</a:t>
+              <a:t>12/11/2024</a:t>
             </a:fld>
             <a:endParaRPr lang="en-GB"/>
           </a:p>
@@ -4229,7 +4229,7 @@
           <a:p>
             <a:fld id="{6AA4FF8C-76F8-4426-9A00-CA37271CFF96}" type="datetimeFigureOut">
               <a:rPr lang="en-GB" smtClean="0"/>
-              <a:t>14/10/2024</a:t>
+              <a:t>12/11/2024</a:t>
             </a:fld>
             <a:endParaRPr lang="en-GB"/>
           </a:p>
@@ -4472,7 +4472,7 @@
           <a:p>
             <a:fld id="{6AA4FF8C-76F8-4426-9A00-CA37271CFF96}" type="datetimeFigureOut">
               <a:rPr lang="en-GB" smtClean="0"/>
-              <a:t>14/10/2024</a:t>
+              <a:t>12/11/2024</a:t>
             </a:fld>
             <a:endParaRPr lang="en-GB"/>
           </a:p>
@@ -5874,7 +5874,7 @@
         <p:spPr>
           <a:xfrm>
             <a:off x="780836" y="4674742"/>
-            <a:ext cx="3831498" cy="923330"/>
+            <a:ext cx="3085075" cy="923330"/>
           </a:xfrm>
           <a:prstGeom prst="rect">
             <a:avLst/>
@@ -5889,18 +5889,18 @@
           <a:p>
             <a:pPr marL="342900" indent="-342900">
               <a:buFont typeface="+mj-lt"/>
-              <a:buAutoNum type="arabicPeriod" startAt="5"/>
+              <a:buAutoNum type="arabicPeriod" startAt="6"/>
             </a:pPr>
             <a:r>
               <a:rPr lang="en-GB" b="1" dirty="0"/>
-              <a:t>Introduction to R: Part II</a:t>
+              <a:t>Statistics in R: Part I</a:t>
             </a:r>
           </a:p>
           <a:p>
             <a:pPr lvl="1"/>
             <a:r>
               <a:rPr lang="en-GB" dirty="0"/>
-              <a:t>5.2 Inspecting and Summarising</a:t>
+              <a:t>6.2 Two-Way ANOVA in R</a:t>
             </a:r>
           </a:p>
           <a:p>

--- a/pptx/Quantitative Skills for the Biosciences I.pptx
+++ b/pptx/Quantitative Skills for the Biosciences I.pptx
@@ -5,7 +5,7 @@
     <p:sldMasterId id="2147483648" r:id="rId1"/>
   </p:sldMasterIdLst>
   <p:notesMasterIdLst>
-    <p:notesMasterId r:id="rId16"/>
+    <p:notesMasterId r:id="rId18"/>
   </p:notesMasterIdLst>
   <p:sldIdLst>
     <p:sldId id="265" r:id="rId2"/>
@@ -20,8 +20,10 @@
     <p:sldId id="268" r:id="rId11"/>
     <p:sldId id="269" r:id="rId12"/>
     <p:sldId id="270" r:id="rId13"/>
-    <p:sldId id="261" r:id="rId14"/>
-    <p:sldId id="262" r:id="rId15"/>
+    <p:sldId id="271" r:id="rId14"/>
+    <p:sldId id="272" r:id="rId15"/>
+    <p:sldId id="261" r:id="rId16"/>
+    <p:sldId id="262" r:id="rId17"/>
   </p:sldIdLst>
   <p:sldSz cx="12192000" cy="6858000"/>
   <p:notesSz cx="6858000" cy="9144000"/>
@@ -210,7 +212,7 @@
           <a:p>
             <a:fld id="{E568910D-64C9-4DD4-83C5-A875B50009BA}" type="datetimeFigureOut">
               <a:rPr lang="en-GB" smtClean="0"/>
-              <a:t>12/11/2024</a:t>
+              <a:t>19/11/2024</a:t>
             </a:fld>
             <a:endParaRPr lang="en-GB"/>
           </a:p>
@@ -888,7 +890,7 @@
     </p:spTree>
     <p:extLst>
       <p:ext uri="{BB962C8B-B14F-4D97-AF65-F5344CB8AC3E}">
-        <p14:creationId xmlns:p14="http://schemas.microsoft.com/office/powerpoint/2010/main" val="1965393077"/>
+        <p14:creationId xmlns:p14="http://schemas.microsoft.com/office/powerpoint/2010/main" val="1341504680"/>
       </p:ext>
     </p:extLst>
   </p:cSld>
@@ -964,6 +966,174 @@
             <a:fld id="{606A802C-DFC7-4B77-84E8-4D9D65A0AEB6}" type="slidenum">
               <a:rPr lang="en-GB" smtClean="0"/>
               <a:t>14</a:t>
+            </a:fld>
+            <a:endParaRPr lang="en-GB"/>
+          </a:p>
+        </p:txBody>
+      </p:sp>
+    </p:spTree>
+    <p:extLst>
+      <p:ext uri="{BB962C8B-B14F-4D97-AF65-F5344CB8AC3E}">
+        <p14:creationId xmlns:p14="http://schemas.microsoft.com/office/powerpoint/2010/main" val="3132227674"/>
+      </p:ext>
+    </p:extLst>
+  </p:cSld>
+  <p:clrMapOvr>
+    <a:masterClrMapping/>
+  </p:clrMapOvr>
+</p:notes>
+</file>
+
+<file path=ppt/notesSlides/notesSlide15.xml><?xml version="1.0" encoding="utf-8"?>
+<p:notes xmlns:a="http://schemas.openxmlformats.org/drawingml/2006/main" xmlns:r="http://schemas.openxmlformats.org/officeDocument/2006/relationships" xmlns:p="http://schemas.openxmlformats.org/presentationml/2006/main">
+  <p:cSld>
+    <p:spTree>
+      <p:nvGrpSpPr>
+        <p:cNvPr id="1" name=""/>
+        <p:cNvGrpSpPr/>
+        <p:nvPr/>
+      </p:nvGrpSpPr>
+      <p:grpSpPr>
+        <a:xfrm>
+          <a:off x="0" y="0"/>
+          <a:ext cx="0" cy="0"/>
+          <a:chOff x="0" y="0"/>
+          <a:chExt cx="0" cy="0"/>
+        </a:xfrm>
+      </p:grpSpPr>
+      <p:sp>
+        <p:nvSpPr>
+          <p:cNvPr id="2" name="Slide Image Placeholder 1"/>
+          <p:cNvSpPr>
+            <a:spLocks noGrp="1" noRot="1" noChangeAspect="1"/>
+          </p:cNvSpPr>
+          <p:nvPr>
+            <p:ph type="sldImg"/>
+          </p:nvPr>
+        </p:nvSpPr>
+        <p:spPr/>
+      </p:sp>
+      <p:sp>
+        <p:nvSpPr>
+          <p:cNvPr id="3" name="Notes Placeholder 2"/>
+          <p:cNvSpPr>
+            <a:spLocks noGrp="1"/>
+          </p:cNvSpPr>
+          <p:nvPr>
+            <p:ph type="body" idx="1"/>
+          </p:nvPr>
+        </p:nvSpPr>
+        <p:spPr/>
+        <p:txBody>
+          <a:bodyPr/>
+          <a:lstStyle/>
+          <a:p>
+            <a:endParaRPr lang="en-GB" dirty="0"/>
+          </a:p>
+        </p:txBody>
+      </p:sp>
+      <p:sp>
+        <p:nvSpPr>
+          <p:cNvPr id="4" name="Slide Number Placeholder 3"/>
+          <p:cNvSpPr>
+            <a:spLocks noGrp="1"/>
+          </p:cNvSpPr>
+          <p:nvPr>
+            <p:ph type="sldNum" sz="quarter" idx="5"/>
+          </p:nvPr>
+        </p:nvSpPr>
+        <p:spPr/>
+        <p:txBody>
+          <a:bodyPr/>
+          <a:lstStyle/>
+          <a:p>
+            <a:fld id="{606A802C-DFC7-4B77-84E8-4D9D65A0AEB6}" type="slidenum">
+              <a:rPr lang="en-GB" smtClean="0"/>
+              <a:t>15</a:t>
+            </a:fld>
+            <a:endParaRPr lang="en-GB"/>
+          </a:p>
+        </p:txBody>
+      </p:sp>
+    </p:spTree>
+    <p:extLst>
+      <p:ext uri="{BB962C8B-B14F-4D97-AF65-F5344CB8AC3E}">
+        <p14:creationId xmlns:p14="http://schemas.microsoft.com/office/powerpoint/2010/main" val="1965393077"/>
+      </p:ext>
+    </p:extLst>
+  </p:cSld>
+  <p:clrMapOvr>
+    <a:masterClrMapping/>
+  </p:clrMapOvr>
+</p:notes>
+</file>
+
+<file path=ppt/notesSlides/notesSlide16.xml><?xml version="1.0" encoding="utf-8"?>
+<p:notes xmlns:a="http://schemas.openxmlformats.org/drawingml/2006/main" xmlns:r="http://schemas.openxmlformats.org/officeDocument/2006/relationships" xmlns:p="http://schemas.openxmlformats.org/presentationml/2006/main">
+  <p:cSld>
+    <p:spTree>
+      <p:nvGrpSpPr>
+        <p:cNvPr id="1" name=""/>
+        <p:cNvGrpSpPr/>
+        <p:nvPr/>
+      </p:nvGrpSpPr>
+      <p:grpSpPr>
+        <a:xfrm>
+          <a:off x="0" y="0"/>
+          <a:ext cx="0" cy="0"/>
+          <a:chOff x="0" y="0"/>
+          <a:chExt cx="0" cy="0"/>
+        </a:xfrm>
+      </p:grpSpPr>
+      <p:sp>
+        <p:nvSpPr>
+          <p:cNvPr id="2" name="Slide Image Placeholder 1"/>
+          <p:cNvSpPr>
+            <a:spLocks noGrp="1" noRot="1" noChangeAspect="1"/>
+          </p:cNvSpPr>
+          <p:nvPr>
+            <p:ph type="sldImg"/>
+          </p:nvPr>
+        </p:nvSpPr>
+        <p:spPr/>
+      </p:sp>
+      <p:sp>
+        <p:nvSpPr>
+          <p:cNvPr id="3" name="Notes Placeholder 2"/>
+          <p:cNvSpPr>
+            <a:spLocks noGrp="1"/>
+          </p:cNvSpPr>
+          <p:nvPr>
+            <p:ph type="body" idx="1"/>
+          </p:nvPr>
+        </p:nvSpPr>
+        <p:spPr/>
+        <p:txBody>
+          <a:bodyPr/>
+          <a:lstStyle/>
+          <a:p>
+            <a:endParaRPr lang="en-GB" dirty="0"/>
+          </a:p>
+        </p:txBody>
+      </p:sp>
+      <p:sp>
+        <p:nvSpPr>
+          <p:cNvPr id="4" name="Slide Number Placeholder 3"/>
+          <p:cNvSpPr>
+            <a:spLocks noGrp="1"/>
+          </p:cNvSpPr>
+          <p:nvPr>
+            <p:ph type="sldNum" sz="quarter" idx="5"/>
+          </p:nvPr>
+        </p:nvSpPr>
+        <p:spPr/>
+        <p:txBody>
+          <a:bodyPr/>
+          <a:lstStyle/>
+          <a:p>
+            <a:fld id="{606A802C-DFC7-4B77-84E8-4D9D65A0AEB6}" type="slidenum">
+              <a:rPr lang="en-GB" smtClean="0"/>
+              <a:t>16</a:t>
             </a:fld>
             <a:endParaRPr lang="en-GB"/>
           </a:p>
@@ -1803,7 +1973,7 @@
           <a:p>
             <a:fld id="{6AA4FF8C-76F8-4426-9A00-CA37271CFF96}" type="datetimeFigureOut">
               <a:rPr lang="en-GB" smtClean="0"/>
-              <a:t>12/11/2024</a:t>
+              <a:t>19/11/2024</a:t>
             </a:fld>
             <a:endParaRPr lang="en-GB"/>
           </a:p>
@@ -2003,7 +2173,7 @@
           <a:p>
             <a:fld id="{6AA4FF8C-76F8-4426-9A00-CA37271CFF96}" type="datetimeFigureOut">
               <a:rPr lang="en-GB" smtClean="0"/>
-              <a:t>12/11/2024</a:t>
+              <a:t>19/11/2024</a:t>
             </a:fld>
             <a:endParaRPr lang="en-GB"/>
           </a:p>
@@ -2213,7 +2383,7 @@
           <a:p>
             <a:fld id="{6AA4FF8C-76F8-4426-9A00-CA37271CFF96}" type="datetimeFigureOut">
               <a:rPr lang="en-GB" smtClean="0"/>
-              <a:t>12/11/2024</a:t>
+              <a:t>19/11/2024</a:t>
             </a:fld>
             <a:endParaRPr lang="en-GB"/>
           </a:p>
@@ -2413,7 +2583,7 @@
           <a:p>
             <a:fld id="{6AA4FF8C-76F8-4426-9A00-CA37271CFF96}" type="datetimeFigureOut">
               <a:rPr lang="en-GB" smtClean="0"/>
-              <a:t>12/11/2024</a:t>
+              <a:t>19/11/2024</a:t>
             </a:fld>
             <a:endParaRPr lang="en-GB"/>
           </a:p>
@@ -2689,7 +2859,7 @@
           <a:p>
             <a:fld id="{6AA4FF8C-76F8-4426-9A00-CA37271CFF96}" type="datetimeFigureOut">
               <a:rPr lang="en-GB" smtClean="0"/>
-              <a:t>12/11/2024</a:t>
+              <a:t>19/11/2024</a:t>
             </a:fld>
             <a:endParaRPr lang="en-GB"/>
           </a:p>
@@ -2957,7 +3127,7 @@
           <a:p>
             <a:fld id="{6AA4FF8C-76F8-4426-9A00-CA37271CFF96}" type="datetimeFigureOut">
               <a:rPr lang="en-GB" smtClean="0"/>
-              <a:t>12/11/2024</a:t>
+              <a:t>19/11/2024</a:t>
             </a:fld>
             <a:endParaRPr lang="en-GB"/>
           </a:p>
@@ -3372,7 +3542,7 @@
           <a:p>
             <a:fld id="{6AA4FF8C-76F8-4426-9A00-CA37271CFF96}" type="datetimeFigureOut">
               <a:rPr lang="en-GB" smtClean="0"/>
-              <a:t>12/11/2024</a:t>
+              <a:t>19/11/2024</a:t>
             </a:fld>
             <a:endParaRPr lang="en-GB"/>
           </a:p>
@@ -3514,7 +3684,7 @@
           <a:p>
             <a:fld id="{6AA4FF8C-76F8-4426-9A00-CA37271CFF96}" type="datetimeFigureOut">
               <a:rPr lang="en-GB" smtClean="0"/>
-              <a:t>12/11/2024</a:t>
+              <a:t>19/11/2024</a:t>
             </a:fld>
             <a:endParaRPr lang="en-GB"/>
           </a:p>
@@ -3627,7 +3797,7 @@
           <a:p>
             <a:fld id="{6AA4FF8C-76F8-4426-9A00-CA37271CFF96}" type="datetimeFigureOut">
               <a:rPr lang="en-GB" smtClean="0"/>
-              <a:t>12/11/2024</a:t>
+              <a:t>19/11/2024</a:t>
             </a:fld>
             <a:endParaRPr lang="en-GB"/>
           </a:p>
@@ -3940,7 +4110,7 @@
           <a:p>
             <a:fld id="{6AA4FF8C-76F8-4426-9A00-CA37271CFF96}" type="datetimeFigureOut">
               <a:rPr lang="en-GB" smtClean="0"/>
-              <a:t>12/11/2024</a:t>
+              <a:t>19/11/2024</a:t>
             </a:fld>
             <a:endParaRPr lang="en-GB"/>
           </a:p>
@@ -4229,7 +4399,7 @@
           <a:p>
             <a:fld id="{6AA4FF8C-76F8-4426-9A00-CA37271CFF96}" type="datetimeFigureOut">
               <a:rPr lang="en-GB" smtClean="0"/>
-              <a:t>12/11/2024</a:t>
+              <a:t>19/11/2024</a:t>
             </a:fld>
             <a:endParaRPr lang="en-GB"/>
           </a:p>
@@ -4472,7 +4642,7 @@
           <a:p>
             <a:fld id="{6AA4FF8C-76F8-4426-9A00-CA37271CFF96}" type="datetimeFigureOut">
               <a:rPr lang="en-GB" smtClean="0"/>
-              <a:t>12/11/2024</a:t>
+              <a:t>19/11/2024</a:t>
             </a:fld>
             <a:endParaRPr lang="en-GB"/>
           </a:p>
@@ -6120,6 +6290,558 @@
                 <a:latin typeface="Roboto" panose="02000000000000000000" pitchFamily="2" charset="0"/>
                 <a:ea typeface="Roboto" panose="02000000000000000000" pitchFamily="2" charset="0"/>
               </a:rPr>
+              <a:t>for the Biosciences I</a:t>
+            </a:r>
+            <a:endParaRPr lang="en-GB" sz="4000" dirty="0">
+              <a:solidFill>
+                <a:schemeClr val="tx1">
+                  <a:lumMod val="85000"/>
+                  <a:lumOff val="15000"/>
+                </a:schemeClr>
+              </a:solidFill>
+              <a:latin typeface="Roboto" panose="02000000000000000000" pitchFamily="2" charset="0"/>
+              <a:ea typeface="Roboto" panose="02000000000000000000" pitchFamily="2" charset="0"/>
+            </a:endParaRPr>
+          </a:p>
+        </p:txBody>
+      </p:sp>
+      <p:sp>
+        <p:nvSpPr>
+          <p:cNvPr id="5" name="TextBox 4">
+            <a:extLst>
+              <a:ext uri="{FF2B5EF4-FFF2-40B4-BE49-F238E27FC236}">
+                <a16:creationId xmlns:a16="http://schemas.microsoft.com/office/drawing/2014/main" id="{408DECAB-5077-CD0A-7745-B04B3F5466C5}"/>
+              </a:ext>
+            </a:extLst>
+          </p:cNvPr>
+          <p:cNvSpPr txBox="1"/>
+          <p:nvPr/>
+        </p:nvSpPr>
+        <p:spPr>
+          <a:xfrm>
+            <a:off x="780836" y="4674742"/>
+            <a:ext cx="3185552" cy="923330"/>
+          </a:xfrm>
+          <a:prstGeom prst="rect">
+            <a:avLst/>
+          </a:prstGeom>
+          <a:noFill/>
+        </p:spPr>
+        <p:txBody>
+          <a:bodyPr wrap="none" rtlCol="0">
+            <a:spAutoFit/>
+          </a:bodyPr>
+          <a:lstStyle/>
+          <a:p>
+            <a:pPr marL="342900" indent="-342900">
+              <a:buFont typeface="+mj-lt"/>
+              <a:buAutoNum type="arabicPeriod" startAt="7"/>
+            </a:pPr>
+            <a:r>
+              <a:rPr lang="en-GB" b="1" dirty="0"/>
+              <a:t>Statistics in R: Part II</a:t>
+            </a:r>
+          </a:p>
+          <a:p>
+            <a:pPr lvl="1"/>
+            <a:r>
+              <a:rPr lang="en-GB" dirty="0"/>
+              <a:t>7.1 Linear Regression in R</a:t>
+            </a:r>
+          </a:p>
+          <a:p>
+            <a:pPr marL="800100" lvl="1" indent="-342900">
+              <a:buAutoNum type="arabicPeriod"/>
+            </a:pPr>
+            <a:endParaRPr lang="en-GB" dirty="0"/>
+          </a:p>
+        </p:txBody>
+      </p:sp>
+    </p:spTree>
+    <p:extLst>
+      <p:ext uri="{BB962C8B-B14F-4D97-AF65-F5344CB8AC3E}">
+        <p14:creationId xmlns:p14="http://schemas.microsoft.com/office/powerpoint/2010/main" val="148571098"/>
+      </p:ext>
+    </p:extLst>
+  </p:cSld>
+  <p:clrMapOvr>
+    <a:masterClrMapping/>
+  </p:clrMapOvr>
+</p:sld>
+</file>
+
+<file path=ppt/slides/slide14.xml><?xml version="1.0" encoding="utf-8"?>
+<p:sld xmlns:a="http://schemas.openxmlformats.org/drawingml/2006/main" xmlns:r="http://schemas.openxmlformats.org/officeDocument/2006/relationships" xmlns:p="http://schemas.openxmlformats.org/presentationml/2006/main">
+  <p:cSld>
+    <p:spTree>
+      <p:nvGrpSpPr>
+        <p:cNvPr id="1" name=""/>
+        <p:cNvGrpSpPr/>
+        <p:nvPr/>
+      </p:nvGrpSpPr>
+      <p:grpSpPr>
+        <a:xfrm>
+          <a:off x="0" y="0"/>
+          <a:ext cx="0" cy="0"/>
+          <a:chOff x="0" y="0"/>
+          <a:chExt cx="0" cy="0"/>
+        </a:xfrm>
+      </p:grpSpPr>
+      <p:grpSp>
+        <p:nvGrpSpPr>
+          <p:cNvPr id="9" name="Group 8">
+            <a:extLst>
+              <a:ext uri="{FF2B5EF4-FFF2-40B4-BE49-F238E27FC236}">
+                <a16:creationId xmlns:a16="http://schemas.microsoft.com/office/drawing/2014/main" id="{77DB5CDF-12C9-369D-6411-E559D40492FA}"/>
+              </a:ext>
+            </a:extLst>
+          </p:cNvPr>
+          <p:cNvGrpSpPr/>
+          <p:nvPr/>
+        </p:nvGrpSpPr>
+        <p:grpSpPr>
+          <a:xfrm>
+            <a:off x="95250" y="0"/>
+            <a:ext cx="12096750" cy="6858000"/>
+            <a:chOff x="95250" y="0"/>
+            <a:chExt cx="12096750" cy="6858000"/>
+          </a:xfrm>
+        </p:grpSpPr>
+        <p:pic>
+          <p:nvPicPr>
+            <p:cNvPr id="7" name="Picture 6" descr="A black and white image of a city&#10;&#10;Description automatically generated">
+              <a:extLst>
+                <a:ext uri="{FF2B5EF4-FFF2-40B4-BE49-F238E27FC236}">
+                  <a16:creationId xmlns:a16="http://schemas.microsoft.com/office/drawing/2014/main" id="{6F3074F2-352F-43CF-AE6E-5ACC431A51FD}"/>
+                </a:ext>
+              </a:extLst>
+            </p:cNvPr>
+            <p:cNvPicPr>
+              <a:picLocks noChangeAspect="1"/>
+            </p:cNvPicPr>
+            <p:nvPr/>
+          </p:nvPicPr>
+          <p:blipFill>
+            <a:blip r:embed="rId3">
+              <a:extLst>
+                <a:ext uri="{28A0092B-C50C-407E-A947-70E740481C1C}">
+                  <a14:useLocalDpi xmlns:a14="http://schemas.microsoft.com/office/drawing/2010/main" val="0"/>
+                </a:ext>
+              </a:extLst>
+            </a:blip>
+            <a:stretch>
+              <a:fillRect/>
+            </a:stretch>
+          </p:blipFill>
+          <p:spPr>
+            <a:xfrm>
+              <a:off x="95250" y="0"/>
+              <a:ext cx="12001500" cy="6858000"/>
+            </a:xfrm>
+            <a:prstGeom prst="rect">
+              <a:avLst/>
+            </a:prstGeom>
+          </p:spPr>
+        </p:pic>
+        <p:sp>
+          <p:nvSpPr>
+            <p:cNvPr id="8" name="Rectangle 7">
+              <a:extLst>
+                <a:ext uri="{FF2B5EF4-FFF2-40B4-BE49-F238E27FC236}">
+                  <a16:creationId xmlns:a16="http://schemas.microsoft.com/office/drawing/2014/main" id="{CCD734EC-557E-F662-5781-FA8891F5EB16}"/>
+                </a:ext>
+              </a:extLst>
+            </p:cNvPr>
+            <p:cNvSpPr/>
+            <p:nvPr/>
+          </p:nvSpPr>
+          <p:spPr>
+            <a:xfrm>
+              <a:off x="297952" y="0"/>
+              <a:ext cx="11894048" cy="6858000"/>
+            </a:xfrm>
+            <a:prstGeom prst="rect">
+              <a:avLst/>
+            </a:prstGeom>
+            <a:gradFill flip="none" rotWithShape="1">
+              <a:gsLst>
+                <a:gs pos="20000">
+                  <a:schemeClr val="bg1"/>
+                </a:gs>
+                <a:gs pos="48000">
+                  <a:srgbClr val="FFFFFF">
+                    <a:alpha val="90000"/>
+                  </a:srgbClr>
+                </a:gs>
+                <a:gs pos="92000">
+                  <a:schemeClr val="bg1">
+                    <a:alpha val="0"/>
+                  </a:schemeClr>
+                </a:gs>
+              </a:gsLst>
+              <a:lin ang="0" scaled="1"/>
+              <a:tileRect/>
+            </a:gradFill>
+            <a:ln>
+              <a:noFill/>
+            </a:ln>
+          </p:spPr>
+          <p:style>
+            <a:lnRef idx="2">
+              <a:schemeClr val="accent1">
+                <a:shade val="15000"/>
+              </a:schemeClr>
+            </a:lnRef>
+            <a:fillRef idx="1">
+              <a:schemeClr val="accent1"/>
+            </a:fillRef>
+            <a:effectRef idx="0">
+              <a:schemeClr val="accent1"/>
+            </a:effectRef>
+            <a:fontRef idx="minor">
+              <a:schemeClr val="lt1"/>
+            </a:fontRef>
+          </p:style>
+          <p:txBody>
+            <a:bodyPr rtlCol="0" anchor="ctr"/>
+            <a:lstStyle/>
+            <a:p>
+              <a:pPr algn="ctr"/>
+              <a:endParaRPr lang="en-GB"/>
+            </a:p>
+          </p:txBody>
+        </p:sp>
+      </p:grpSp>
+      <p:sp>
+        <p:nvSpPr>
+          <p:cNvPr id="4" name="Title 1">
+            <a:extLst>
+              <a:ext uri="{FF2B5EF4-FFF2-40B4-BE49-F238E27FC236}">
+                <a16:creationId xmlns:a16="http://schemas.microsoft.com/office/drawing/2014/main" id="{96F8826D-2D91-AD9E-08AE-AA28F4E2C3FE}"/>
+              </a:ext>
+            </a:extLst>
+          </p:cNvPr>
+          <p:cNvSpPr>
+            <a:spLocks noGrp="1"/>
+          </p:cNvSpPr>
+          <p:nvPr>
+            <p:ph type="ctrTitle"/>
+          </p:nvPr>
+        </p:nvSpPr>
+        <p:spPr>
+          <a:xfrm>
+            <a:off x="657546" y="599609"/>
+            <a:ext cx="4479533" cy="3692028"/>
+          </a:xfrm>
+          <a:noFill/>
+        </p:spPr>
+        <p:txBody>
+          <a:bodyPr>
+            <a:normAutofit/>
+          </a:bodyPr>
+          <a:lstStyle/>
+          <a:p>
+            <a:pPr algn="l"/>
+            <a:r>
+              <a:rPr lang="en-GB" sz="4000" b="1" dirty="0">
+                <a:solidFill>
+                  <a:schemeClr val="tx1">
+                    <a:lumMod val="85000"/>
+                    <a:lumOff val="15000"/>
+                  </a:schemeClr>
+                </a:solidFill>
+                <a:latin typeface="Roboto" panose="02000000000000000000" pitchFamily="2" charset="0"/>
+                <a:ea typeface="Roboto" panose="02000000000000000000" pitchFamily="2" charset="0"/>
+              </a:rPr>
+              <a:t>Quantitative Skills </a:t>
+            </a:r>
+            <a:r>
+              <a:rPr lang="en-GB" sz="3200" dirty="0">
+                <a:solidFill>
+                  <a:schemeClr val="tx1">
+                    <a:lumMod val="85000"/>
+                    <a:lumOff val="15000"/>
+                  </a:schemeClr>
+                </a:solidFill>
+                <a:latin typeface="Roboto" panose="02000000000000000000" pitchFamily="2" charset="0"/>
+                <a:ea typeface="Roboto" panose="02000000000000000000" pitchFamily="2" charset="0"/>
+              </a:rPr>
+              <a:t>for the Biosciences I</a:t>
+            </a:r>
+            <a:endParaRPr lang="en-GB" sz="4000" dirty="0">
+              <a:solidFill>
+                <a:schemeClr val="tx1">
+                  <a:lumMod val="85000"/>
+                  <a:lumOff val="15000"/>
+                </a:schemeClr>
+              </a:solidFill>
+              <a:latin typeface="Roboto" panose="02000000000000000000" pitchFamily="2" charset="0"/>
+              <a:ea typeface="Roboto" panose="02000000000000000000" pitchFamily="2" charset="0"/>
+            </a:endParaRPr>
+          </a:p>
+        </p:txBody>
+      </p:sp>
+      <p:sp>
+        <p:nvSpPr>
+          <p:cNvPr id="5" name="TextBox 4">
+            <a:extLst>
+              <a:ext uri="{FF2B5EF4-FFF2-40B4-BE49-F238E27FC236}">
+                <a16:creationId xmlns:a16="http://schemas.microsoft.com/office/drawing/2014/main" id="{408DECAB-5077-CD0A-7745-B04B3F5466C5}"/>
+              </a:ext>
+            </a:extLst>
+          </p:cNvPr>
+          <p:cNvSpPr txBox="1"/>
+          <p:nvPr/>
+        </p:nvSpPr>
+        <p:spPr>
+          <a:xfrm>
+            <a:off x="780836" y="4674742"/>
+            <a:ext cx="4043158" cy="923330"/>
+          </a:xfrm>
+          <a:prstGeom prst="rect">
+            <a:avLst/>
+          </a:prstGeom>
+          <a:noFill/>
+        </p:spPr>
+        <p:txBody>
+          <a:bodyPr wrap="none" rtlCol="0">
+            <a:spAutoFit/>
+          </a:bodyPr>
+          <a:lstStyle/>
+          <a:p>
+            <a:pPr marL="342900" indent="-342900">
+              <a:buFont typeface="+mj-lt"/>
+              <a:buAutoNum type="arabicPeriod" startAt="7"/>
+            </a:pPr>
+            <a:r>
+              <a:rPr lang="en-GB" b="1" dirty="0"/>
+              <a:t>Statistics in R: Part II</a:t>
+            </a:r>
+          </a:p>
+          <a:p>
+            <a:pPr lvl="1"/>
+            <a:r>
+              <a:rPr lang="en-GB" dirty="0"/>
+              <a:t>7.2 Multiple Linear Regression in R</a:t>
+            </a:r>
+          </a:p>
+          <a:p>
+            <a:pPr marL="800100" lvl="1" indent="-342900">
+              <a:buAutoNum type="arabicPeriod"/>
+            </a:pPr>
+            <a:endParaRPr lang="en-GB" dirty="0"/>
+          </a:p>
+        </p:txBody>
+      </p:sp>
+    </p:spTree>
+    <p:extLst>
+      <p:ext uri="{BB962C8B-B14F-4D97-AF65-F5344CB8AC3E}">
+        <p14:creationId xmlns:p14="http://schemas.microsoft.com/office/powerpoint/2010/main" val="1266352747"/>
+      </p:ext>
+    </p:extLst>
+  </p:cSld>
+  <p:clrMapOvr>
+    <a:masterClrMapping/>
+  </p:clrMapOvr>
+</p:sld>
+</file>
+
+<file path=ppt/slides/slide15.xml><?xml version="1.0" encoding="utf-8"?>
+<p:sld xmlns:a="http://schemas.openxmlformats.org/drawingml/2006/main" xmlns:r="http://schemas.openxmlformats.org/officeDocument/2006/relationships" xmlns:p="http://schemas.openxmlformats.org/presentationml/2006/main">
+  <p:cSld>
+    <p:spTree>
+      <p:nvGrpSpPr>
+        <p:cNvPr id="1" name=""/>
+        <p:cNvGrpSpPr/>
+        <p:nvPr/>
+      </p:nvGrpSpPr>
+      <p:grpSpPr>
+        <a:xfrm>
+          <a:off x="0" y="0"/>
+          <a:ext cx="0" cy="0"/>
+          <a:chOff x="0" y="0"/>
+          <a:chExt cx="0" cy="0"/>
+        </a:xfrm>
+      </p:grpSpPr>
+      <p:grpSp>
+        <p:nvGrpSpPr>
+          <p:cNvPr id="9" name="Group 8">
+            <a:extLst>
+              <a:ext uri="{FF2B5EF4-FFF2-40B4-BE49-F238E27FC236}">
+                <a16:creationId xmlns:a16="http://schemas.microsoft.com/office/drawing/2014/main" id="{77DB5CDF-12C9-369D-6411-E559D40492FA}"/>
+              </a:ext>
+            </a:extLst>
+          </p:cNvPr>
+          <p:cNvGrpSpPr/>
+          <p:nvPr/>
+        </p:nvGrpSpPr>
+        <p:grpSpPr>
+          <a:xfrm>
+            <a:off x="95250" y="0"/>
+            <a:ext cx="12096750" cy="6858000"/>
+            <a:chOff x="95250" y="0"/>
+            <a:chExt cx="12096750" cy="6858000"/>
+          </a:xfrm>
+        </p:grpSpPr>
+        <p:pic>
+          <p:nvPicPr>
+            <p:cNvPr id="7" name="Picture 6" descr="A black and white image of a city&#10;&#10;Description automatically generated">
+              <a:extLst>
+                <a:ext uri="{FF2B5EF4-FFF2-40B4-BE49-F238E27FC236}">
+                  <a16:creationId xmlns:a16="http://schemas.microsoft.com/office/drawing/2014/main" id="{6F3074F2-352F-43CF-AE6E-5ACC431A51FD}"/>
+                </a:ext>
+              </a:extLst>
+            </p:cNvPr>
+            <p:cNvPicPr>
+              <a:picLocks noChangeAspect="1"/>
+            </p:cNvPicPr>
+            <p:nvPr/>
+          </p:nvPicPr>
+          <p:blipFill>
+            <a:blip r:embed="rId3">
+              <a:extLst>
+                <a:ext uri="{28A0092B-C50C-407E-A947-70E740481C1C}">
+                  <a14:useLocalDpi xmlns:a14="http://schemas.microsoft.com/office/drawing/2010/main" val="0"/>
+                </a:ext>
+              </a:extLst>
+            </a:blip>
+            <a:stretch>
+              <a:fillRect/>
+            </a:stretch>
+          </p:blipFill>
+          <p:spPr>
+            <a:xfrm>
+              <a:off x="95250" y="0"/>
+              <a:ext cx="12001500" cy="6858000"/>
+            </a:xfrm>
+            <a:prstGeom prst="rect">
+              <a:avLst/>
+            </a:prstGeom>
+          </p:spPr>
+        </p:pic>
+        <p:sp>
+          <p:nvSpPr>
+            <p:cNvPr id="8" name="Rectangle 7">
+              <a:extLst>
+                <a:ext uri="{FF2B5EF4-FFF2-40B4-BE49-F238E27FC236}">
+                  <a16:creationId xmlns:a16="http://schemas.microsoft.com/office/drawing/2014/main" id="{CCD734EC-557E-F662-5781-FA8891F5EB16}"/>
+                </a:ext>
+              </a:extLst>
+            </p:cNvPr>
+            <p:cNvSpPr/>
+            <p:nvPr/>
+          </p:nvSpPr>
+          <p:spPr>
+            <a:xfrm>
+              <a:off x="297952" y="0"/>
+              <a:ext cx="11894048" cy="6858000"/>
+            </a:xfrm>
+            <a:prstGeom prst="rect">
+              <a:avLst/>
+            </a:prstGeom>
+            <a:gradFill flip="none" rotWithShape="1">
+              <a:gsLst>
+                <a:gs pos="20000">
+                  <a:schemeClr val="bg1"/>
+                </a:gs>
+                <a:gs pos="48000">
+                  <a:srgbClr val="FFFFFF">
+                    <a:alpha val="90000"/>
+                  </a:srgbClr>
+                </a:gs>
+                <a:gs pos="92000">
+                  <a:schemeClr val="bg1">
+                    <a:alpha val="0"/>
+                  </a:schemeClr>
+                </a:gs>
+              </a:gsLst>
+              <a:lin ang="0" scaled="1"/>
+              <a:tileRect/>
+            </a:gradFill>
+            <a:ln>
+              <a:noFill/>
+            </a:ln>
+          </p:spPr>
+          <p:style>
+            <a:lnRef idx="2">
+              <a:schemeClr val="accent1">
+                <a:shade val="15000"/>
+              </a:schemeClr>
+            </a:lnRef>
+            <a:fillRef idx="1">
+              <a:schemeClr val="accent1"/>
+            </a:fillRef>
+            <a:effectRef idx="0">
+              <a:schemeClr val="accent1"/>
+            </a:effectRef>
+            <a:fontRef idx="minor">
+              <a:schemeClr val="lt1"/>
+            </a:fontRef>
+          </p:style>
+          <p:txBody>
+            <a:bodyPr rtlCol="0" anchor="ctr"/>
+            <a:lstStyle/>
+            <a:p>
+              <a:pPr algn="ctr"/>
+              <a:endParaRPr lang="en-GB"/>
+            </a:p>
+          </p:txBody>
+        </p:sp>
+      </p:grpSp>
+      <p:sp>
+        <p:nvSpPr>
+          <p:cNvPr id="4" name="Title 1">
+            <a:extLst>
+              <a:ext uri="{FF2B5EF4-FFF2-40B4-BE49-F238E27FC236}">
+                <a16:creationId xmlns:a16="http://schemas.microsoft.com/office/drawing/2014/main" id="{96F8826D-2D91-AD9E-08AE-AA28F4E2C3FE}"/>
+              </a:ext>
+            </a:extLst>
+          </p:cNvPr>
+          <p:cNvSpPr>
+            <a:spLocks noGrp="1"/>
+          </p:cNvSpPr>
+          <p:nvPr>
+            <p:ph type="ctrTitle"/>
+          </p:nvPr>
+        </p:nvSpPr>
+        <p:spPr>
+          <a:xfrm>
+            <a:off x="657546" y="599609"/>
+            <a:ext cx="4479533" cy="3692028"/>
+          </a:xfrm>
+          <a:noFill/>
+        </p:spPr>
+        <p:txBody>
+          <a:bodyPr>
+            <a:normAutofit/>
+          </a:bodyPr>
+          <a:lstStyle/>
+          <a:p>
+            <a:pPr algn="l"/>
+            <a:r>
+              <a:rPr lang="en-GB" sz="4000" b="1" dirty="0">
+                <a:solidFill>
+                  <a:schemeClr val="tx1">
+                    <a:lumMod val="85000"/>
+                    <a:lumOff val="15000"/>
+                  </a:schemeClr>
+                </a:solidFill>
+                <a:latin typeface="Roboto" panose="02000000000000000000" pitchFamily="2" charset="0"/>
+                <a:ea typeface="Roboto" panose="02000000000000000000" pitchFamily="2" charset="0"/>
+              </a:rPr>
+              <a:t>Quantitative Skills </a:t>
+            </a:r>
+            <a:r>
+              <a:rPr lang="en-GB" sz="3200" dirty="0">
+                <a:solidFill>
+                  <a:schemeClr val="tx1">
+                    <a:lumMod val="85000"/>
+                    <a:lumOff val="15000"/>
+                  </a:schemeClr>
+                </a:solidFill>
+                <a:latin typeface="Roboto" panose="02000000000000000000" pitchFamily="2" charset="0"/>
+                <a:ea typeface="Roboto" panose="02000000000000000000" pitchFamily="2" charset="0"/>
+              </a:rPr>
               <a:t>for the Biosciences</a:t>
             </a:r>
             <a:endParaRPr lang="en-GB" sz="4000" dirty="0">
@@ -6187,7 +6909,7 @@
 </p:sld>
 </file>
 
-<file path=ppt/slides/slide14.xml><?xml version="1.0" encoding="utf-8"?>
+<file path=ppt/slides/slide16.xml><?xml version="1.0" encoding="utf-8"?>
 <p:sld xmlns:a="http://schemas.openxmlformats.org/drawingml/2006/main" xmlns:r="http://schemas.openxmlformats.org/officeDocument/2006/relationships" xmlns:p="http://schemas.openxmlformats.org/presentationml/2006/main">
   <p:cSld>
     <p:spTree>

--- a/pptx/Quantitative Skills for the Biosciences I.pptx
+++ b/pptx/Quantitative Skills for the Biosciences I.pptx
@@ -5,7 +5,7 @@
     <p:sldMasterId id="2147483648" r:id="rId1"/>
   </p:sldMasterIdLst>
   <p:notesMasterIdLst>
-    <p:notesMasterId r:id="rId18"/>
+    <p:notesMasterId r:id="rId20"/>
   </p:notesMasterIdLst>
   <p:sldIdLst>
     <p:sldId id="265" r:id="rId2"/>
@@ -22,8 +22,10 @@
     <p:sldId id="270" r:id="rId13"/>
     <p:sldId id="271" r:id="rId14"/>
     <p:sldId id="272" r:id="rId15"/>
-    <p:sldId id="261" r:id="rId16"/>
-    <p:sldId id="262" r:id="rId17"/>
+    <p:sldId id="273" r:id="rId16"/>
+    <p:sldId id="274" r:id="rId17"/>
+    <p:sldId id="261" r:id="rId18"/>
+    <p:sldId id="262" r:id="rId19"/>
   </p:sldIdLst>
   <p:sldSz cx="12192000" cy="6858000"/>
   <p:notesSz cx="6858000" cy="9144000"/>
@@ -212,7 +214,7 @@
           <a:p>
             <a:fld id="{E568910D-64C9-4DD4-83C5-A875B50009BA}" type="datetimeFigureOut">
               <a:rPr lang="en-GB" smtClean="0"/>
-              <a:t>19/11/2024</a:t>
+              <a:t>25/11/2024</a:t>
             </a:fld>
             <a:endParaRPr lang="en-GB"/>
           </a:p>
@@ -1058,7 +1060,7 @@
     </p:spTree>
     <p:extLst>
       <p:ext uri="{BB962C8B-B14F-4D97-AF65-F5344CB8AC3E}">
-        <p14:creationId xmlns:p14="http://schemas.microsoft.com/office/powerpoint/2010/main" val="1965393077"/>
+        <p14:creationId xmlns:p14="http://schemas.microsoft.com/office/powerpoint/2010/main" val="1350196947"/>
       </p:ext>
     </p:extLst>
   </p:cSld>
@@ -1134,6 +1136,174 @@
             <a:fld id="{606A802C-DFC7-4B77-84E8-4D9D65A0AEB6}" type="slidenum">
               <a:rPr lang="en-GB" smtClean="0"/>
               <a:t>16</a:t>
+            </a:fld>
+            <a:endParaRPr lang="en-GB"/>
+          </a:p>
+        </p:txBody>
+      </p:sp>
+    </p:spTree>
+    <p:extLst>
+      <p:ext uri="{BB962C8B-B14F-4D97-AF65-F5344CB8AC3E}">
+        <p14:creationId xmlns:p14="http://schemas.microsoft.com/office/powerpoint/2010/main" val="1226167775"/>
+      </p:ext>
+    </p:extLst>
+  </p:cSld>
+  <p:clrMapOvr>
+    <a:masterClrMapping/>
+  </p:clrMapOvr>
+</p:notes>
+</file>
+
+<file path=ppt/notesSlides/notesSlide17.xml><?xml version="1.0" encoding="utf-8"?>
+<p:notes xmlns:a="http://schemas.openxmlformats.org/drawingml/2006/main" xmlns:r="http://schemas.openxmlformats.org/officeDocument/2006/relationships" xmlns:p="http://schemas.openxmlformats.org/presentationml/2006/main">
+  <p:cSld>
+    <p:spTree>
+      <p:nvGrpSpPr>
+        <p:cNvPr id="1" name=""/>
+        <p:cNvGrpSpPr/>
+        <p:nvPr/>
+      </p:nvGrpSpPr>
+      <p:grpSpPr>
+        <a:xfrm>
+          <a:off x="0" y="0"/>
+          <a:ext cx="0" cy="0"/>
+          <a:chOff x="0" y="0"/>
+          <a:chExt cx="0" cy="0"/>
+        </a:xfrm>
+      </p:grpSpPr>
+      <p:sp>
+        <p:nvSpPr>
+          <p:cNvPr id="2" name="Slide Image Placeholder 1"/>
+          <p:cNvSpPr>
+            <a:spLocks noGrp="1" noRot="1" noChangeAspect="1"/>
+          </p:cNvSpPr>
+          <p:nvPr>
+            <p:ph type="sldImg"/>
+          </p:nvPr>
+        </p:nvSpPr>
+        <p:spPr/>
+      </p:sp>
+      <p:sp>
+        <p:nvSpPr>
+          <p:cNvPr id="3" name="Notes Placeholder 2"/>
+          <p:cNvSpPr>
+            <a:spLocks noGrp="1"/>
+          </p:cNvSpPr>
+          <p:nvPr>
+            <p:ph type="body" idx="1"/>
+          </p:nvPr>
+        </p:nvSpPr>
+        <p:spPr/>
+        <p:txBody>
+          <a:bodyPr/>
+          <a:lstStyle/>
+          <a:p>
+            <a:endParaRPr lang="en-GB" dirty="0"/>
+          </a:p>
+        </p:txBody>
+      </p:sp>
+      <p:sp>
+        <p:nvSpPr>
+          <p:cNvPr id="4" name="Slide Number Placeholder 3"/>
+          <p:cNvSpPr>
+            <a:spLocks noGrp="1"/>
+          </p:cNvSpPr>
+          <p:nvPr>
+            <p:ph type="sldNum" sz="quarter" idx="5"/>
+          </p:nvPr>
+        </p:nvSpPr>
+        <p:spPr/>
+        <p:txBody>
+          <a:bodyPr/>
+          <a:lstStyle/>
+          <a:p>
+            <a:fld id="{606A802C-DFC7-4B77-84E8-4D9D65A0AEB6}" type="slidenum">
+              <a:rPr lang="en-GB" smtClean="0"/>
+              <a:t>17</a:t>
+            </a:fld>
+            <a:endParaRPr lang="en-GB"/>
+          </a:p>
+        </p:txBody>
+      </p:sp>
+    </p:spTree>
+    <p:extLst>
+      <p:ext uri="{BB962C8B-B14F-4D97-AF65-F5344CB8AC3E}">
+        <p14:creationId xmlns:p14="http://schemas.microsoft.com/office/powerpoint/2010/main" val="1965393077"/>
+      </p:ext>
+    </p:extLst>
+  </p:cSld>
+  <p:clrMapOvr>
+    <a:masterClrMapping/>
+  </p:clrMapOvr>
+</p:notes>
+</file>
+
+<file path=ppt/notesSlides/notesSlide18.xml><?xml version="1.0" encoding="utf-8"?>
+<p:notes xmlns:a="http://schemas.openxmlformats.org/drawingml/2006/main" xmlns:r="http://schemas.openxmlformats.org/officeDocument/2006/relationships" xmlns:p="http://schemas.openxmlformats.org/presentationml/2006/main">
+  <p:cSld>
+    <p:spTree>
+      <p:nvGrpSpPr>
+        <p:cNvPr id="1" name=""/>
+        <p:cNvGrpSpPr/>
+        <p:nvPr/>
+      </p:nvGrpSpPr>
+      <p:grpSpPr>
+        <a:xfrm>
+          <a:off x="0" y="0"/>
+          <a:ext cx="0" cy="0"/>
+          <a:chOff x="0" y="0"/>
+          <a:chExt cx="0" cy="0"/>
+        </a:xfrm>
+      </p:grpSpPr>
+      <p:sp>
+        <p:nvSpPr>
+          <p:cNvPr id="2" name="Slide Image Placeholder 1"/>
+          <p:cNvSpPr>
+            <a:spLocks noGrp="1" noRot="1" noChangeAspect="1"/>
+          </p:cNvSpPr>
+          <p:nvPr>
+            <p:ph type="sldImg"/>
+          </p:nvPr>
+        </p:nvSpPr>
+        <p:spPr/>
+      </p:sp>
+      <p:sp>
+        <p:nvSpPr>
+          <p:cNvPr id="3" name="Notes Placeholder 2"/>
+          <p:cNvSpPr>
+            <a:spLocks noGrp="1"/>
+          </p:cNvSpPr>
+          <p:nvPr>
+            <p:ph type="body" idx="1"/>
+          </p:nvPr>
+        </p:nvSpPr>
+        <p:spPr/>
+        <p:txBody>
+          <a:bodyPr/>
+          <a:lstStyle/>
+          <a:p>
+            <a:endParaRPr lang="en-GB" dirty="0"/>
+          </a:p>
+        </p:txBody>
+      </p:sp>
+      <p:sp>
+        <p:nvSpPr>
+          <p:cNvPr id="4" name="Slide Number Placeholder 3"/>
+          <p:cNvSpPr>
+            <a:spLocks noGrp="1"/>
+          </p:cNvSpPr>
+          <p:nvPr>
+            <p:ph type="sldNum" sz="quarter" idx="5"/>
+          </p:nvPr>
+        </p:nvSpPr>
+        <p:spPr/>
+        <p:txBody>
+          <a:bodyPr/>
+          <a:lstStyle/>
+          <a:p>
+            <a:fld id="{606A802C-DFC7-4B77-84E8-4D9D65A0AEB6}" type="slidenum">
+              <a:rPr lang="en-GB" smtClean="0"/>
+              <a:t>18</a:t>
             </a:fld>
             <a:endParaRPr lang="en-GB"/>
           </a:p>
@@ -1973,7 +2143,7 @@
           <a:p>
             <a:fld id="{6AA4FF8C-76F8-4426-9A00-CA37271CFF96}" type="datetimeFigureOut">
               <a:rPr lang="en-GB" smtClean="0"/>
-              <a:t>19/11/2024</a:t>
+              <a:t>25/11/2024</a:t>
             </a:fld>
             <a:endParaRPr lang="en-GB"/>
           </a:p>
@@ -2173,7 +2343,7 @@
           <a:p>
             <a:fld id="{6AA4FF8C-76F8-4426-9A00-CA37271CFF96}" type="datetimeFigureOut">
               <a:rPr lang="en-GB" smtClean="0"/>
-              <a:t>19/11/2024</a:t>
+              <a:t>25/11/2024</a:t>
             </a:fld>
             <a:endParaRPr lang="en-GB"/>
           </a:p>
@@ -2383,7 +2553,7 @@
           <a:p>
             <a:fld id="{6AA4FF8C-76F8-4426-9A00-CA37271CFF96}" type="datetimeFigureOut">
               <a:rPr lang="en-GB" smtClean="0"/>
-              <a:t>19/11/2024</a:t>
+              <a:t>25/11/2024</a:t>
             </a:fld>
             <a:endParaRPr lang="en-GB"/>
           </a:p>
@@ -2583,7 +2753,7 @@
           <a:p>
             <a:fld id="{6AA4FF8C-76F8-4426-9A00-CA37271CFF96}" type="datetimeFigureOut">
               <a:rPr lang="en-GB" smtClean="0"/>
-              <a:t>19/11/2024</a:t>
+              <a:t>25/11/2024</a:t>
             </a:fld>
             <a:endParaRPr lang="en-GB"/>
           </a:p>
@@ -2859,7 +3029,7 @@
           <a:p>
             <a:fld id="{6AA4FF8C-76F8-4426-9A00-CA37271CFF96}" type="datetimeFigureOut">
               <a:rPr lang="en-GB" smtClean="0"/>
-              <a:t>19/11/2024</a:t>
+              <a:t>25/11/2024</a:t>
             </a:fld>
             <a:endParaRPr lang="en-GB"/>
           </a:p>
@@ -3127,7 +3297,7 @@
           <a:p>
             <a:fld id="{6AA4FF8C-76F8-4426-9A00-CA37271CFF96}" type="datetimeFigureOut">
               <a:rPr lang="en-GB" smtClean="0"/>
-              <a:t>19/11/2024</a:t>
+              <a:t>25/11/2024</a:t>
             </a:fld>
             <a:endParaRPr lang="en-GB"/>
           </a:p>
@@ -3542,7 +3712,7 @@
           <a:p>
             <a:fld id="{6AA4FF8C-76F8-4426-9A00-CA37271CFF96}" type="datetimeFigureOut">
               <a:rPr lang="en-GB" smtClean="0"/>
-              <a:t>19/11/2024</a:t>
+              <a:t>25/11/2024</a:t>
             </a:fld>
             <a:endParaRPr lang="en-GB"/>
           </a:p>
@@ -3684,7 +3854,7 @@
           <a:p>
             <a:fld id="{6AA4FF8C-76F8-4426-9A00-CA37271CFF96}" type="datetimeFigureOut">
               <a:rPr lang="en-GB" smtClean="0"/>
-              <a:t>19/11/2024</a:t>
+              <a:t>25/11/2024</a:t>
             </a:fld>
             <a:endParaRPr lang="en-GB"/>
           </a:p>
@@ -3797,7 +3967,7 @@
           <a:p>
             <a:fld id="{6AA4FF8C-76F8-4426-9A00-CA37271CFF96}" type="datetimeFigureOut">
               <a:rPr lang="en-GB" smtClean="0"/>
-              <a:t>19/11/2024</a:t>
+              <a:t>25/11/2024</a:t>
             </a:fld>
             <a:endParaRPr lang="en-GB"/>
           </a:p>
@@ -4110,7 +4280,7 @@
           <a:p>
             <a:fld id="{6AA4FF8C-76F8-4426-9A00-CA37271CFF96}" type="datetimeFigureOut">
               <a:rPr lang="en-GB" smtClean="0"/>
-              <a:t>19/11/2024</a:t>
+              <a:t>25/11/2024</a:t>
             </a:fld>
             <a:endParaRPr lang="en-GB"/>
           </a:p>
@@ -4399,7 +4569,7 @@
           <a:p>
             <a:fld id="{6AA4FF8C-76F8-4426-9A00-CA37271CFF96}" type="datetimeFigureOut">
               <a:rPr lang="en-GB" smtClean="0"/>
-              <a:t>19/11/2024</a:t>
+              <a:t>25/11/2024</a:t>
             </a:fld>
             <a:endParaRPr lang="en-GB"/>
           </a:p>
@@ -4642,7 +4812,7 @@
           <a:p>
             <a:fld id="{6AA4FF8C-76F8-4426-9A00-CA37271CFF96}" type="datetimeFigureOut">
               <a:rPr lang="en-GB" smtClean="0"/>
-              <a:t>19/11/2024</a:t>
+              <a:t>25/11/2024</a:t>
             </a:fld>
             <a:endParaRPr lang="en-GB"/>
           </a:p>
@@ -6842,6 +7012,558 @@
                 <a:latin typeface="Roboto" panose="02000000000000000000" pitchFamily="2" charset="0"/>
                 <a:ea typeface="Roboto" panose="02000000000000000000" pitchFamily="2" charset="0"/>
               </a:rPr>
+              <a:t>for the Biosciences I</a:t>
+            </a:r>
+            <a:endParaRPr lang="en-GB" sz="4000" dirty="0">
+              <a:solidFill>
+                <a:schemeClr val="tx1">
+                  <a:lumMod val="85000"/>
+                  <a:lumOff val="15000"/>
+                </a:schemeClr>
+              </a:solidFill>
+              <a:latin typeface="Roboto" panose="02000000000000000000" pitchFamily="2" charset="0"/>
+              <a:ea typeface="Roboto" panose="02000000000000000000" pitchFamily="2" charset="0"/>
+            </a:endParaRPr>
+          </a:p>
+        </p:txBody>
+      </p:sp>
+      <p:sp>
+        <p:nvSpPr>
+          <p:cNvPr id="5" name="TextBox 4">
+            <a:extLst>
+              <a:ext uri="{FF2B5EF4-FFF2-40B4-BE49-F238E27FC236}">
+                <a16:creationId xmlns:a16="http://schemas.microsoft.com/office/drawing/2014/main" id="{408DECAB-5077-CD0A-7745-B04B3F5466C5}"/>
+              </a:ext>
+            </a:extLst>
+          </p:cNvPr>
+          <p:cNvSpPr txBox="1"/>
+          <p:nvPr/>
+        </p:nvSpPr>
+        <p:spPr>
+          <a:xfrm>
+            <a:off x="780836" y="4674742"/>
+            <a:ext cx="3377335" cy="923330"/>
+          </a:xfrm>
+          <a:prstGeom prst="rect">
+            <a:avLst/>
+          </a:prstGeom>
+          <a:noFill/>
+        </p:spPr>
+        <p:txBody>
+          <a:bodyPr wrap="none" rtlCol="0">
+            <a:spAutoFit/>
+          </a:bodyPr>
+          <a:lstStyle/>
+          <a:p>
+            <a:pPr marL="342900" indent="-342900">
+              <a:buFont typeface="+mj-lt"/>
+              <a:buAutoNum type="arabicPeriod" startAt="8"/>
+            </a:pPr>
+            <a:r>
+              <a:rPr lang="en-GB" b="1" dirty="0"/>
+              <a:t>Loops, Logic and Functions</a:t>
+            </a:r>
+          </a:p>
+          <a:p>
+            <a:pPr lvl="1"/>
+            <a:r>
+              <a:rPr lang="en-GB" dirty="0"/>
+              <a:t>8.4 Counting Motifs</a:t>
+            </a:r>
+          </a:p>
+          <a:p>
+            <a:pPr marL="800100" lvl="1" indent="-342900">
+              <a:buAutoNum type="arabicPeriod"/>
+            </a:pPr>
+            <a:endParaRPr lang="en-GB" dirty="0"/>
+          </a:p>
+        </p:txBody>
+      </p:sp>
+    </p:spTree>
+    <p:extLst>
+      <p:ext uri="{BB962C8B-B14F-4D97-AF65-F5344CB8AC3E}">
+        <p14:creationId xmlns:p14="http://schemas.microsoft.com/office/powerpoint/2010/main" val="2869183196"/>
+      </p:ext>
+    </p:extLst>
+  </p:cSld>
+  <p:clrMapOvr>
+    <a:masterClrMapping/>
+  </p:clrMapOvr>
+</p:sld>
+</file>
+
+<file path=ppt/slides/slide16.xml><?xml version="1.0" encoding="utf-8"?>
+<p:sld xmlns:a="http://schemas.openxmlformats.org/drawingml/2006/main" xmlns:r="http://schemas.openxmlformats.org/officeDocument/2006/relationships" xmlns:p="http://schemas.openxmlformats.org/presentationml/2006/main">
+  <p:cSld>
+    <p:spTree>
+      <p:nvGrpSpPr>
+        <p:cNvPr id="1" name=""/>
+        <p:cNvGrpSpPr/>
+        <p:nvPr/>
+      </p:nvGrpSpPr>
+      <p:grpSpPr>
+        <a:xfrm>
+          <a:off x="0" y="0"/>
+          <a:ext cx="0" cy="0"/>
+          <a:chOff x="0" y="0"/>
+          <a:chExt cx="0" cy="0"/>
+        </a:xfrm>
+      </p:grpSpPr>
+      <p:grpSp>
+        <p:nvGrpSpPr>
+          <p:cNvPr id="9" name="Group 8">
+            <a:extLst>
+              <a:ext uri="{FF2B5EF4-FFF2-40B4-BE49-F238E27FC236}">
+                <a16:creationId xmlns:a16="http://schemas.microsoft.com/office/drawing/2014/main" id="{77DB5CDF-12C9-369D-6411-E559D40492FA}"/>
+              </a:ext>
+            </a:extLst>
+          </p:cNvPr>
+          <p:cNvGrpSpPr/>
+          <p:nvPr/>
+        </p:nvGrpSpPr>
+        <p:grpSpPr>
+          <a:xfrm>
+            <a:off x="95250" y="0"/>
+            <a:ext cx="12096750" cy="6858000"/>
+            <a:chOff x="95250" y="0"/>
+            <a:chExt cx="12096750" cy="6858000"/>
+          </a:xfrm>
+        </p:grpSpPr>
+        <p:pic>
+          <p:nvPicPr>
+            <p:cNvPr id="7" name="Picture 6" descr="A black and white image of a city&#10;&#10;Description automatically generated">
+              <a:extLst>
+                <a:ext uri="{FF2B5EF4-FFF2-40B4-BE49-F238E27FC236}">
+                  <a16:creationId xmlns:a16="http://schemas.microsoft.com/office/drawing/2014/main" id="{6F3074F2-352F-43CF-AE6E-5ACC431A51FD}"/>
+                </a:ext>
+              </a:extLst>
+            </p:cNvPr>
+            <p:cNvPicPr>
+              <a:picLocks noChangeAspect="1"/>
+            </p:cNvPicPr>
+            <p:nvPr/>
+          </p:nvPicPr>
+          <p:blipFill>
+            <a:blip r:embed="rId3">
+              <a:extLst>
+                <a:ext uri="{28A0092B-C50C-407E-A947-70E740481C1C}">
+                  <a14:useLocalDpi xmlns:a14="http://schemas.microsoft.com/office/drawing/2010/main" val="0"/>
+                </a:ext>
+              </a:extLst>
+            </a:blip>
+            <a:stretch>
+              <a:fillRect/>
+            </a:stretch>
+          </p:blipFill>
+          <p:spPr>
+            <a:xfrm>
+              <a:off x="95250" y="0"/>
+              <a:ext cx="12001500" cy="6858000"/>
+            </a:xfrm>
+            <a:prstGeom prst="rect">
+              <a:avLst/>
+            </a:prstGeom>
+          </p:spPr>
+        </p:pic>
+        <p:sp>
+          <p:nvSpPr>
+            <p:cNvPr id="8" name="Rectangle 7">
+              <a:extLst>
+                <a:ext uri="{FF2B5EF4-FFF2-40B4-BE49-F238E27FC236}">
+                  <a16:creationId xmlns:a16="http://schemas.microsoft.com/office/drawing/2014/main" id="{CCD734EC-557E-F662-5781-FA8891F5EB16}"/>
+                </a:ext>
+              </a:extLst>
+            </p:cNvPr>
+            <p:cNvSpPr/>
+            <p:nvPr/>
+          </p:nvSpPr>
+          <p:spPr>
+            <a:xfrm>
+              <a:off x="297952" y="0"/>
+              <a:ext cx="11894048" cy="6858000"/>
+            </a:xfrm>
+            <a:prstGeom prst="rect">
+              <a:avLst/>
+            </a:prstGeom>
+            <a:gradFill flip="none" rotWithShape="1">
+              <a:gsLst>
+                <a:gs pos="20000">
+                  <a:schemeClr val="bg1"/>
+                </a:gs>
+                <a:gs pos="48000">
+                  <a:srgbClr val="FFFFFF">
+                    <a:alpha val="90000"/>
+                  </a:srgbClr>
+                </a:gs>
+                <a:gs pos="92000">
+                  <a:schemeClr val="bg1">
+                    <a:alpha val="0"/>
+                  </a:schemeClr>
+                </a:gs>
+              </a:gsLst>
+              <a:lin ang="0" scaled="1"/>
+              <a:tileRect/>
+            </a:gradFill>
+            <a:ln>
+              <a:noFill/>
+            </a:ln>
+          </p:spPr>
+          <p:style>
+            <a:lnRef idx="2">
+              <a:schemeClr val="accent1">
+                <a:shade val="15000"/>
+              </a:schemeClr>
+            </a:lnRef>
+            <a:fillRef idx="1">
+              <a:schemeClr val="accent1"/>
+            </a:fillRef>
+            <a:effectRef idx="0">
+              <a:schemeClr val="accent1"/>
+            </a:effectRef>
+            <a:fontRef idx="minor">
+              <a:schemeClr val="lt1"/>
+            </a:fontRef>
+          </p:style>
+          <p:txBody>
+            <a:bodyPr rtlCol="0" anchor="ctr"/>
+            <a:lstStyle/>
+            <a:p>
+              <a:pPr algn="ctr"/>
+              <a:endParaRPr lang="en-GB"/>
+            </a:p>
+          </p:txBody>
+        </p:sp>
+      </p:grpSp>
+      <p:sp>
+        <p:nvSpPr>
+          <p:cNvPr id="4" name="Title 1">
+            <a:extLst>
+              <a:ext uri="{FF2B5EF4-FFF2-40B4-BE49-F238E27FC236}">
+                <a16:creationId xmlns:a16="http://schemas.microsoft.com/office/drawing/2014/main" id="{96F8826D-2D91-AD9E-08AE-AA28F4E2C3FE}"/>
+              </a:ext>
+            </a:extLst>
+          </p:cNvPr>
+          <p:cNvSpPr>
+            <a:spLocks noGrp="1"/>
+          </p:cNvSpPr>
+          <p:nvPr>
+            <p:ph type="ctrTitle"/>
+          </p:nvPr>
+        </p:nvSpPr>
+        <p:spPr>
+          <a:xfrm>
+            <a:off x="657546" y="599609"/>
+            <a:ext cx="4479533" cy="3692028"/>
+          </a:xfrm>
+          <a:noFill/>
+        </p:spPr>
+        <p:txBody>
+          <a:bodyPr>
+            <a:normAutofit/>
+          </a:bodyPr>
+          <a:lstStyle/>
+          <a:p>
+            <a:pPr algn="l"/>
+            <a:r>
+              <a:rPr lang="en-GB" sz="4000" b="1" dirty="0">
+                <a:solidFill>
+                  <a:schemeClr val="tx1">
+                    <a:lumMod val="85000"/>
+                    <a:lumOff val="15000"/>
+                  </a:schemeClr>
+                </a:solidFill>
+                <a:latin typeface="Roboto" panose="02000000000000000000" pitchFamily="2" charset="0"/>
+                <a:ea typeface="Roboto" panose="02000000000000000000" pitchFamily="2" charset="0"/>
+              </a:rPr>
+              <a:t>Quantitative Skills </a:t>
+            </a:r>
+            <a:r>
+              <a:rPr lang="en-GB" sz="3200" dirty="0">
+                <a:solidFill>
+                  <a:schemeClr val="tx1">
+                    <a:lumMod val="85000"/>
+                    <a:lumOff val="15000"/>
+                  </a:schemeClr>
+                </a:solidFill>
+                <a:latin typeface="Roboto" panose="02000000000000000000" pitchFamily="2" charset="0"/>
+                <a:ea typeface="Roboto" panose="02000000000000000000" pitchFamily="2" charset="0"/>
+              </a:rPr>
+              <a:t>for the Biosciences I</a:t>
+            </a:r>
+            <a:endParaRPr lang="en-GB" sz="4000" dirty="0">
+              <a:solidFill>
+                <a:schemeClr val="tx1">
+                  <a:lumMod val="85000"/>
+                  <a:lumOff val="15000"/>
+                </a:schemeClr>
+              </a:solidFill>
+              <a:latin typeface="Roboto" panose="02000000000000000000" pitchFamily="2" charset="0"/>
+              <a:ea typeface="Roboto" panose="02000000000000000000" pitchFamily="2" charset="0"/>
+            </a:endParaRPr>
+          </a:p>
+        </p:txBody>
+      </p:sp>
+      <p:sp>
+        <p:nvSpPr>
+          <p:cNvPr id="5" name="TextBox 4">
+            <a:extLst>
+              <a:ext uri="{FF2B5EF4-FFF2-40B4-BE49-F238E27FC236}">
+                <a16:creationId xmlns:a16="http://schemas.microsoft.com/office/drawing/2014/main" id="{408DECAB-5077-CD0A-7745-B04B3F5466C5}"/>
+              </a:ext>
+            </a:extLst>
+          </p:cNvPr>
+          <p:cNvSpPr txBox="1"/>
+          <p:nvPr/>
+        </p:nvSpPr>
+        <p:spPr>
+          <a:xfrm>
+            <a:off x="780836" y="4674742"/>
+            <a:ext cx="3377335" cy="923330"/>
+          </a:xfrm>
+          <a:prstGeom prst="rect">
+            <a:avLst/>
+          </a:prstGeom>
+          <a:noFill/>
+        </p:spPr>
+        <p:txBody>
+          <a:bodyPr wrap="none" rtlCol="0">
+            <a:spAutoFit/>
+          </a:bodyPr>
+          <a:lstStyle/>
+          <a:p>
+            <a:pPr marL="342900" indent="-342900">
+              <a:buFont typeface="+mj-lt"/>
+              <a:buAutoNum type="arabicPeriod" startAt="8"/>
+            </a:pPr>
+            <a:r>
+              <a:rPr lang="en-GB" b="1" dirty="0"/>
+              <a:t>Loops, Logic and Functions</a:t>
+            </a:r>
+          </a:p>
+          <a:p>
+            <a:pPr lvl="1"/>
+            <a:r>
+              <a:rPr lang="en-GB" dirty="0"/>
+              <a:t>8.5 The Challenge</a:t>
+            </a:r>
+          </a:p>
+          <a:p>
+            <a:pPr marL="800100" lvl="1" indent="-342900">
+              <a:buAutoNum type="arabicPeriod"/>
+            </a:pPr>
+            <a:endParaRPr lang="en-GB" dirty="0"/>
+          </a:p>
+        </p:txBody>
+      </p:sp>
+    </p:spTree>
+    <p:extLst>
+      <p:ext uri="{BB962C8B-B14F-4D97-AF65-F5344CB8AC3E}">
+        <p14:creationId xmlns:p14="http://schemas.microsoft.com/office/powerpoint/2010/main" val="2547761387"/>
+      </p:ext>
+    </p:extLst>
+  </p:cSld>
+  <p:clrMapOvr>
+    <a:masterClrMapping/>
+  </p:clrMapOvr>
+</p:sld>
+</file>
+
+<file path=ppt/slides/slide17.xml><?xml version="1.0" encoding="utf-8"?>
+<p:sld xmlns:a="http://schemas.openxmlformats.org/drawingml/2006/main" xmlns:r="http://schemas.openxmlformats.org/officeDocument/2006/relationships" xmlns:p="http://schemas.openxmlformats.org/presentationml/2006/main">
+  <p:cSld>
+    <p:spTree>
+      <p:nvGrpSpPr>
+        <p:cNvPr id="1" name=""/>
+        <p:cNvGrpSpPr/>
+        <p:nvPr/>
+      </p:nvGrpSpPr>
+      <p:grpSpPr>
+        <a:xfrm>
+          <a:off x="0" y="0"/>
+          <a:ext cx="0" cy="0"/>
+          <a:chOff x="0" y="0"/>
+          <a:chExt cx="0" cy="0"/>
+        </a:xfrm>
+      </p:grpSpPr>
+      <p:grpSp>
+        <p:nvGrpSpPr>
+          <p:cNvPr id="9" name="Group 8">
+            <a:extLst>
+              <a:ext uri="{FF2B5EF4-FFF2-40B4-BE49-F238E27FC236}">
+                <a16:creationId xmlns:a16="http://schemas.microsoft.com/office/drawing/2014/main" id="{77DB5CDF-12C9-369D-6411-E559D40492FA}"/>
+              </a:ext>
+            </a:extLst>
+          </p:cNvPr>
+          <p:cNvGrpSpPr/>
+          <p:nvPr/>
+        </p:nvGrpSpPr>
+        <p:grpSpPr>
+          <a:xfrm>
+            <a:off x="95250" y="0"/>
+            <a:ext cx="12096750" cy="6858000"/>
+            <a:chOff x="95250" y="0"/>
+            <a:chExt cx="12096750" cy="6858000"/>
+          </a:xfrm>
+        </p:grpSpPr>
+        <p:pic>
+          <p:nvPicPr>
+            <p:cNvPr id="7" name="Picture 6" descr="A black and white image of a city&#10;&#10;Description automatically generated">
+              <a:extLst>
+                <a:ext uri="{FF2B5EF4-FFF2-40B4-BE49-F238E27FC236}">
+                  <a16:creationId xmlns:a16="http://schemas.microsoft.com/office/drawing/2014/main" id="{6F3074F2-352F-43CF-AE6E-5ACC431A51FD}"/>
+                </a:ext>
+              </a:extLst>
+            </p:cNvPr>
+            <p:cNvPicPr>
+              <a:picLocks noChangeAspect="1"/>
+            </p:cNvPicPr>
+            <p:nvPr/>
+          </p:nvPicPr>
+          <p:blipFill>
+            <a:blip r:embed="rId3">
+              <a:extLst>
+                <a:ext uri="{28A0092B-C50C-407E-A947-70E740481C1C}">
+                  <a14:useLocalDpi xmlns:a14="http://schemas.microsoft.com/office/drawing/2010/main" val="0"/>
+                </a:ext>
+              </a:extLst>
+            </a:blip>
+            <a:stretch>
+              <a:fillRect/>
+            </a:stretch>
+          </p:blipFill>
+          <p:spPr>
+            <a:xfrm>
+              <a:off x="95250" y="0"/>
+              <a:ext cx="12001500" cy="6858000"/>
+            </a:xfrm>
+            <a:prstGeom prst="rect">
+              <a:avLst/>
+            </a:prstGeom>
+          </p:spPr>
+        </p:pic>
+        <p:sp>
+          <p:nvSpPr>
+            <p:cNvPr id="8" name="Rectangle 7">
+              <a:extLst>
+                <a:ext uri="{FF2B5EF4-FFF2-40B4-BE49-F238E27FC236}">
+                  <a16:creationId xmlns:a16="http://schemas.microsoft.com/office/drawing/2014/main" id="{CCD734EC-557E-F662-5781-FA8891F5EB16}"/>
+                </a:ext>
+              </a:extLst>
+            </p:cNvPr>
+            <p:cNvSpPr/>
+            <p:nvPr/>
+          </p:nvSpPr>
+          <p:spPr>
+            <a:xfrm>
+              <a:off x="297952" y="0"/>
+              <a:ext cx="11894048" cy="6858000"/>
+            </a:xfrm>
+            <a:prstGeom prst="rect">
+              <a:avLst/>
+            </a:prstGeom>
+            <a:gradFill flip="none" rotWithShape="1">
+              <a:gsLst>
+                <a:gs pos="20000">
+                  <a:schemeClr val="bg1"/>
+                </a:gs>
+                <a:gs pos="48000">
+                  <a:srgbClr val="FFFFFF">
+                    <a:alpha val="90000"/>
+                  </a:srgbClr>
+                </a:gs>
+                <a:gs pos="92000">
+                  <a:schemeClr val="bg1">
+                    <a:alpha val="0"/>
+                  </a:schemeClr>
+                </a:gs>
+              </a:gsLst>
+              <a:lin ang="0" scaled="1"/>
+              <a:tileRect/>
+            </a:gradFill>
+            <a:ln>
+              <a:noFill/>
+            </a:ln>
+          </p:spPr>
+          <p:style>
+            <a:lnRef idx="2">
+              <a:schemeClr val="accent1">
+                <a:shade val="15000"/>
+              </a:schemeClr>
+            </a:lnRef>
+            <a:fillRef idx="1">
+              <a:schemeClr val="accent1"/>
+            </a:fillRef>
+            <a:effectRef idx="0">
+              <a:schemeClr val="accent1"/>
+            </a:effectRef>
+            <a:fontRef idx="minor">
+              <a:schemeClr val="lt1"/>
+            </a:fontRef>
+          </p:style>
+          <p:txBody>
+            <a:bodyPr rtlCol="0" anchor="ctr"/>
+            <a:lstStyle/>
+            <a:p>
+              <a:pPr algn="ctr"/>
+              <a:endParaRPr lang="en-GB"/>
+            </a:p>
+          </p:txBody>
+        </p:sp>
+      </p:grpSp>
+      <p:sp>
+        <p:nvSpPr>
+          <p:cNvPr id="4" name="Title 1">
+            <a:extLst>
+              <a:ext uri="{FF2B5EF4-FFF2-40B4-BE49-F238E27FC236}">
+                <a16:creationId xmlns:a16="http://schemas.microsoft.com/office/drawing/2014/main" id="{96F8826D-2D91-AD9E-08AE-AA28F4E2C3FE}"/>
+              </a:ext>
+            </a:extLst>
+          </p:cNvPr>
+          <p:cNvSpPr>
+            <a:spLocks noGrp="1"/>
+          </p:cNvSpPr>
+          <p:nvPr>
+            <p:ph type="ctrTitle"/>
+          </p:nvPr>
+        </p:nvSpPr>
+        <p:spPr>
+          <a:xfrm>
+            <a:off x="657546" y="599609"/>
+            <a:ext cx="4479533" cy="3692028"/>
+          </a:xfrm>
+          <a:noFill/>
+        </p:spPr>
+        <p:txBody>
+          <a:bodyPr>
+            <a:normAutofit/>
+          </a:bodyPr>
+          <a:lstStyle/>
+          <a:p>
+            <a:pPr algn="l"/>
+            <a:r>
+              <a:rPr lang="en-GB" sz="4000" b="1" dirty="0">
+                <a:solidFill>
+                  <a:schemeClr val="tx1">
+                    <a:lumMod val="85000"/>
+                    <a:lumOff val="15000"/>
+                  </a:schemeClr>
+                </a:solidFill>
+                <a:latin typeface="Roboto" panose="02000000000000000000" pitchFamily="2" charset="0"/>
+                <a:ea typeface="Roboto" panose="02000000000000000000" pitchFamily="2" charset="0"/>
+              </a:rPr>
+              <a:t>Quantitative Skills </a:t>
+            </a:r>
+            <a:r>
+              <a:rPr lang="en-GB" sz="3200" dirty="0">
+                <a:solidFill>
+                  <a:schemeClr val="tx1">
+                    <a:lumMod val="85000"/>
+                    <a:lumOff val="15000"/>
+                  </a:schemeClr>
+                </a:solidFill>
+                <a:latin typeface="Roboto" panose="02000000000000000000" pitchFamily="2" charset="0"/>
+                <a:ea typeface="Roboto" panose="02000000000000000000" pitchFamily="2" charset="0"/>
+              </a:rPr>
               <a:t>for the Biosciences</a:t>
             </a:r>
             <a:endParaRPr lang="en-GB" sz="4000" dirty="0">
@@ -6909,7 +7631,7 @@
 </p:sld>
 </file>
 
-<file path=ppt/slides/slide16.xml><?xml version="1.0" encoding="utf-8"?>
+<file path=ppt/slides/slide18.xml><?xml version="1.0" encoding="utf-8"?>
 <p:sld xmlns:a="http://schemas.openxmlformats.org/drawingml/2006/main" xmlns:r="http://schemas.openxmlformats.org/officeDocument/2006/relationships" xmlns:p="http://schemas.openxmlformats.org/presentationml/2006/main">
   <p:cSld>
     <p:spTree>

--- a/pptx/Quantitative Skills for the Biosciences I.pptx
+++ b/pptx/Quantitative Skills for the Biosciences I.pptx
@@ -5,7 +5,7 @@
     <p:sldMasterId id="2147483648" r:id="rId1"/>
   </p:sldMasterIdLst>
   <p:notesMasterIdLst>
-    <p:notesMasterId r:id="rId20"/>
+    <p:notesMasterId r:id="rId23"/>
   </p:notesMasterIdLst>
   <p:sldIdLst>
     <p:sldId id="265" r:id="rId2"/>
@@ -24,8 +24,11 @@
     <p:sldId id="272" r:id="rId15"/>
     <p:sldId id="273" r:id="rId16"/>
     <p:sldId id="274" r:id="rId17"/>
-    <p:sldId id="261" r:id="rId18"/>
-    <p:sldId id="262" r:id="rId19"/>
+    <p:sldId id="275" r:id="rId18"/>
+    <p:sldId id="277" r:id="rId19"/>
+    <p:sldId id="261" r:id="rId20"/>
+    <p:sldId id="276" r:id="rId21"/>
+    <p:sldId id="262" r:id="rId22"/>
   </p:sldIdLst>
   <p:sldSz cx="12192000" cy="6858000"/>
   <p:notesSz cx="6858000" cy="9144000"/>
@@ -214,7 +217,7 @@
           <a:p>
             <a:fld id="{E568910D-64C9-4DD4-83C5-A875B50009BA}" type="datetimeFigureOut">
               <a:rPr lang="en-GB" smtClean="0"/>
-              <a:t>25/11/2024</a:t>
+              <a:t>03/12/2024</a:t>
             </a:fld>
             <a:endParaRPr lang="en-GB"/>
           </a:p>
@@ -1228,7 +1231,7 @@
     </p:spTree>
     <p:extLst>
       <p:ext uri="{BB962C8B-B14F-4D97-AF65-F5344CB8AC3E}">
-        <p14:creationId xmlns:p14="http://schemas.microsoft.com/office/powerpoint/2010/main" val="1965393077"/>
+        <p14:creationId xmlns:p14="http://schemas.microsoft.com/office/powerpoint/2010/main" val="3615969325"/>
       </p:ext>
     </p:extLst>
   </p:cSld>
@@ -1312,7 +1315,91 @@
     </p:spTree>
     <p:extLst>
       <p:ext uri="{BB962C8B-B14F-4D97-AF65-F5344CB8AC3E}">
-        <p14:creationId xmlns:p14="http://schemas.microsoft.com/office/powerpoint/2010/main" val="4096779031"/>
+        <p14:creationId xmlns:p14="http://schemas.microsoft.com/office/powerpoint/2010/main" val="3193068744"/>
+      </p:ext>
+    </p:extLst>
+  </p:cSld>
+  <p:clrMapOvr>
+    <a:masterClrMapping/>
+  </p:clrMapOvr>
+</p:notes>
+</file>
+
+<file path=ppt/notesSlides/notesSlide19.xml><?xml version="1.0" encoding="utf-8"?>
+<p:notes xmlns:a="http://schemas.openxmlformats.org/drawingml/2006/main" xmlns:r="http://schemas.openxmlformats.org/officeDocument/2006/relationships" xmlns:p="http://schemas.openxmlformats.org/presentationml/2006/main">
+  <p:cSld>
+    <p:spTree>
+      <p:nvGrpSpPr>
+        <p:cNvPr id="1" name=""/>
+        <p:cNvGrpSpPr/>
+        <p:nvPr/>
+      </p:nvGrpSpPr>
+      <p:grpSpPr>
+        <a:xfrm>
+          <a:off x="0" y="0"/>
+          <a:ext cx="0" cy="0"/>
+          <a:chOff x="0" y="0"/>
+          <a:chExt cx="0" cy="0"/>
+        </a:xfrm>
+      </p:grpSpPr>
+      <p:sp>
+        <p:nvSpPr>
+          <p:cNvPr id="2" name="Slide Image Placeholder 1"/>
+          <p:cNvSpPr>
+            <a:spLocks noGrp="1" noRot="1" noChangeAspect="1"/>
+          </p:cNvSpPr>
+          <p:nvPr>
+            <p:ph type="sldImg"/>
+          </p:nvPr>
+        </p:nvSpPr>
+        <p:spPr/>
+      </p:sp>
+      <p:sp>
+        <p:nvSpPr>
+          <p:cNvPr id="3" name="Notes Placeholder 2"/>
+          <p:cNvSpPr>
+            <a:spLocks noGrp="1"/>
+          </p:cNvSpPr>
+          <p:nvPr>
+            <p:ph type="body" idx="1"/>
+          </p:nvPr>
+        </p:nvSpPr>
+        <p:spPr/>
+        <p:txBody>
+          <a:bodyPr/>
+          <a:lstStyle/>
+          <a:p>
+            <a:endParaRPr lang="en-GB" dirty="0"/>
+          </a:p>
+        </p:txBody>
+      </p:sp>
+      <p:sp>
+        <p:nvSpPr>
+          <p:cNvPr id="4" name="Slide Number Placeholder 3"/>
+          <p:cNvSpPr>
+            <a:spLocks noGrp="1"/>
+          </p:cNvSpPr>
+          <p:nvPr>
+            <p:ph type="sldNum" sz="quarter" idx="5"/>
+          </p:nvPr>
+        </p:nvSpPr>
+        <p:spPr/>
+        <p:txBody>
+          <a:bodyPr/>
+          <a:lstStyle/>
+          <a:p>
+            <a:fld id="{606A802C-DFC7-4B77-84E8-4D9D65A0AEB6}" type="slidenum">
+              <a:rPr lang="en-GB" smtClean="0"/>
+              <a:t>19</a:t>
+            </a:fld>
+            <a:endParaRPr lang="en-GB"/>
+          </a:p>
+        </p:txBody>
+      </p:sp>
+    </p:spTree>
+    <p:extLst>
+      <p:ext uri="{BB962C8B-B14F-4D97-AF65-F5344CB8AC3E}">
+        <p14:creationId xmlns:p14="http://schemas.microsoft.com/office/powerpoint/2010/main" val="1965393077"/>
       </p:ext>
     </p:extLst>
   </p:cSld>
@@ -1397,6 +1484,174 @@
     <p:extLst>
       <p:ext uri="{BB962C8B-B14F-4D97-AF65-F5344CB8AC3E}">
         <p14:creationId xmlns:p14="http://schemas.microsoft.com/office/powerpoint/2010/main" val="1781990620"/>
+      </p:ext>
+    </p:extLst>
+  </p:cSld>
+  <p:clrMapOvr>
+    <a:masterClrMapping/>
+  </p:clrMapOvr>
+</p:notes>
+</file>
+
+<file path=ppt/notesSlides/notesSlide20.xml><?xml version="1.0" encoding="utf-8"?>
+<p:notes xmlns:a="http://schemas.openxmlformats.org/drawingml/2006/main" xmlns:r="http://schemas.openxmlformats.org/officeDocument/2006/relationships" xmlns:p="http://schemas.openxmlformats.org/presentationml/2006/main">
+  <p:cSld>
+    <p:spTree>
+      <p:nvGrpSpPr>
+        <p:cNvPr id="1" name=""/>
+        <p:cNvGrpSpPr/>
+        <p:nvPr/>
+      </p:nvGrpSpPr>
+      <p:grpSpPr>
+        <a:xfrm>
+          <a:off x="0" y="0"/>
+          <a:ext cx="0" cy="0"/>
+          <a:chOff x="0" y="0"/>
+          <a:chExt cx="0" cy="0"/>
+        </a:xfrm>
+      </p:grpSpPr>
+      <p:sp>
+        <p:nvSpPr>
+          <p:cNvPr id="2" name="Slide Image Placeholder 1"/>
+          <p:cNvSpPr>
+            <a:spLocks noGrp="1" noRot="1" noChangeAspect="1"/>
+          </p:cNvSpPr>
+          <p:nvPr>
+            <p:ph type="sldImg"/>
+          </p:nvPr>
+        </p:nvSpPr>
+        <p:spPr/>
+      </p:sp>
+      <p:sp>
+        <p:nvSpPr>
+          <p:cNvPr id="3" name="Notes Placeholder 2"/>
+          <p:cNvSpPr>
+            <a:spLocks noGrp="1"/>
+          </p:cNvSpPr>
+          <p:nvPr>
+            <p:ph type="body" idx="1"/>
+          </p:nvPr>
+        </p:nvSpPr>
+        <p:spPr/>
+        <p:txBody>
+          <a:bodyPr/>
+          <a:lstStyle/>
+          <a:p>
+            <a:endParaRPr lang="en-GB" dirty="0"/>
+          </a:p>
+        </p:txBody>
+      </p:sp>
+      <p:sp>
+        <p:nvSpPr>
+          <p:cNvPr id="4" name="Slide Number Placeholder 3"/>
+          <p:cNvSpPr>
+            <a:spLocks noGrp="1"/>
+          </p:cNvSpPr>
+          <p:nvPr>
+            <p:ph type="sldNum" sz="quarter" idx="5"/>
+          </p:nvPr>
+        </p:nvSpPr>
+        <p:spPr/>
+        <p:txBody>
+          <a:bodyPr/>
+          <a:lstStyle/>
+          <a:p>
+            <a:fld id="{606A802C-DFC7-4B77-84E8-4D9D65A0AEB6}" type="slidenum">
+              <a:rPr lang="en-GB" smtClean="0"/>
+              <a:t>20</a:t>
+            </a:fld>
+            <a:endParaRPr lang="en-GB"/>
+          </a:p>
+        </p:txBody>
+      </p:sp>
+    </p:spTree>
+    <p:extLst>
+      <p:ext uri="{BB962C8B-B14F-4D97-AF65-F5344CB8AC3E}">
+        <p14:creationId xmlns:p14="http://schemas.microsoft.com/office/powerpoint/2010/main" val="1329598564"/>
+      </p:ext>
+    </p:extLst>
+  </p:cSld>
+  <p:clrMapOvr>
+    <a:masterClrMapping/>
+  </p:clrMapOvr>
+</p:notes>
+</file>
+
+<file path=ppt/notesSlides/notesSlide21.xml><?xml version="1.0" encoding="utf-8"?>
+<p:notes xmlns:a="http://schemas.openxmlformats.org/drawingml/2006/main" xmlns:r="http://schemas.openxmlformats.org/officeDocument/2006/relationships" xmlns:p="http://schemas.openxmlformats.org/presentationml/2006/main">
+  <p:cSld>
+    <p:spTree>
+      <p:nvGrpSpPr>
+        <p:cNvPr id="1" name=""/>
+        <p:cNvGrpSpPr/>
+        <p:nvPr/>
+      </p:nvGrpSpPr>
+      <p:grpSpPr>
+        <a:xfrm>
+          <a:off x="0" y="0"/>
+          <a:ext cx="0" cy="0"/>
+          <a:chOff x="0" y="0"/>
+          <a:chExt cx="0" cy="0"/>
+        </a:xfrm>
+      </p:grpSpPr>
+      <p:sp>
+        <p:nvSpPr>
+          <p:cNvPr id="2" name="Slide Image Placeholder 1"/>
+          <p:cNvSpPr>
+            <a:spLocks noGrp="1" noRot="1" noChangeAspect="1"/>
+          </p:cNvSpPr>
+          <p:nvPr>
+            <p:ph type="sldImg"/>
+          </p:nvPr>
+        </p:nvSpPr>
+        <p:spPr/>
+      </p:sp>
+      <p:sp>
+        <p:nvSpPr>
+          <p:cNvPr id="3" name="Notes Placeholder 2"/>
+          <p:cNvSpPr>
+            <a:spLocks noGrp="1"/>
+          </p:cNvSpPr>
+          <p:nvPr>
+            <p:ph type="body" idx="1"/>
+          </p:nvPr>
+        </p:nvSpPr>
+        <p:spPr/>
+        <p:txBody>
+          <a:bodyPr/>
+          <a:lstStyle/>
+          <a:p>
+            <a:endParaRPr lang="en-GB" dirty="0"/>
+          </a:p>
+        </p:txBody>
+      </p:sp>
+      <p:sp>
+        <p:nvSpPr>
+          <p:cNvPr id="4" name="Slide Number Placeholder 3"/>
+          <p:cNvSpPr>
+            <a:spLocks noGrp="1"/>
+          </p:cNvSpPr>
+          <p:nvPr>
+            <p:ph type="sldNum" sz="quarter" idx="5"/>
+          </p:nvPr>
+        </p:nvSpPr>
+        <p:spPr/>
+        <p:txBody>
+          <a:bodyPr/>
+          <a:lstStyle/>
+          <a:p>
+            <a:fld id="{606A802C-DFC7-4B77-84E8-4D9D65A0AEB6}" type="slidenum">
+              <a:rPr lang="en-GB" smtClean="0"/>
+              <a:t>21</a:t>
+            </a:fld>
+            <a:endParaRPr lang="en-GB"/>
+          </a:p>
+        </p:txBody>
+      </p:sp>
+    </p:spTree>
+    <p:extLst>
+      <p:ext uri="{BB962C8B-B14F-4D97-AF65-F5344CB8AC3E}">
+        <p14:creationId xmlns:p14="http://schemas.microsoft.com/office/powerpoint/2010/main" val="4096779031"/>
       </p:ext>
     </p:extLst>
   </p:cSld>
@@ -2143,7 +2398,7 @@
           <a:p>
             <a:fld id="{6AA4FF8C-76F8-4426-9A00-CA37271CFF96}" type="datetimeFigureOut">
               <a:rPr lang="en-GB" smtClean="0"/>
-              <a:t>25/11/2024</a:t>
+              <a:t>03/12/2024</a:t>
             </a:fld>
             <a:endParaRPr lang="en-GB"/>
           </a:p>
@@ -2343,7 +2598,7 @@
           <a:p>
             <a:fld id="{6AA4FF8C-76F8-4426-9A00-CA37271CFF96}" type="datetimeFigureOut">
               <a:rPr lang="en-GB" smtClean="0"/>
-              <a:t>25/11/2024</a:t>
+              <a:t>03/12/2024</a:t>
             </a:fld>
             <a:endParaRPr lang="en-GB"/>
           </a:p>
@@ -2553,7 +2808,7 @@
           <a:p>
             <a:fld id="{6AA4FF8C-76F8-4426-9A00-CA37271CFF96}" type="datetimeFigureOut">
               <a:rPr lang="en-GB" smtClean="0"/>
-              <a:t>25/11/2024</a:t>
+              <a:t>03/12/2024</a:t>
             </a:fld>
             <a:endParaRPr lang="en-GB"/>
           </a:p>
@@ -2753,7 +3008,7 @@
           <a:p>
             <a:fld id="{6AA4FF8C-76F8-4426-9A00-CA37271CFF96}" type="datetimeFigureOut">
               <a:rPr lang="en-GB" smtClean="0"/>
-              <a:t>25/11/2024</a:t>
+              <a:t>03/12/2024</a:t>
             </a:fld>
             <a:endParaRPr lang="en-GB"/>
           </a:p>
@@ -3029,7 +3284,7 @@
           <a:p>
             <a:fld id="{6AA4FF8C-76F8-4426-9A00-CA37271CFF96}" type="datetimeFigureOut">
               <a:rPr lang="en-GB" smtClean="0"/>
-              <a:t>25/11/2024</a:t>
+              <a:t>03/12/2024</a:t>
             </a:fld>
             <a:endParaRPr lang="en-GB"/>
           </a:p>
@@ -3297,7 +3552,7 @@
           <a:p>
             <a:fld id="{6AA4FF8C-76F8-4426-9A00-CA37271CFF96}" type="datetimeFigureOut">
               <a:rPr lang="en-GB" smtClean="0"/>
-              <a:t>25/11/2024</a:t>
+              <a:t>03/12/2024</a:t>
             </a:fld>
             <a:endParaRPr lang="en-GB"/>
           </a:p>
@@ -3712,7 +3967,7 @@
           <a:p>
             <a:fld id="{6AA4FF8C-76F8-4426-9A00-CA37271CFF96}" type="datetimeFigureOut">
               <a:rPr lang="en-GB" smtClean="0"/>
-              <a:t>25/11/2024</a:t>
+              <a:t>03/12/2024</a:t>
             </a:fld>
             <a:endParaRPr lang="en-GB"/>
           </a:p>
@@ -3854,7 +4109,7 @@
           <a:p>
             <a:fld id="{6AA4FF8C-76F8-4426-9A00-CA37271CFF96}" type="datetimeFigureOut">
               <a:rPr lang="en-GB" smtClean="0"/>
-              <a:t>25/11/2024</a:t>
+              <a:t>03/12/2024</a:t>
             </a:fld>
             <a:endParaRPr lang="en-GB"/>
           </a:p>
@@ -3967,7 +4222,7 @@
           <a:p>
             <a:fld id="{6AA4FF8C-76F8-4426-9A00-CA37271CFF96}" type="datetimeFigureOut">
               <a:rPr lang="en-GB" smtClean="0"/>
-              <a:t>25/11/2024</a:t>
+              <a:t>03/12/2024</a:t>
             </a:fld>
             <a:endParaRPr lang="en-GB"/>
           </a:p>
@@ -4280,7 +4535,7 @@
           <a:p>
             <a:fld id="{6AA4FF8C-76F8-4426-9A00-CA37271CFF96}" type="datetimeFigureOut">
               <a:rPr lang="en-GB" smtClean="0"/>
-              <a:t>25/11/2024</a:t>
+              <a:t>03/12/2024</a:t>
             </a:fld>
             <a:endParaRPr lang="en-GB"/>
           </a:p>
@@ -4569,7 +4824,7 @@
           <a:p>
             <a:fld id="{6AA4FF8C-76F8-4426-9A00-CA37271CFF96}" type="datetimeFigureOut">
               <a:rPr lang="en-GB" smtClean="0"/>
-              <a:t>25/11/2024</a:t>
+              <a:t>03/12/2024</a:t>
             </a:fld>
             <a:endParaRPr lang="en-GB"/>
           </a:p>
@@ -4812,7 +5067,7 @@
           <a:p>
             <a:fld id="{6AA4FF8C-76F8-4426-9A00-CA37271CFF96}" type="datetimeFigureOut">
               <a:rPr lang="en-GB" smtClean="0"/>
-              <a:t>25/11/2024</a:t>
+              <a:t>03/12/2024</a:t>
             </a:fld>
             <a:endParaRPr lang="en-GB"/>
           </a:p>
@@ -7399,7 +7654,7 @@
         </p:nvGrpSpPr>
         <p:grpSpPr>
           <a:xfrm>
-            <a:off x="95250" y="0"/>
+            <a:off x="233474" y="0"/>
             <a:ext cx="12096750" cy="6858000"/>
             <a:chOff x="95250" y="0"/>
             <a:chExt cx="12096750" cy="6858000"/>
@@ -7564,7 +7819,7 @@
                 <a:latin typeface="Roboto" panose="02000000000000000000" pitchFamily="2" charset="0"/>
                 <a:ea typeface="Roboto" panose="02000000000000000000" pitchFamily="2" charset="0"/>
               </a:rPr>
-              <a:t>for the Biosciences</a:t>
+              <a:t>for the Biosciences I</a:t>
             </a:r>
             <a:endParaRPr lang="en-GB" sz="4000" dirty="0">
               <a:solidFill>
@@ -7594,7 +7849,7 @@
         <p:spPr>
           <a:xfrm>
             <a:off x="780836" y="4674742"/>
-            <a:ext cx="2160656" cy="369332"/>
+            <a:ext cx="2907014" cy="923330"/>
           </a:xfrm>
           <a:prstGeom prst="rect">
             <a:avLst/>
@@ -7607,21 +7862,34 @@
           </a:bodyPr>
           <a:lstStyle/>
           <a:p>
-            <a:r>
-              <a:rPr lang="en-GB" dirty="0" err="1"/>
-              <a:t>Dr.</a:t>
-            </a:r>
+            <a:pPr marL="342900" indent="-342900">
+              <a:buFont typeface="+mj-lt"/>
+              <a:buAutoNum type="arabicPeriod" startAt="9"/>
+            </a:pPr>
+            <a:r>
+              <a:rPr lang="en-GB" b="1" dirty="0"/>
+              <a:t>Image Analysis in R</a:t>
+            </a:r>
+          </a:p>
+          <a:p>
+            <a:pPr lvl="1"/>
             <a:r>
               <a:rPr lang="en-GB" dirty="0"/>
-              <a:t> Robert Treharne</a:t>
-            </a:r>
+              <a:t>9.2 Scenario Extension</a:t>
+            </a:r>
+          </a:p>
+          <a:p>
+            <a:pPr marL="800100" lvl="1" indent="-342900">
+              <a:buAutoNum type="arabicPeriod"/>
+            </a:pPr>
+            <a:endParaRPr lang="en-GB" dirty="0"/>
           </a:p>
         </p:txBody>
       </p:sp>
     </p:spTree>
     <p:extLst>
       <p:ext uri="{BB962C8B-B14F-4D97-AF65-F5344CB8AC3E}">
-        <p14:creationId xmlns:p14="http://schemas.microsoft.com/office/powerpoint/2010/main" val="363068166"/>
+        <p14:creationId xmlns:p14="http://schemas.microsoft.com/office/powerpoint/2010/main" val="997621729"/>
       </p:ext>
     </p:extLst>
   </p:cSld>
@@ -7648,12 +7916,206 @@
           <a:chExt cx="0" cy="0"/>
         </a:xfrm>
       </p:grpSpPr>
-      <p:sp>
-        <p:nvSpPr>
-          <p:cNvPr id="6" name="TextBox 5">
-            <a:extLst>
-              <a:ext uri="{FF2B5EF4-FFF2-40B4-BE49-F238E27FC236}">
-                <a16:creationId xmlns:a16="http://schemas.microsoft.com/office/drawing/2014/main" id="{EDA1C10B-66DD-04C5-DCB5-A08E24C5FF35}"/>
+      <p:grpSp>
+        <p:nvGrpSpPr>
+          <p:cNvPr id="9" name="Group 8">
+            <a:extLst>
+              <a:ext uri="{FF2B5EF4-FFF2-40B4-BE49-F238E27FC236}">
+                <a16:creationId xmlns:a16="http://schemas.microsoft.com/office/drawing/2014/main" id="{77DB5CDF-12C9-369D-6411-E559D40492FA}"/>
+              </a:ext>
+            </a:extLst>
+          </p:cNvPr>
+          <p:cNvGrpSpPr/>
+          <p:nvPr/>
+        </p:nvGrpSpPr>
+        <p:grpSpPr>
+          <a:xfrm>
+            <a:off x="233474" y="0"/>
+            <a:ext cx="12096750" cy="6858000"/>
+            <a:chOff x="95250" y="0"/>
+            <a:chExt cx="12096750" cy="6858000"/>
+          </a:xfrm>
+        </p:grpSpPr>
+        <p:pic>
+          <p:nvPicPr>
+            <p:cNvPr id="7" name="Picture 6" descr="A black and white image of a city&#10;&#10;Description automatically generated">
+              <a:extLst>
+                <a:ext uri="{FF2B5EF4-FFF2-40B4-BE49-F238E27FC236}">
+                  <a16:creationId xmlns:a16="http://schemas.microsoft.com/office/drawing/2014/main" id="{6F3074F2-352F-43CF-AE6E-5ACC431A51FD}"/>
+                </a:ext>
+              </a:extLst>
+            </p:cNvPr>
+            <p:cNvPicPr>
+              <a:picLocks noChangeAspect="1"/>
+            </p:cNvPicPr>
+            <p:nvPr/>
+          </p:nvPicPr>
+          <p:blipFill>
+            <a:blip r:embed="rId3">
+              <a:extLst>
+                <a:ext uri="{28A0092B-C50C-407E-A947-70E740481C1C}">
+                  <a14:useLocalDpi xmlns:a14="http://schemas.microsoft.com/office/drawing/2010/main" val="0"/>
+                </a:ext>
+              </a:extLst>
+            </a:blip>
+            <a:stretch>
+              <a:fillRect/>
+            </a:stretch>
+          </p:blipFill>
+          <p:spPr>
+            <a:xfrm>
+              <a:off x="95250" y="0"/>
+              <a:ext cx="12001500" cy="6858000"/>
+            </a:xfrm>
+            <a:prstGeom prst="rect">
+              <a:avLst/>
+            </a:prstGeom>
+          </p:spPr>
+        </p:pic>
+        <p:sp>
+          <p:nvSpPr>
+            <p:cNvPr id="8" name="Rectangle 7">
+              <a:extLst>
+                <a:ext uri="{FF2B5EF4-FFF2-40B4-BE49-F238E27FC236}">
+                  <a16:creationId xmlns:a16="http://schemas.microsoft.com/office/drawing/2014/main" id="{CCD734EC-557E-F662-5781-FA8891F5EB16}"/>
+                </a:ext>
+              </a:extLst>
+            </p:cNvPr>
+            <p:cNvSpPr/>
+            <p:nvPr/>
+          </p:nvSpPr>
+          <p:spPr>
+            <a:xfrm>
+              <a:off x="297952" y="0"/>
+              <a:ext cx="11894048" cy="6858000"/>
+            </a:xfrm>
+            <a:prstGeom prst="rect">
+              <a:avLst/>
+            </a:prstGeom>
+            <a:gradFill flip="none" rotWithShape="1">
+              <a:gsLst>
+                <a:gs pos="20000">
+                  <a:schemeClr val="bg1"/>
+                </a:gs>
+                <a:gs pos="48000">
+                  <a:srgbClr val="FFFFFF">
+                    <a:alpha val="90000"/>
+                  </a:srgbClr>
+                </a:gs>
+                <a:gs pos="92000">
+                  <a:schemeClr val="bg1">
+                    <a:alpha val="0"/>
+                  </a:schemeClr>
+                </a:gs>
+              </a:gsLst>
+              <a:lin ang="0" scaled="1"/>
+              <a:tileRect/>
+            </a:gradFill>
+            <a:ln>
+              <a:noFill/>
+            </a:ln>
+          </p:spPr>
+          <p:style>
+            <a:lnRef idx="2">
+              <a:schemeClr val="accent1">
+                <a:shade val="15000"/>
+              </a:schemeClr>
+            </a:lnRef>
+            <a:fillRef idx="1">
+              <a:schemeClr val="accent1"/>
+            </a:fillRef>
+            <a:effectRef idx="0">
+              <a:schemeClr val="accent1"/>
+            </a:effectRef>
+            <a:fontRef idx="minor">
+              <a:schemeClr val="lt1"/>
+            </a:fontRef>
+          </p:style>
+          <p:txBody>
+            <a:bodyPr rtlCol="0" anchor="ctr"/>
+            <a:lstStyle/>
+            <a:p>
+              <a:pPr algn="ctr"/>
+              <a:endParaRPr lang="en-GB"/>
+            </a:p>
+          </p:txBody>
+        </p:sp>
+      </p:grpSp>
+      <p:sp>
+        <p:nvSpPr>
+          <p:cNvPr id="4" name="Title 1">
+            <a:extLst>
+              <a:ext uri="{FF2B5EF4-FFF2-40B4-BE49-F238E27FC236}">
+                <a16:creationId xmlns:a16="http://schemas.microsoft.com/office/drawing/2014/main" id="{96F8826D-2D91-AD9E-08AE-AA28F4E2C3FE}"/>
+              </a:ext>
+            </a:extLst>
+          </p:cNvPr>
+          <p:cNvSpPr>
+            <a:spLocks noGrp="1"/>
+          </p:cNvSpPr>
+          <p:nvPr>
+            <p:ph type="ctrTitle"/>
+          </p:nvPr>
+        </p:nvSpPr>
+        <p:spPr>
+          <a:xfrm>
+            <a:off x="657546" y="599609"/>
+            <a:ext cx="4479533" cy="3692028"/>
+          </a:xfrm>
+          <a:noFill/>
+        </p:spPr>
+        <p:txBody>
+          <a:bodyPr>
+            <a:normAutofit/>
+          </a:bodyPr>
+          <a:lstStyle/>
+          <a:p>
+            <a:pPr algn="l"/>
+            <a:r>
+              <a:rPr lang="en-GB" sz="4000" b="1" dirty="0">
+                <a:solidFill>
+                  <a:schemeClr val="tx1">
+                    <a:lumMod val="85000"/>
+                    <a:lumOff val="15000"/>
+                  </a:schemeClr>
+                </a:solidFill>
+                <a:latin typeface="Roboto" panose="02000000000000000000" pitchFamily="2" charset="0"/>
+                <a:ea typeface="Roboto" panose="02000000000000000000" pitchFamily="2" charset="0"/>
+              </a:rPr>
+              <a:t>Quantitative Skills </a:t>
+            </a:r>
+            <a:r>
+              <a:rPr lang="en-GB" sz="3200" dirty="0">
+                <a:solidFill>
+                  <a:schemeClr val="tx1">
+                    <a:lumMod val="85000"/>
+                    <a:lumOff val="15000"/>
+                  </a:schemeClr>
+                </a:solidFill>
+                <a:latin typeface="Roboto" panose="02000000000000000000" pitchFamily="2" charset="0"/>
+                <a:ea typeface="Roboto" panose="02000000000000000000" pitchFamily="2" charset="0"/>
+              </a:rPr>
+              <a:t>for the Biosciences I</a:t>
+            </a:r>
+            <a:endParaRPr lang="en-GB" sz="4000" dirty="0">
+              <a:solidFill>
+                <a:schemeClr val="tx1">
+                  <a:lumMod val="85000"/>
+                  <a:lumOff val="15000"/>
+                </a:schemeClr>
+              </a:solidFill>
+              <a:latin typeface="Roboto" panose="02000000000000000000" pitchFamily="2" charset="0"/>
+              <a:ea typeface="Roboto" panose="02000000000000000000" pitchFamily="2" charset="0"/>
+            </a:endParaRPr>
+          </a:p>
+        </p:txBody>
+      </p:sp>
+      <p:sp>
+        <p:nvSpPr>
+          <p:cNvPr id="5" name="TextBox 4">
+            <a:extLst>
+              <a:ext uri="{FF2B5EF4-FFF2-40B4-BE49-F238E27FC236}">
+                <a16:creationId xmlns:a16="http://schemas.microsoft.com/office/drawing/2014/main" id="{408DECAB-5077-CD0A-7745-B04B3F5466C5}"/>
               </a:ext>
             </a:extLst>
           </p:cNvPr>
@@ -7662,8 +8124,8 @@
         </p:nvSpPr>
         <p:spPr>
           <a:xfrm>
-            <a:off x="2934717" y="745724"/>
-            <a:ext cx="6322565" cy="800219"/>
+            <a:off x="780836" y="4674742"/>
+            <a:ext cx="3431837" cy="923330"/>
           </a:xfrm>
           <a:prstGeom prst="rect">
             <a:avLst/>
@@ -7676,238 +8138,34 @@
           </a:bodyPr>
           <a:lstStyle/>
           <a:p>
-            <a:pPr algn="ctr"/>
-            <a:r>
-              <a:rPr lang="en-GB" dirty="0">
-                <a:latin typeface="Roboto" panose="02000000000000000000" pitchFamily="2" charset="0"/>
-                <a:ea typeface="Roboto" panose="02000000000000000000" pitchFamily="2" charset="0"/>
-              </a:rPr>
-              <a:t>Welcome to </a:t>
-            </a:r>
-          </a:p>
-          <a:p>
-            <a:pPr algn="ctr"/>
-            <a:r>
-              <a:rPr lang="en-GB" sz="2800" b="1" dirty="0">
-                <a:latin typeface="Roboto" panose="02000000000000000000" pitchFamily="2" charset="0"/>
-                <a:ea typeface="Roboto" panose="02000000000000000000" pitchFamily="2" charset="0"/>
-              </a:rPr>
-              <a:t>Quantitative Skills for the Biosciences</a:t>
-            </a:r>
-          </a:p>
-        </p:txBody>
-      </p:sp>
-      <p:sp>
-        <p:nvSpPr>
-          <p:cNvPr id="10" name="TextBox 9">
-            <a:extLst>
-              <a:ext uri="{FF2B5EF4-FFF2-40B4-BE49-F238E27FC236}">
-                <a16:creationId xmlns:a16="http://schemas.microsoft.com/office/drawing/2014/main" id="{A0EAF4A1-E6A7-FD53-F6B5-EC2409A11224}"/>
-              </a:ext>
-            </a:extLst>
-          </p:cNvPr>
-          <p:cNvSpPr txBox="1"/>
-          <p:nvPr/>
-        </p:nvSpPr>
-        <p:spPr>
-          <a:xfrm>
-            <a:off x="2192784" y="1803647"/>
-            <a:ext cx="7917303" cy="4926990"/>
-          </a:xfrm>
-          <a:prstGeom prst="rect">
-            <a:avLst/>
-          </a:prstGeom>
-          <a:noFill/>
-        </p:spPr>
-        <p:txBody>
-          <a:bodyPr wrap="square" rtlCol="0">
-            <a:spAutoFit/>
-          </a:bodyPr>
-          <a:lstStyle/>
-          <a:p>
             <a:pPr marL="342900" indent="-342900">
-              <a:lnSpc>
-                <a:spcPct val="200000"/>
-              </a:lnSpc>
-              <a:buFont typeface="Arial" panose="020B0604020202020204" pitchFamily="34" charset="0"/>
-              <a:buChar char="•"/>
+              <a:buFont typeface="+mj-lt"/>
+              <a:buAutoNum type="arabicPeriod" startAt="9"/>
             </a:pPr>
             <a:r>
-              <a:rPr lang="en-GB" sz="2000" dirty="0">
-                <a:latin typeface="Roboto" panose="02000000000000000000" pitchFamily="2" charset="0"/>
-                <a:ea typeface="Roboto" panose="02000000000000000000" pitchFamily="2" charset="0"/>
-              </a:rPr>
-              <a:t>Led by </a:t>
-            </a:r>
-            <a:r>
-              <a:rPr lang="en-GB" sz="2000" dirty="0" err="1">
-                <a:latin typeface="Roboto" panose="02000000000000000000" pitchFamily="2" charset="0"/>
-                <a:ea typeface="Roboto" panose="02000000000000000000" pitchFamily="2" charset="0"/>
-              </a:rPr>
-              <a:t>Dr.</a:t>
-            </a:r>
-            <a:r>
-              <a:rPr lang="en-GB" sz="2000" dirty="0">
-                <a:latin typeface="Roboto" panose="02000000000000000000" pitchFamily="2" charset="0"/>
-                <a:ea typeface="Roboto" panose="02000000000000000000" pitchFamily="2" charset="0"/>
-              </a:rPr>
-              <a:t> Robert Treharne + Demonstrator Team</a:t>
-            </a:r>
-          </a:p>
-          <a:p>
-            <a:pPr marL="342900" indent="-342900">
-              <a:lnSpc>
-                <a:spcPct val="200000"/>
-              </a:lnSpc>
-              <a:buFont typeface="Arial" panose="020B0604020202020204" pitchFamily="34" charset="0"/>
-              <a:buChar char="•"/>
+              <a:rPr lang="en-GB" b="1" dirty="0"/>
+              <a:t>Image Analysis in R</a:t>
+            </a:r>
+          </a:p>
+          <a:p>
+            <a:pPr lvl="1"/>
+            <a:r>
+              <a:rPr lang="en-GB" dirty="0"/>
+              <a:t>POSIT CLOUD ALTERNATIVE</a:t>
+            </a:r>
+          </a:p>
+          <a:p>
+            <a:pPr marL="800100" lvl="1" indent="-342900">
+              <a:buAutoNum type="arabicPeriod"/>
             </a:pPr>
-            <a:r>
-              <a:rPr lang="en-GB" sz="2000" dirty="0">
-                <a:latin typeface="Roboto" panose="02000000000000000000" pitchFamily="2" charset="0"/>
-                <a:ea typeface="Roboto" panose="02000000000000000000" pitchFamily="2" charset="0"/>
-              </a:rPr>
-              <a:t>Part of your </a:t>
-            </a:r>
-            <a:r>
-              <a:rPr lang="en-GB" sz="2000" b="1" dirty="0">
-                <a:latin typeface="Roboto" panose="02000000000000000000" pitchFamily="2" charset="0"/>
-                <a:ea typeface="Roboto" panose="02000000000000000000" pitchFamily="2" charset="0"/>
-              </a:rPr>
-              <a:t>BIOS103</a:t>
-            </a:r>
-            <a:r>
-              <a:rPr lang="en-GB" sz="2000" dirty="0">
-                <a:latin typeface="Roboto" panose="02000000000000000000" pitchFamily="2" charset="0"/>
-                <a:ea typeface="Roboto" panose="02000000000000000000" pitchFamily="2" charset="0"/>
-              </a:rPr>
-              <a:t> Introductory Practical Skills Module (40%)</a:t>
-            </a:r>
-          </a:p>
-          <a:p>
-            <a:pPr marL="342900" indent="-342900">
-              <a:lnSpc>
-                <a:spcPct val="200000"/>
-              </a:lnSpc>
-              <a:buFont typeface="Arial" panose="020B0604020202020204" pitchFamily="34" charset="0"/>
-              <a:buChar char="•"/>
-            </a:pPr>
-            <a:r>
-              <a:rPr lang="en-GB" sz="2000" dirty="0">
-                <a:latin typeface="Roboto" panose="02000000000000000000" pitchFamily="2" charset="0"/>
-                <a:ea typeface="Roboto" panose="02000000000000000000" pitchFamily="2" charset="0"/>
-              </a:rPr>
-              <a:t>Online workshops via Teams. </a:t>
-            </a:r>
-            <a:r>
-              <a:rPr lang="en-GB" sz="2000" b="1" dirty="0">
-                <a:latin typeface="Roboto" panose="02000000000000000000" pitchFamily="2" charset="0"/>
-                <a:ea typeface="Roboto" panose="02000000000000000000" pitchFamily="2" charset="0"/>
-              </a:rPr>
-              <a:t>Thursday’s 9 – 11</a:t>
-            </a:r>
-            <a:r>
-              <a:rPr lang="en-GB" sz="2000" dirty="0">
-                <a:latin typeface="Roboto" panose="02000000000000000000" pitchFamily="2" charset="0"/>
-                <a:ea typeface="Roboto" panose="02000000000000000000" pitchFamily="2" charset="0"/>
-              </a:rPr>
-              <a:t>. Semester 1.</a:t>
-            </a:r>
-          </a:p>
-          <a:p>
-            <a:pPr marL="342900" indent="-342900">
-              <a:lnSpc>
-                <a:spcPct val="200000"/>
-              </a:lnSpc>
-              <a:buFont typeface="Arial" panose="020B0604020202020204" pitchFamily="34" charset="0"/>
-              <a:buChar char="•"/>
-            </a:pPr>
-            <a:r>
-              <a:rPr lang="en-GB" sz="2000" dirty="0">
-                <a:latin typeface="Roboto" panose="02000000000000000000" pitchFamily="2" charset="0"/>
-                <a:ea typeface="Roboto" panose="02000000000000000000" pitchFamily="2" charset="0"/>
-              </a:rPr>
-              <a:t>Optional attendance in person: </a:t>
-            </a:r>
-            <a:r>
-              <a:rPr lang="en-GB" sz="2000" b="1" dirty="0">
-                <a:latin typeface="Roboto" panose="02000000000000000000" pitchFamily="2" charset="0"/>
-                <a:ea typeface="Roboto" panose="02000000000000000000" pitchFamily="2" charset="0"/>
-              </a:rPr>
-              <a:t>Rendell PC Teaching Centre</a:t>
-            </a:r>
-            <a:r>
-              <a:rPr lang="en-GB" sz="2000" dirty="0">
-                <a:latin typeface="Roboto" panose="02000000000000000000" pitchFamily="2" charset="0"/>
-                <a:ea typeface="Roboto" panose="02000000000000000000" pitchFamily="2" charset="0"/>
-              </a:rPr>
-              <a:t>.</a:t>
-            </a:r>
-          </a:p>
-          <a:p>
-            <a:pPr marL="342900" indent="-342900">
-              <a:lnSpc>
-                <a:spcPct val="200000"/>
-              </a:lnSpc>
-              <a:buFont typeface="Arial" panose="020B0604020202020204" pitchFamily="34" charset="0"/>
-              <a:buChar char="•"/>
-            </a:pPr>
-            <a:r>
-              <a:rPr lang="en-GB" sz="2000" b="1" dirty="0">
-                <a:latin typeface="Roboto" panose="02000000000000000000" pitchFamily="2" charset="0"/>
-                <a:ea typeface="Roboto" panose="02000000000000000000" pitchFamily="2" charset="0"/>
-              </a:rPr>
-              <a:t>Weekly online tests</a:t>
-            </a:r>
-            <a:r>
-              <a:rPr lang="en-GB" sz="2000" dirty="0">
-                <a:latin typeface="Roboto" panose="02000000000000000000" pitchFamily="2" charset="0"/>
-                <a:ea typeface="Roboto" panose="02000000000000000000" pitchFamily="2" charset="0"/>
-              </a:rPr>
-              <a:t> (worth 4% each), over 10 weeks.</a:t>
-            </a:r>
-          </a:p>
-          <a:p>
-            <a:pPr>
-              <a:lnSpc>
-                <a:spcPct val="200000"/>
-              </a:lnSpc>
-            </a:pPr>
-            <a:endParaRPr lang="en-GB" sz="2000" dirty="0">
-              <a:latin typeface="Roboto" panose="02000000000000000000" pitchFamily="2" charset="0"/>
-              <a:ea typeface="Roboto" panose="02000000000000000000" pitchFamily="2" charset="0"/>
-            </a:endParaRPr>
-          </a:p>
-          <a:p>
-            <a:pPr marL="342900" indent="-342900">
-              <a:lnSpc>
-                <a:spcPct val="200000"/>
-              </a:lnSpc>
-              <a:buFont typeface="Arial" panose="020B0604020202020204" pitchFamily="34" charset="0"/>
-              <a:buChar char="•"/>
-            </a:pPr>
-            <a:endParaRPr lang="en-GB" sz="2000" dirty="0">
-              <a:latin typeface="Roboto" panose="02000000000000000000" pitchFamily="2" charset="0"/>
-              <a:ea typeface="Roboto" panose="02000000000000000000" pitchFamily="2" charset="0"/>
-            </a:endParaRPr>
-          </a:p>
-          <a:p>
-            <a:pPr>
-              <a:lnSpc>
-                <a:spcPct val="200000"/>
-              </a:lnSpc>
-            </a:pPr>
-            <a:endParaRPr lang="en-GB" sz="2000" dirty="0">
-              <a:latin typeface="Roboto" panose="02000000000000000000" pitchFamily="2" charset="0"/>
-              <a:ea typeface="Roboto" panose="02000000000000000000" pitchFamily="2" charset="0"/>
-            </a:endParaRPr>
+            <a:endParaRPr lang="en-GB" dirty="0"/>
           </a:p>
         </p:txBody>
       </p:sp>
     </p:spTree>
     <p:extLst>
       <p:ext uri="{BB962C8B-B14F-4D97-AF65-F5344CB8AC3E}">
-        <p14:creationId xmlns:p14="http://schemas.microsoft.com/office/powerpoint/2010/main" val="1885113794"/>
+        <p14:creationId xmlns:p14="http://schemas.microsoft.com/office/powerpoint/2010/main" val="2676964504"/>
       </p:ext>
     </p:extLst>
   </p:cSld>
@@ -7917,7 +8175,7 @@
 </p:sld>
 </file>
 
-<file path=ppt/slides/slide2.xml><?xml version="1.0" encoding="utf-8"?>
+<file path=ppt/slides/slide19.xml><?xml version="1.0" encoding="utf-8"?>
 <p:sld xmlns:a="http://schemas.openxmlformats.org/drawingml/2006/main" xmlns:r="http://schemas.openxmlformats.org/officeDocument/2006/relationships" xmlns:p="http://schemas.openxmlformats.org/presentationml/2006/main">
   <p:cSld>
     <p:spTree>
@@ -8113,7 +8371,7 @@
                 <a:latin typeface="Roboto" panose="02000000000000000000" pitchFamily="2" charset="0"/>
                 <a:ea typeface="Roboto" panose="02000000000000000000" pitchFamily="2" charset="0"/>
               </a:rPr>
-              <a:t>for the Biosciences I</a:t>
+              <a:t>for the Biosciences</a:t>
             </a:r>
             <a:endParaRPr lang="en-GB" sz="4000" dirty="0">
               <a:solidFill>
@@ -8143,6 +8401,269 @@
         <p:spPr>
           <a:xfrm>
             <a:off x="780836" y="4674742"/>
+            <a:ext cx="2160656" cy="369332"/>
+          </a:xfrm>
+          <a:prstGeom prst="rect">
+            <a:avLst/>
+          </a:prstGeom>
+          <a:noFill/>
+        </p:spPr>
+        <p:txBody>
+          <a:bodyPr wrap="none" rtlCol="0">
+            <a:spAutoFit/>
+          </a:bodyPr>
+          <a:lstStyle/>
+          <a:p>
+            <a:r>
+              <a:rPr lang="en-GB" dirty="0" err="1"/>
+              <a:t>Dr.</a:t>
+            </a:r>
+            <a:r>
+              <a:rPr lang="en-GB" dirty="0"/>
+              <a:t> Robert Treharne</a:t>
+            </a:r>
+          </a:p>
+        </p:txBody>
+      </p:sp>
+    </p:spTree>
+    <p:extLst>
+      <p:ext uri="{BB962C8B-B14F-4D97-AF65-F5344CB8AC3E}">
+        <p14:creationId xmlns:p14="http://schemas.microsoft.com/office/powerpoint/2010/main" val="363068166"/>
+      </p:ext>
+    </p:extLst>
+  </p:cSld>
+  <p:clrMapOvr>
+    <a:masterClrMapping/>
+  </p:clrMapOvr>
+</p:sld>
+</file>
+
+<file path=ppt/slides/slide2.xml><?xml version="1.0" encoding="utf-8"?>
+<p:sld xmlns:a="http://schemas.openxmlformats.org/drawingml/2006/main" xmlns:r="http://schemas.openxmlformats.org/officeDocument/2006/relationships" xmlns:p="http://schemas.openxmlformats.org/presentationml/2006/main">
+  <p:cSld>
+    <p:spTree>
+      <p:nvGrpSpPr>
+        <p:cNvPr id="1" name=""/>
+        <p:cNvGrpSpPr/>
+        <p:nvPr/>
+      </p:nvGrpSpPr>
+      <p:grpSpPr>
+        <a:xfrm>
+          <a:off x="0" y="0"/>
+          <a:ext cx="0" cy="0"/>
+          <a:chOff x="0" y="0"/>
+          <a:chExt cx="0" cy="0"/>
+        </a:xfrm>
+      </p:grpSpPr>
+      <p:grpSp>
+        <p:nvGrpSpPr>
+          <p:cNvPr id="9" name="Group 8">
+            <a:extLst>
+              <a:ext uri="{FF2B5EF4-FFF2-40B4-BE49-F238E27FC236}">
+                <a16:creationId xmlns:a16="http://schemas.microsoft.com/office/drawing/2014/main" id="{77DB5CDF-12C9-369D-6411-E559D40492FA}"/>
+              </a:ext>
+            </a:extLst>
+          </p:cNvPr>
+          <p:cNvGrpSpPr/>
+          <p:nvPr/>
+        </p:nvGrpSpPr>
+        <p:grpSpPr>
+          <a:xfrm>
+            <a:off x="95250" y="0"/>
+            <a:ext cx="12096750" cy="6858000"/>
+            <a:chOff x="95250" y="0"/>
+            <a:chExt cx="12096750" cy="6858000"/>
+          </a:xfrm>
+        </p:grpSpPr>
+        <p:pic>
+          <p:nvPicPr>
+            <p:cNvPr id="7" name="Picture 6" descr="A black and white image of a city&#10;&#10;Description automatically generated">
+              <a:extLst>
+                <a:ext uri="{FF2B5EF4-FFF2-40B4-BE49-F238E27FC236}">
+                  <a16:creationId xmlns:a16="http://schemas.microsoft.com/office/drawing/2014/main" id="{6F3074F2-352F-43CF-AE6E-5ACC431A51FD}"/>
+                </a:ext>
+              </a:extLst>
+            </p:cNvPr>
+            <p:cNvPicPr>
+              <a:picLocks noChangeAspect="1"/>
+            </p:cNvPicPr>
+            <p:nvPr/>
+          </p:nvPicPr>
+          <p:blipFill>
+            <a:blip r:embed="rId3">
+              <a:extLst>
+                <a:ext uri="{28A0092B-C50C-407E-A947-70E740481C1C}">
+                  <a14:useLocalDpi xmlns:a14="http://schemas.microsoft.com/office/drawing/2010/main" val="0"/>
+                </a:ext>
+              </a:extLst>
+            </a:blip>
+            <a:stretch>
+              <a:fillRect/>
+            </a:stretch>
+          </p:blipFill>
+          <p:spPr>
+            <a:xfrm>
+              <a:off x="95250" y="0"/>
+              <a:ext cx="12001500" cy="6858000"/>
+            </a:xfrm>
+            <a:prstGeom prst="rect">
+              <a:avLst/>
+            </a:prstGeom>
+          </p:spPr>
+        </p:pic>
+        <p:sp>
+          <p:nvSpPr>
+            <p:cNvPr id="8" name="Rectangle 7">
+              <a:extLst>
+                <a:ext uri="{FF2B5EF4-FFF2-40B4-BE49-F238E27FC236}">
+                  <a16:creationId xmlns:a16="http://schemas.microsoft.com/office/drawing/2014/main" id="{CCD734EC-557E-F662-5781-FA8891F5EB16}"/>
+                </a:ext>
+              </a:extLst>
+            </p:cNvPr>
+            <p:cNvSpPr/>
+            <p:nvPr/>
+          </p:nvSpPr>
+          <p:spPr>
+            <a:xfrm>
+              <a:off x="297952" y="0"/>
+              <a:ext cx="11894048" cy="6858000"/>
+            </a:xfrm>
+            <a:prstGeom prst="rect">
+              <a:avLst/>
+            </a:prstGeom>
+            <a:gradFill flip="none" rotWithShape="1">
+              <a:gsLst>
+                <a:gs pos="20000">
+                  <a:schemeClr val="bg1"/>
+                </a:gs>
+                <a:gs pos="48000">
+                  <a:srgbClr val="FFFFFF">
+                    <a:alpha val="90000"/>
+                  </a:srgbClr>
+                </a:gs>
+                <a:gs pos="92000">
+                  <a:schemeClr val="bg1">
+                    <a:alpha val="0"/>
+                  </a:schemeClr>
+                </a:gs>
+              </a:gsLst>
+              <a:lin ang="0" scaled="1"/>
+              <a:tileRect/>
+            </a:gradFill>
+            <a:ln>
+              <a:noFill/>
+            </a:ln>
+          </p:spPr>
+          <p:style>
+            <a:lnRef idx="2">
+              <a:schemeClr val="accent1">
+                <a:shade val="15000"/>
+              </a:schemeClr>
+            </a:lnRef>
+            <a:fillRef idx="1">
+              <a:schemeClr val="accent1"/>
+            </a:fillRef>
+            <a:effectRef idx="0">
+              <a:schemeClr val="accent1"/>
+            </a:effectRef>
+            <a:fontRef idx="minor">
+              <a:schemeClr val="lt1"/>
+            </a:fontRef>
+          </p:style>
+          <p:txBody>
+            <a:bodyPr rtlCol="0" anchor="ctr"/>
+            <a:lstStyle/>
+            <a:p>
+              <a:pPr algn="ctr"/>
+              <a:endParaRPr lang="en-GB"/>
+            </a:p>
+          </p:txBody>
+        </p:sp>
+      </p:grpSp>
+      <p:sp>
+        <p:nvSpPr>
+          <p:cNvPr id="4" name="Title 1">
+            <a:extLst>
+              <a:ext uri="{FF2B5EF4-FFF2-40B4-BE49-F238E27FC236}">
+                <a16:creationId xmlns:a16="http://schemas.microsoft.com/office/drawing/2014/main" id="{96F8826D-2D91-AD9E-08AE-AA28F4E2C3FE}"/>
+              </a:ext>
+            </a:extLst>
+          </p:cNvPr>
+          <p:cNvSpPr>
+            <a:spLocks noGrp="1"/>
+          </p:cNvSpPr>
+          <p:nvPr>
+            <p:ph type="ctrTitle"/>
+          </p:nvPr>
+        </p:nvSpPr>
+        <p:spPr>
+          <a:xfrm>
+            <a:off x="657546" y="599609"/>
+            <a:ext cx="4479533" cy="3692028"/>
+          </a:xfrm>
+          <a:noFill/>
+        </p:spPr>
+        <p:txBody>
+          <a:bodyPr>
+            <a:normAutofit/>
+          </a:bodyPr>
+          <a:lstStyle/>
+          <a:p>
+            <a:pPr algn="l"/>
+            <a:r>
+              <a:rPr lang="en-GB" sz="4000" b="1" dirty="0">
+                <a:solidFill>
+                  <a:schemeClr val="tx1">
+                    <a:lumMod val="85000"/>
+                    <a:lumOff val="15000"/>
+                  </a:schemeClr>
+                </a:solidFill>
+                <a:latin typeface="Roboto" panose="02000000000000000000" pitchFamily="2" charset="0"/>
+                <a:ea typeface="Roboto" panose="02000000000000000000" pitchFamily="2" charset="0"/>
+              </a:rPr>
+              <a:t>Quantitative Skills </a:t>
+            </a:r>
+            <a:r>
+              <a:rPr lang="en-GB" sz="3200" dirty="0">
+                <a:solidFill>
+                  <a:schemeClr val="tx1">
+                    <a:lumMod val="85000"/>
+                    <a:lumOff val="15000"/>
+                  </a:schemeClr>
+                </a:solidFill>
+                <a:latin typeface="Roboto" panose="02000000000000000000" pitchFamily="2" charset="0"/>
+                <a:ea typeface="Roboto" panose="02000000000000000000" pitchFamily="2" charset="0"/>
+              </a:rPr>
+              <a:t>for the Biosciences I</a:t>
+            </a:r>
+            <a:endParaRPr lang="en-GB" sz="4000" dirty="0">
+              <a:solidFill>
+                <a:schemeClr val="tx1">
+                  <a:lumMod val="85000"/>
+                  <a:lumOff val="15000"/>
+                </a:schemeClr>
+              </a:solidFill>
+              <a:latin typeface="Roboto" panose="02000000000000000000" pitchFamily="2" charset="0"/>
+              <a:ea typeface="Roboto" panose="02000000000000000000" pitchFamily="2" charset="0"/>
+            </a:endParaRPr>
+          </a:p>
+        </p:txBody>
+      </p:sp>
+      <p:sp>
+        <p:nvSpPr>
+          <p:cNvPr id="5" name="TextBox 4">
+            <a:extLst>
+              <a:ext uri="{FF2B5EF4-FFF2-40B4-BE49-F238E27FC236}">
+                <a16:creationId xmlns:a16="http://schemas.microsoft.com/office/drawing/2014/main" id="{408DECAB-5077-CD0A-7745-B04B3F5466C5}"/>
+              </a:ext>
+            </a:extLst>
+          </p:cNvPr>
+          <p:cNvSpPr txBox="1"/>
+          <p:nvPr/>
+        </p:nvSpPr>
+        <p:spPr>
+          <a:xfrm>
+            <a:off x="780836" y="4674742"/>
             <a:ext cx="4556376" cy="923330"/>
           </a:xfrm>
           <a:prstGeom prst="rect">
@@ -8184,6 +8705,555 @@
     <p:extLst>
       <p:ext uri="{BB962C8B-B14F-4D97-AF65-F5344CB8AC3E}">
         <p14:creationId xmlns:p14="http://schemas.microsoft.com/office/powerpoint/2010/main" val="948964309"/>
+      </p:ext>
+    </p:extLst>
+  </p:cSld>
+  <p:clrMapOvr>
+    <a:masterClrMapping/>
+  </p:clrMapOvr>
+</p:sld>
+</file>
+
+<file path=ppt/slides/slide20.xml><?xml version="1.0" encoding="utf-8"?>
+<p:sld xmlns:a="http://schemas.openxmlformats.org/drawingml/2006/main" xmlns:r="http://schemas.openxmlformats.org/officeDocument/2006/relationships" xmlns:p="http://schemas.openxmlformats.org/presentationml/2006/main">
+  <p:cSld>
+    <p:spTree>
+      <p:nvGrpSpPr>
+        <p:cNvPr id="1" name=""/>
+        <p:cNvGrpSpPr/>
+        <p:nvPr/>
+      </p:nvGrpSpPr>
+      <p:grpSpPr>
+        <a:xfrm>
+          <a:off x="0" y="0"/>
+          <a:ext cx="0" cy="0"/>
+          <a:chOff x="0" y="0"/>
+          <a:chExt cx="0" cy="0"/>
+        </a:xfrm>
+      </p:grpSpPr>
+      <p:grpSp>
+        <p:nvGrpSpPr>
+          <p:cNvPr id="9" name="Group 8">
+            <a:extLst>
+              <a:ext uri="{FF2B5EF4-FFF2-40B4-BE49-F238E27FC236}">
+                <a16:creationId xmlns:a16="http://schemas.microsoft.com/office/drawing/2014/main" id="{77DB5CDF-12C9-369D-6411-E559D40492FA}"/>
+              </a:ext>
+            </a:extLst>
+          </p:cNvPr>
+          <p:cNvGrpSpPr/>
+          <p:nvPr/>
+        </p:nvGrpSpPr>
+        <p:grpSpPr>
+          <a:xfrm>
+            <a:off x="95250" y="0"/>
+            <a:ext cx="12096750" cy="6858000"/>
+            <a:chOff x="95250" y="0"/>
+            <a:chExt cx="12096750" cy="6858000"/>
+          </a:xfrm>
+        </p:grpSpPr>
+        <p:pic>
+          <p:nvPicPr>
+            <p:cNvPr id="7" name="Picture 6" descr="A black and white image of a city&#10;&#10;Description automatically generated">
+              <a:extLst>
+                <a:ext uri="{FF2B5EF4-FFF2-40B4-BE49-F238E27FC236}">
+                  <a16:creationId xmlns:a16="http://schemas.microsoft.com/office/drawing/2014/main" id="{6F3074F2-352F-43CF-AE6E-5ACC431A51FD}"/>
+                </a:ext>
+              </a:extLst>
+            </p:cNvPr>
+            <p:cNvPicPr>
+              <a:picLocks noChangeAspect="1"/>
+            </p:cNvPicPr>
+            <p:nvPr/>
+          </p:nvPicPr>
+          <p:blipFill>
+            <a:blip r:embed="rId3">
+              <a:extLst>
+                <a:ext uri="{28A0092B-C50C-407E-A947-70E740481C1C}">
+                  <a14:useLocalDpi xmlns:a14="http://schemas.microsoft.com/office/drawing/2010/main" val="0"/>
+                </a:ext>
+              </a:extLst>
+            </a:blip>
+            <a:stretch>
+              <a:fillRect/>
+            </a:stretch>
+          </p:blipFill>
+          <p:spPr>
+            <a:xfrm>
+              <a:off x="95250" y="0"/>
+              <a:ext cx="12001500" cy="6858000"/>
+            </a:xfrm>
+            <a:prstGeom prst="rect">
+              <a:avLst/>
+            </a:prstGeom>
+          </p:spPr>
+        </p:pic>
+        <p:sp>
+          <p:nvSpPr>
+            <p:cNvPr id="8" name="Rectangle 7">
+              <a:extLst>
+                <a:ext uri="{FF2B5EF4-FFF2-40B4-BE49-F238E27FC236}">
+                  <a16:creationId xmlns:a16="http://schemas.microsoft.com/office/drawing/2014/main" id="{CCD734EC-557E-F662-5781-FA8891F5EB16}"/>
+                </a:ext>
+              </a:extLst>
+            </p:cNvPr>
+            <p:cNvSpPr/>
+            <p:nvPr/>
+          </p:nvSpPr>
+          <p:spPr>
+            <a:xfrm>
+              <a:off x="297952" y="0"/>
+              <a:ext cx="11894048" cy="6858000"/>
+            </a:xfrm>
+            <a:prstGeom prst="rect">
+              <a:avLst/>
+            </a:prstGeom>
+            <a:gradFill flip="none" rotWithShape="1">
+              <a:gsLst>
+                <a:gs pos="20000">
+                  <a:schemeClr val="bg1"/>
+                </a:gs>
+                <a:gs pos="48000">
+                  <a:srgbClr val="FFFFFF">
+                    <a:alpha val="90000"/>
+                  </a:srgbClr>
+                </a:gs>
+                <a:gs pos="92000">
+                  <a:schemeClr val="bg1">
+                    <a:alpha val="0"/>
+                  </a:schemeClr>
+                </a:gs>
+              </a:gsLst>
+              <a:lin ang="0" scaled="1"/>
+              <a:tileRect/>
+            </a:gradFill>
+            <a:ln>
+              <a:noFill/>
+            </a:ln>
+          </p:spPr>
+          <p:style>
+            <a:lnRef idx="2">
+              <a:schemeClr val="accent1">
+                <a:shade val="15000"/>
+              </a:schemeClr>
+            </a:lnRef>
+            <a:fillRef idx="1">
+              <a:schemeClr val="accent1"/>
+            </a:fillRef>
+            <a:effectRef idx="0">
+              <a:schemeClr val="accent1"/>
+            </a:effectRef>
+            <a:fontRef idx="minor">
+              <a:schemeClr val="lt1"/>
+            </a:fontRef>
+          </p:style>
+          <p:txBody>
+            <a:bodyPr rtlCol="0" anchor="ctr"/>
+            <a:lstStyle/>
+            <a:p>
+              <a:pPr algn="ctr"/>
+              <a:endParaRPr lang="en-GB"/>
+            </a:p>
+          </p:txBody>
+        </p:sp>
+      </p:grpSp>
+      <p:sp>
+        <p:nvSpPr>
+          <p:cNvPr id="4" name="Title 1">
+            <a:extLst>
+              <a:ext uri="{FF2B5EF4-FFF2-40B4-BE49-F238E27FC236}">
+                <a16:creationId xmlns:a16="http://schemas.microsoft.com/office/drawing/2014/main" id="{96F8826D-2D91-AD9E-08AE-AA28F4E2C3FE}"/>
+              </a:ext>
+            </a:extLst>
+          </p:cNvPr>
+          <p:cNvSpPr>
+            <a:spLocks noGrp="1"/>
+          </p:cNvSpPr>
+          <p:nvPr>
+            <p:ph type="ctrTitle"/>
+          </p:nvPr>
+        </p:nvSpPr>
+        <p:spPr>
+          <a:xfrm>
+            <a:off x="657546" y="599609"/>
+            <a:ext cx="4479533" cy="3692028"/>
+          </a:xfrm>
+          <a:noFill/>
+        </p:spPr>
+        <p:txBody>
+          <a:bodyPr>
+            <a:normAutofit/>
+          </a:bodyPr>
+          <a:lstStyle/>
+          <a:p>
+            <a:pPr algn="l"/>
+            <a:r>
+              <a:rPr lang="en-GB" sz="4000" b="1" dirty="0">
+                <a:solidFill>
+                  <a:schemeClr val="tx1">
+                    <a:lumMod val="85000"/>
+                    <a:lumOff val="15000"/>
+                  </a:schemeClr>
+                </a:solidFill>
+                <a:latin typeface="Roboto" panose="02000000000000000000" pitchFamily="2" charset="0"/>
+                <a:ea typeface="Roboto" panose="02000000000000000000" pitchFamily="2" charset="0"/>
+              </a:rPr>
+              <a:t>Quantitative Skills </a:t>
+            </a:r>
+            <a:r>
+              <a:rPr lang="en-GB" sz="3200" dirty="0">
+                <a:solidFill>
+                  <a:schemeClr val="tx1">
+                    <a:lumMod val="85000"/>
+                    <a:lumOff val="15000"/>
+                  </a:schemeClr>
+                </a:solidFill>
+                <a:latin typeface="Roboto" panose="02000000000000000000" pitchFamily="2" charset="0"/>
+                <a:ea typeface="Roboto" panose="02000000000000000000" pitchFamily="2" charset="0"/>
+              </a:rPr>
+              <a:t>for the Biosciences</a:t>
+            </a:r>
+            <a:endParaRPr lang="en-GB" sz="4000" dirty="0">
+              <a:solidFill>
+                <a:schemeClr val="tx1">
+                  <a:lumMod val="85000"/>
+                  <a:lumOff val="15000"/>
+                </a:schemeClr>
+              </a:solidFill>
+              <a:latin typeface="Roboto" panose="02000000000000000000" pitchFamily="2" charset="0"/>
+              <a:ea typeface="Roboto" panose="02000000000000000000" pitchFamily="2" charset="0"/>
+            </a:endParaRPr>
+          </a:p>
+        </p:txBody>
+      </p:sp>
+      <p:sp>
+        <p:nvSpPr>
+          <p:cNvPr id="5" name="TextBox 4">
+            <a:extLst>
+              <a:ext uri="{FF2B5EF4-FFF2-40B4-BE49-F238E27FC236}">
+                <a16:creationId xmlns:a16="http://schemas.microsoft.com/office/drawing/2014/main" id="{408DECAB-5077-CD0A-7745-B04B3F5466C5}"/>
+              </a:ext>
+            </a:extLst>
+          </p:cNvPr>
+          <p:cNvSpPr txBox="1"/>
+          <p:nvPr/>
+        </p:nvSpPr>
+        <p:spPr>
+          <a:xfrm>
+            <a:off x="780836" y="4674742"/>
+            <a:ext cx="2160656" cy="369332"/>
+          </a:xfrm>
+          <a:prstGeom prst="rect">
+            <a:avLst/>
+          </a:prstGeom>
+          <a:noFill/>
+        </p:spPr>
+        <p:txBody>
+          <a:bodyPr wrap="none" rtlCol="0">
+            <a:spAutoFit/>
+          </a:bodyPr>
+          <a:lstStyle/>
+          <a:p>
+            <a:r>
+              <a:rPr lang="en-GB" dirty="0" err="1"/>
+              <a:t>Dr.</a:t>
+            </a:r>
+            <a:r>
+              <a:rPr lang="en-GB" dirty="0"/>
+              <a:t> Robert Treharne</a:t>
+            </a:r>
+          </a:p>
+        </p:txBody>
+      </p:sp>
+    </p:spTree>
+    <p:extLst>
+      <p:ext uri="{BB962C8B-B14F-4D97-AF65-F5344CB8AC3E}">
+        <p14:creationId xmlns:p14="http://schemas.microsoft.com/office/powerpoint/2010/main" val="1258230166"/>
+      </p:ext>
+    </p:extLst>
+  </p:cSld>
+  <p:clrMapOvr>
+    <a:masterClrMapping/>
+  </p:clrMapOvr>
+</p:sld>
+</file>
+
+<file path=ppt/slides/slide21.xml><?xml version="1.0" encoding="utf-8"?>
+<p:sld xmlns:a="http://schemas.openxmlformats.org/drawingml/2006/main" xmlns:r="http://schemas.openxmlformats.org/officeDocument/2006/relationships" xmlns:p="http://schemas.openxmlformats.org/presentationml/2006/main">
+  <p:cSld>
+    <p:spTree>
+      <p:nvGrpSpPr>
+        <p:cNvPr id="1" name=""/>
+        <p:cNvGrpSpPr/>
+        <p:nvPr/>
+      </p:nvGrpSpPr>
+      <p:grpSpPr>
+        <a:xfrm>
+          <a:off x="0" y="0"/>
+          <a:ext cx="0" cy="0"/>
+          <a:chOff x="0" y="0"/>
+          <a:chExt cx="0" cy="0"/>
+        </a:xfrm>
+      </p:grpSpPr>
+      <p:sp>
+        <p:nvSpPr>
+          <p:cNvPr id="6" name="TextBox 5">
+            <a:extLst>
+              <a:ext uri="{FF2B5EF4-FFF2-40B4-BE49-F238E27FC236}">
+                <a16:creationId xmlns:a16="http://schemas.microsoft.com/office/drawing/2014/main" id="{EDA1C10B-66DD-04C5-DCB5-A08E24C5FF35}"/>
+              </a:ext>
+            </a:extLst>
+          </p:cNvPr>
+          <p:cNvSpPr txBox="1"/>
+          <p:nvPr/>
+        </p:nvSpPr>
+        <p:spPr>
+          <a:xfrm>
+            <a:off x="2934717" y="745724"/>
+            <a:ext cx="6322565" cy="800219"/>
+          </a:xfrm>
+          <a:prstGeom prst="rect">
+            <a:avLst/>
+          </a:prstGeom>
+          <a:noFill/>
+        </p:spPr>
+        <p:txBody>
+          <a:bodyPr wrap="none" rtlCol="0">
+            <a:spAutoFit/>
+          </a:bodyPr>
+          <a:lstStyle/>
+          <a:p>
+            <a:pPr algn="ctr"/>
+            <a:r>
+              <a:rPr lang="en-GB" dirty="0">
+                <a:latin typeface="Roboto" panose="02000000000000000000" pitchFamily="2" charset="0"/>
+                <a:ea typeface="Roboto" panose="02000000000000000000" pitchFamily="2" charset="0"/>
+              </a:rPr>
+              <a:t>Welcome to </a:t>
+            </a:r>
+          </a:p>
+          <a:p>
+            <a:pPr algn="ctr"/>
+            <a:r>
+              <a:rPr lang="en-GB" sz="2800" b="1" dirty="0">
+                <a:latin typeface="Roboto" panose="02000000000000000000" pitchFamily="2" charset="0"/>
+                <a:ea typeface="Roboto" panose="02000000000000000000" pitchFamily="2" charset="0"/>
+              </a:rPr>
+              <a:t>Quantitative Skills for the Biosciences</a:t>
+            </a:r>
+          </a:p>
+        </p:txBody>
+      </p:sp>
+      <p:sp>
+        <p:nvSpPr>
+          <p:cNvPr id="10" name="TextBox 9">
+            <a:extLst>
+              <a:ext uri="{FF2B5EF4-FFF2-40B4-BE49-F238E27FC236}">
+                <a16:creationId xmlns:a16="http://schemas.microsoft.com/office/drawing/2014/main" id="{A0EAF4A1-E6A7-FD53-F6B5-EC2409A11224}"/>
+              </a:ext>
+            </a:extLst>
+          </p:cNvPr>
+          <p:cNvSpPr txBox="1"/>
+          <p:nvPr/>
+        </p:nvSpPr>
+        <p:spPr>
+          <a:xfrm>
+            <a:off x="2192784" y="1803647"/>
+            <a:ext cx="7917303" cy="4926990"/>
+          </a:xfrm>
+          <a:prstGeom prst="rect">
+            <a:avLst/>
+          </a:prstGeom>
+          <a:noFill/>
+        </p:spPr>
+        <p:txBody>
+          <a:bodyPr wrap="square" rtlCol="0">
+            <a:spAutoFit/>
+          </a:bodyPr>
+          <a:lstStyle/>
+          <a:p>
+            <a:pPr marL="342900" indent="-342900">
+              <a:lnSpc>
+                <a:spcPct val="200000"/>
+              </a:lnSpc>
+              <a:buFont typeface="Arial" panose="020B0604020202020204" pitchFamily="34" charset="0"/>
+              <a:buChar char="•"/>
+            </a:pPr>
+            <a:r>
+              <a:rPr lang="en-GB" sz="2000" dirty="0">
+                <a:latin typeface="Roboto" panose="02000000000000000000" pitchFamily="2" charset="0"/>
+                <a:ea typeface="Roboto" panose="02000000000000000000" pitchFamily="2" charset="0"/>
+              </a:rPr>
+              <a:t>Led by </a:t>
+            </a:r>
+            <a:r>
+              <a:rPr lang="en-GB" sz="2000" dirty="0" err="1">
+                <a:latin typeface="Roboto" panose="02000000000000000000" pitchFamily="2" charset="0"/>
+                <a:ea typeface="Roboto" panose="02000000000000000000" pitchFamily="2" charset="0"/>
+              </a:rPr>
+              <a:t>Dr.</a:t>
+            </a:r>
+            <a:r>
+              <a:rPr lang="en-GB" sz="2000" dirty="0">
+                <a:latin typeface="Roboto" panose="02000000000000000000" pitchFamily="2" charset="0"/>
+                <a:ea typeface="Roboto" panose="02000000000000000000" pitchFamily="2" charset="0"/>
+              </a:rPr>
+              <a:t> Robert Treharne + Demonstrator Team</a:t>
+            </a:r>
+          </a:p>
+          <a:p>
+            <a:pPr marL="342900" indent="-342900">
+              <a:lnSpc>
+                <a:spcPct val="200000"/>
+              </a:lnSpc>
+              <a:buFont typeface="Arial" panose="020B0604020202020204" pitchFamily="34" charset="0"/>
+              <a:buChar char="•"/>
+            </a:pPr>
+            <a:r>
+              <a:rPr lang="en-GB" sz="2000" dirty="0">
+                <a:latin typeface="Roboto" panose="02000000000000000000" pitchFamily="2" charset="0"/>
+                <a:ea typeface="Roboto" panose="02000000000000000000" pitchFamily="2" charset="0"/>
+              </a:rPr>
+              <a:t>Part of your </a:t>
+            </a:r>
+            <a:r>
+              <a:rPr lang="en-GB" sz="2000" b="1" dirty="0">
+                <a:latin typeface="Roboto" panose="02000000000000000000" pitchFamily="2" charset="0"/>
+                <a:ea typeface="Roboto" panose="02000000000000000000" pitchFamily="2" charset="0"/>
+              </a:rPr>
+              <a:t>BIOS103</a:t>
+            </a:r>
+            <a:r>
+              <a:rPr lang="en-GB" sz="2000" dirty="0">
+                <a:latin typeface="Roboto" panose="02000000000000000000" pitchFamily="2" charset="0"/>
+                <a:ea typeface="Roboto" panose="02000000000000000000" pitchFamily="2" charset="0"/>
+              </a:rPr>
+              <a:t> Introductory Practical Skills Module (40%)</a:t>
+            </a:r>
+          </a:p>
+          <a:p>
+            <a:pPr marL="342900" indent="-342900">
+              <a:lnSpc>
+                <a:spcPct val="200000"/>
+              </a:lnSpc>
+              <a:buFont typeface="Arial" panose="020B0604020202020204" pitchFamily="34" charset="0"/>
+              <a:buChar char="•"/>
+            </a:pPr>
+            <a:r>
+              <a:rPr lang="en-GB" sz="2000" dirty="0">
+                <a:latin typeface="Roboto" panose="02000000000000000000" pitchFamily="2" charset="0"/>
+                <a:ea typeface="Roboto" panose="02000000000000000000" pitchFamily="2" charset="0"/>
+              </a:rPr>
+              <a:t>Online workshops via Teams. </a:t>
+            </a:r>
+            <a:r>
+              <a:rPr lang="en-GB" sz="2000" b="1" dirty="0">
+                <a:latin typeface="Roboto" panose="02000000000000000000" pitchFamily="2" charset="0"/>
+                <a:ea typeface="Roboto" panose="02000000000000000000" pitchFamily="2" charset="0"/>
+              </a:rPr>
+              <a:t>Thursday’s 9 – 11</a:t>
+            </a:r>
+            <a:r>
+              <a:rPr lang="en-GB" sz="2000" dirty="0">
+                <a:latin typeface="Roboto" panose="02000000000000000000" pitchFamily="2" charset="0"/>
+                <a:ea typeface="Roboto" panose="02000000000000000000" pitchFamily="2" charset="0"/>
+              </a:rPr>
+              <a:t>. Semester 1.</a:t>
+            </a:r>
+          </a:p>
+          <a:p>
+            <a:pPr marL="342900" indent="-342900">
+              <a:lnSpc>
+                <a:spcPct val="200000"/>
+              </a:lnSpc>
+              <a:buFont typeface="Arial" panose="020B0604020202020204" pitchFamily="34" charset="0"/>
+              <a:buChar char="•"/>
+            </a:pPr>
+            <a:r>
+              <a:rPr lang="en-GB" sz="2000" dirty="0">
+                <a:latin typeface="Roboto" panose="02000000000000000000" pitchFamily="2" charset="0"/>
+                <a:ea typeface="Roboto" panose="02000000000000000000" pitchFamily="2" charset="0"/>
+              </a:rPr>
+              <a:t>Optional attendance in person: </a:t>
+            </a:r>
+            <a:r>
+              <a:rPr lang="en-GB" sz="2000" b="1" dirty="0">
+                <a:latin typeface="Roboto" panose="02000000000000000000" pitchFamily="2" charset="0"/>
+                <a:ea typeface="Roboto" panose="02000000000000000000" pitchFamily="2" charset="0"/>
+              </a:rPr>
+              <a:t>Rendell PC Teaching Centre</a:t>
+            </a:r>
+            <a:r>
+              <a:rPr lang="en-GB" sz="2000" dirty="0">
+                <a:latin typeface="Roboto" panose="02000000000000000000" pitchFamily="2" charset="0"/>
+                <a:ea typeface="Roboto" panose="02000000000000000000" pitchFamily="2" charset="0"/>
+              </a:rPr>
+              <a:t>.</a:t>
+            </a:r>
+          </a:p>
+          <a:p>
+            <a:pPr marL="342900" indent="-342900">
+              <a:lnSpc>
+                <a:spcPct val="200000"/>
+              </a:lnSpc>
+              <a:buFont typeface="Arial" panose="020B0604020202020204" pitchFamily="34" charset="0"/>
+              <a:buChar char="•"/>
+            </a:pPr>
+            <a:r>
+              <a:rPr lang="en-GB" sz="2000" b="1" dirty="0">
+                <a:latin typeface="Roboto" panose="02000000000000000000" pitchFamily="2" charset="0"/>
+                <a:ea typeface="Roboto" panose="02000000000000000000" pitchFamily="2" charset="0"/>
+              </a:rPr>
+              <a:t>Weekly online tests</a:t>
+            </a:r>
+            <a:r>
+              <a:rPr lang="en-GB" sz="2000" dirty="0">
+                <a:latin typeface="Roboto" panose="02000000000000000000" pitchFamily="2" charset="0"/>
+                <a:ea typeface="Roboto" panose="02000000000000000000" pitchFamily="2" charset="0"/>
+              </a:rPr>
+              <a:t> (worth 4% each), over 10 weeks.</a:t>
+            </a:r>
+          </a:p>
+          <a:p>
+            <a:pPr>
+              <a:lnSpc>
+                <a:spcPct val="200000"/>
+              </a:lnSpc>
+            </a:pPr>
+            <a:endParaRPr lang="en-GB" sz="2000" dirty="0">
+              <a:latin typeface="Roboto" panose="02000000000000000000" pitchFamily="2" charset="0"/>
+              <a:ea typeface="Roboto" panose="02000000000000000000" pitchFamily="2" charset="0"/>
+            </a:endParaRPr>
+          </a:p>
+          <a:p>
+            <a:pPr marL="342900" indent="-342900">
+              <a:lnSpc>
+                <a:spcPct val="200000"/>
+              </a:lnSpc>
+              <a:buFont typeface="Arial" panose="020B0604020202020204" pitchFamily="34" charset="0"/>
+              <a:buChar char="•"/>
+            </a:pPr>
+            <a:endParaRPr lang="en-GB" sz="2000" dirty="0">
+              <a:latin typeface="Roboto" panose="02000000000000000000" pitchFamily="2" charset="0"/>
+              <a:ea typeface="Roboto" panose="02000000000000000000" pitchFamily="2" charset="0"/>
+            </a:endParaRPr>
+          </a:p>
+          <a:p>
+            <a:pPr>
+              <a:lnSpc>
+                <a:spcPct val="200000"/>
+              </a:lnSpc>
+            </a:pPr>
+            <a:endParaRPr lang="en-GB" sz="2000" dirty="0">
+              <a:latin typeface="Roboto" panose="02000000000000000000" pitchFamily="2" charset="0"/>
+              <a:ea typeface="Roboto" panose="02000000000000000000" pitchFamily="2" charset="0"/>
+            </a:endParaRPr>
+          </a:p>
+        </p:txBody>
+      </p:sp>
+    </p:spTree>
+    <p:extLst>
+      <p:ext uri="{BB962C8B-B14F-4D97-AF65-F5344CB8AC3E}">
+        <p14:creationId xmlns:p14="http://schemas.microsoft.com/office/powerpoint/2010/main" val="1885113794"/>
       </p:ext>
     </p:extLst>
   </p:cSld>

--- a/pptx/Quantitative Skills for the Biosciences I.pptx
+++ b/pptx/Quantitative Skills for the Biosciences I.pptx
@@ -217,7 +217,7 @@
           <a:p>
             <a:fld id="{E568910D-64C9-4DD4-83C5-A875B50009BA}" type="datetimeFigureOut">
               <a:rPr lang="en-GB" smtClean="0"/>
-              <a:t>03/12/2024</a:t>
+              <a:t>11/12/2024</a:t>
             </a:fld>
             <a:endParaRPr lang="en-GB"/>
           </a:p>
@@ -2398,7 +2398,7 @@
           <a:p>
             <a:fld id="{6AA4FF8C-76F8-4426-9A00-CA37271CFF96}" type="datetimeFigureOut">
               <a:rPr lang="en-GB" smtClean="0"/>
-              <a:t>03/12/2024</a:t>
+              <a:t>11/12/2024</a:t>
             </a:fld>
             <a:endParaRPr lang="en-GB"/>
           </a:p>
@@ -2598,7 +2598,7 @@
           <a:p>
             <a:fld id="{6AA4FF8C-76F8-4426-9A00-CA37271CFF96}" type="datetimeFigureOut">
               <a:rPr lang="en-GB" smtClean="0"/>
-              <a:t>03/12/2024</a:t>
+              <a:t>11/12/2024</a:t>
             </a:fld>
             <a:endParaRPr lang="en-GB"/>
           </a:p>
@@ -2808,7 +2808,7 @@
           <a:p>
             <a:fld id="{6AA4FF8C-76F8-4426-9A00-CA37271CFF96}" type="datetimeFigureOut">
               <a:rPr lang="en-GB" smtClean="0"/>
-              <a:t>03/12/2024</a:t>
+              <a:t>11/12/2024</a:t>
             </a:fld>
             <a:endParaRPr lang="en-GB"/>
           </a:p>
@@ -3008,7 +3008,7 @@
           <a:p>
             <a:fld id="{6AA4FF8C-76F8-4426-9A00-CA37271CFF96}" type="datetimeFigureOut">
               <a:rPr lang="en-GB" smtClean="0"/>
-              <a:t>03/12/2024</a:t>
+              <a:t>11/12/2024</a:t>
             </a:fld>
             <a:endParaRPr lang="en-GB"/>
           </a:p>
@@ -3284,7 +3284,7 @@
           <a:p>
             <a:fld id="{6AA4FF8C-76F8-4426-9A00-CA37271CFF96}" type="datetimeFigureOut">
               <a:rPr lang="en-GB" smtClean="0"/>
-              <a:t>03/12/2024</a:t>
+              <a:t>11/12/2024</a:t>
             </a:fld>
             <a:endParaRPr lang="en-GB"/>
           </a:p>
@@ -3552,7 +3552,7 @@
           <a:p>
             <a:fld id="{6AA4FF8C-76F8-4426-9A00-CA37271CFF96}" type="datetimeFigureOut">
               <a:rPr lang="en-GB" smtClean="0"/>
-              <a:t>03/12/2024</a:t>
+              <a:t>11/12/2024</a:t>
             </a:fld>
             <a:endParaRPr lang="en-GB"/>
           </a:p>
@@ -3967,7 +3967,7 @@
           <a:p>
             <a:fld id="{6AA4FF8C-76F8-4426-9A00-CA37271CFF96}" type="datetimeFigureOut">
               <a:rPr lang="en-GB" smtClean="0"/>
-              <a:t>03/12/2024</a:t>
+              <a:t>11/12/2024</a:t>
             </a:fld>
             <a:endParaRPr lang="en-GB"/>
           </a:p>
@@ -4109,7 +4109,7 @@
           <a:p>
             <a:fld id="{6AA4FF8C-76F8-4426-9A00-CA37271CFF96}" type="datetimeFigureOut">
               <a:rPr lang="en-GB" smtClean="0"/>
-              <a:t>03/12/2024</a:t>
+              <a:t>11/12/2024</a:t>
             </a:fld>
             <a:endParaRPr lang="en-GB"/>
           </a:p>
@@ -4222,7 +4222,7 @@
           <a:p>
             <a:fld id="{6AA4FF8C-76F8-4426-9A00-CA37271CFF96}" type="datetimeFigureOut">
               <a:rPr lang="en-GB" smtClean="0"/>
-              <a:t>03/12/2024</a:t>
+              <a:t>11/12/2024</a:t>
             </a:fld>
             <a:endParaRPr lang="en-GB"/>
           </a:p>
@@ -4535,7 +4535,7 @@
           <a:p>
             <a:fld id="{6AA4FF8C-76F8-4426-9A00-CA37271CFF96}" type="datetimeFigureOut">
               <a:rPr lang="en-GB" smtClean="0"/>
-              <a:t>03/12/2024</a:t>
+              <a:t>11/12/2024</a:t>
             </a:fld>
             <a:endParaRPr lang="en-GB"/>
           </a:p>
@@ -4824,7 +4824,7 @@
           <a:p>
             <a:fld id="{6AA4FF8C-76F8-4426-9A00-CA37271CFF96}" type="datetimeFigureOut">
               <a:rPr lang="en-GB" smtClean="0"/>
-              <a:t>03/12/2024</a:t>
+              <a:t>11/12/2024</a:t>
             </a:fld>
             <a:endParaRPr lang="en-GB"/>
           </a:p>
@@ -5067,7 +5067,7 @@
           <a:p>
             <a:fld id="{6AA4FF8C-76F8-4426-9A00-CA37271CFF96}" type="datetimeFigureOut">
               <a:rPr lang="en-GB" smtClean="0"/>
-              <a:t>03/12/2024</a:t>
+              <a:t>11/12/2024</a:t>
             </a:fld>
             <a:endParaRPr lang="en-GB"/>
           </a:p>
@@ -7849,7 +7849,7 @@
         <p:spPr>
           <a:xfrm>
             <a:off x="780836" y="4674742"/>
-            <a:ext cx="2907014" cy="923330"/>
+            <a:ext cx="1806905" cy="646331"/>
           </a:xfrm>
           <a:prstGeom prst="rect">
             <a:avLst/>
@@ -7864,18 +7864,11 @@
           <a:p>
             <a:pPr marL="342900" indent="-342900">
               <a:buFont typeface="+mj-lt"/>
-              <a:buAutoNum type="arabicPeriod" startAt="9"/>
+              <a:buAutoNum type="arabicPeriod" startAt="10"/>
             </a:pPr>
             <a:r>
               <a:rPr lang="en-GB" b="1" dirty="0"/>
-              <a:t>Image Analysis in R</a:t>
-            </a:r>
-          </a:p>
-          <a:p>
-            <a:pPr lvl="1"/>
-            <a:r>
-              <a:rPr lang="en-GB" dirty="0"/>
-              <a:t>9.2 Scenario Extension</a:t>
+              <a:t>BOSS FIGHT</a:t>
             </a:r>
           </a:p>
           <a:p>
